--- a/chap09/kickstarter_slide.pptx
+++ b/chap09/kickstarter_slide.pptx
@@ -221,7 +221,7 @@
           <a:p>
             <a:fld id="{2848F71F-AC30-4E71-A6A4-4BD4EF383B21}" type="datetimeFigureOut">
               <a:rPr kumimoji="1" lang="ja-JP" altLang="en-US" smtClean="0"/>
-              <a:t>2017/10/15</a:t>
+              <a:t>2021/7/25</a:t>
             </a:fld>
             <a:endParaRPr kumimoji="1" lang="ja-JP" altLang="en-US"/>
           </a:p>
@@ -386,7 +386,7 @@
           <a:p>
             <a:fld id="{49129844-B506-47FA-AD05-5864C540BE01}" type="datetimeFigureOut">
               <a:rPr kumimoji="1" lang="ja-JP" altLang="en-US" smtClean="0"/>
-              <a:t>2017/10/15</a:t>
+              <a:t>2021/7/25</a:t>
             </a:fld>
             <a:endParaRPr kumimoji="1" lang="ja-JP" altLang="en-US"/>
           </a:p>
@@ -450,70 +450,69 @@
           <a:p>
             <a:pPr lvl="0"/>
             <a:r>
-              <a:rPr kumimoji="1" lang="ja-JP" altLang="en-US" smtClean="0"/>
+              <a:rPr kumimoji="1" lang="ja-JP" altLang="en-US"/>
               <a:t>マスター テキストの書式設定</a:t>
             </a:r>
           </a:p>
           <a:p>
             <a:pPr lvl="1"/>
             <a:r>
-              <a:rPr kumimoji="1" lang="ja-JP" altLang="en-US" smtClean="0"/>
+              <a:rPr kumimoji="1" lang="ja-JP" altLang="en-US"/>
               <a:t>第 </a:t>
             </a:r>
             <a:r>
-              <a:rPr kumimoji="1" lang="en-US" altLang="ja-JP" smtClean="0"/>
+              <a:rPr kumimoji="1" lang="en-US" altLang="ja-JP"/>
               <a:t>2 </a:t>
             </a:r>
             <a:r>
-              <a:rPr kumimoji="1" lang="ja-JP" altLang="en-US" smtClean="0"/>
+              <a:rPr kumimoji="1" lang="ja-JP" altLang="en-US"/>
               <a:t>レベル</a:t>
             </a:r>
           </a:p>
           <a:p>
             <a:pPr lvl="2"/>
             <a:r>
-              <a:rPr kumimoji="1" lang="ja-JP" altLang="en-US" smtClean="0"/>
+              <a:rPr kumimoji="1" lang="ja-JP" altLang="en-US"/>
               <a:t>第 </a:t>
             </a:r>
             <a:r>
-              <a:rPr kumimoji="1" lang="en-US" altLang="ja-JP" smtClean="0"/>
+              <a:rPr kumimoji="1" lang="en-US" altLang="ja-JP"/>
               <a:t>3 </a:t>
             </a:r>
             <a:r>
-              <a:rPr kumimoji="1" lang="ja-JP" altLang="en-US" smtClean="0"/>
+              <a:rPr kumimoji="1" lang="ja-JP" altLang="en-US"/>
               <a:t>レベル</a:t>
             </a:r>
           </a:p>
           <a:p>
             <a:pPr lvl="3"/>
             <a:r>
-              <a:rPr kumimoji="1" lang="ja-JP" altLang="en-US" smtClean="0"/>
+              <a:rPr kumimoji="1" lang="ja-JP" altLang="en-US"/>
               <a:t>第 </a:t>
             </a:r>
             <a:r>
-              <a:rPr kumimoji="1" lang="en-US" altLang="ja-JP" smtClean="0"/>
+              <a:rPr kumimoji="1" lang="en-US" altLang="ja-JP"/>
               <a:t>4 </a:t>
             </a:r>
             <a:r>
-              <a:rPr kumimoji="1" lang="ja-JP" altLang="en-US" smtClean="0"/>
+              <a:rPr kumimoji="1" lang="ja-JP" altLang="en-US"/>
               <a:t>レベル</a:t>
             </a:r>
           </a:p>
           <a:p>
             <a:pPr lvl="4"/>
             <a:r>
-              <a:rPr kumimoji="1" lang="ja-JP" altLang="en-US" smtClean="0"/>
+              <a:rPr kumimoji="1" lang="ja-JP" altLang="en-US"/>
               <a:t>第 </a:t>
             </a:r>
             <a:r>
-              <a:rPr kumimoji="1" lang="en-US" altLang="ja-JP" smtClean="0"/>
+              <a:rPr kumimoji="1" lang="en-US" altLang="ja-JP"/>
               <a:t>5 </a:t>
             </a:r>
             <a:r>
-              <a:rPr kumimoji="1" lang="ja-JP" altLang="en-US" smtClean="0"/>
+              <a:rPr kumimoji="1" lang="ja-JP" altLang="en-US"/>
               <a:t>レベル</a:t>
             </a:r>
-            <a:endParaRPr kumimoji="1" lang="ja-JP" altLang="en-US"/>
           </a:p>
         </p:txBody>
       </p:sp>
@@ -980,10 +979,9 @@
           </a:lstStyle>
           <a:p>
             <a:r>
-              <a:rPr kumimoji="1" lang="ja-JP" altLang="en-US" smtClean="0"/>
+              <a:rPr kumimoji="1" lang="ja-JP" altLang="en-US"/>
               <a:t>マスター タイトルの書式設定</a:t>
             </a:r>
-            <a:endParaRPr kumimoji="1" lang="ja-JP" altLang="en-US"/>
           </a:p>
         </p:txBody>
       </p:sp>
@@ -1045,10 +1043,9 @@
           </a:lstStyle>
           <a:p>
             <a:r>
-              <a:rPr kumimoji="1" lang="ja-JP" altLang="en-US" smtClean="0"/>
+              <a:rPr kumimoji="1" lang="ja-JP" altLang="en-US"/>
               <a:t>マスター サブタイトルの書式設定</a:t>
             </a:r>
-            <a:endParaRPr kumimoji="1" lang="ja-JP" altLang="en-US"/>
           </a:p>
         </p:txBody>
       </p:sp>
@@ -1069,7 +1066,7 @@
           <a:p>
             <a:fld id="{F7B619E8-8C41-44A3-BE20-E9C48B3FE604}" type="datetimeFigureOut">
               <a:rPr kumimoji="1" lang="ja-JP" altLang="en-US" smtClean="0"/>
-              <a:t>2017/10/15</a:t>
+              <a:t>2021/7/25</a:t>
             </a:fld>
             <a:endParaRPr kumimoji="1" lang="ja-JP" altLang="en-US"/>
           </a:p>
@@ -1163,10 +1160,9 @@
           <a:lstStyle/>
           <a:p>
             <a:r>
-              <a:rPr kumimoji="1" lang="ja-JP" altLang="en-US" smtClean="0"/>
+              <a:rPr kumimoji="1" lang="ja-JP" altLang="en-US"/>
               <a:t>マスター タイトルの書式設定</a:t>
             </a:r>
-            <a:endParaRPr kumimoji="1" lang="ja-JP" altLang="en-US"/>
           </a:p>
         </p:txBody>
       </p:sp>
@@ -1187,70 +1183,69 @@
           <a:p>
             <a:pPr lvl="0"/>
             <a:r>
-              <a:rPr kumimoji="1" lang="ja-JP" altLang="en-US" smtClean="0"/>
+              <a:rPr kumimoji="1" lang="ja-JP" altLang="en-US"/>
               <a:t>マスター テキストの書式設定</a:t>
             </a:r>
           </a:p>
           <a:p>
             <a:pPr lvl="1"/>
             <a:r>
-              <a:rPr kumimoji="1" lang="ja-JP" altLang="en-US" smtClean="0"/>
+              <a:rPr kumimoji="1" lang="ja-JP" altLang="en-US"/>
               <a:t>第 </a:t>
             </a:r>
             <a:r>
-              <a:rPr kumimoji="1" lang="en-US" altLang="ja-JP" smtClean="0"/>
+              <a:rPr kumimoji="1" lang="en-US" altLang="ja-JP"/>
               <a:t>2 </a:t>
             </a:r>
             <a:r>
-              <a:rPr kumimoji="1" lang="ja-JP" altLang="en-US" smtClean="0"/>
+              <a:rPr kumimoji="1" lang="ja-JP" altLang="en-US"/>
               <a:t>レベル</a:t>
             </a:r>
           </a:p>
           <a:p>
             <a:pPr lvl="2"/>
             <a:r>
-              <a:rPr kumimoji="1" lang="ja-JP" altLang="en-US" smtClean="0"/>
+              <a:rPr kumimoji="1" lang="ja-JP" altLang="en-US"/>
               <a:t>第 </a:t>
             </a:r>
             <a:r>
-              <a:rPr kumimoji="1" lang="en-US" altLang="ja-JP" smtClean="0"/>
+              <a:rPr kumimoji="1" lang="en-US" altLang="ja-JP"/>
               <a:t>3 </a:t>
             </a:r>
             <a:r>
-              <a:rPr kumimoji="1" lang="ja-JP" altLang="en-US" smtClean="0"/>
+              <a:rPr kumimoji="1" lang="ja-JP" altLang="en-US"/>
               <a:t>レベル</a:t>
             </a:r>
           </a:p>
           <a:p>
             <a:pPr lvl="3"/>
             <a:r>
-              <a:rPr kumimoji="1" lang="ja-JP" altLang="en-US" smtClean="0"/>
+              <a:rPr kumimoji="1" lang="ja-JP" altLang="en-US"/>
               <a:t>第 </a:t>
             </a:r>
             <a:r>
-              <a:rPr kumimoji="1" lang="en-US" altLang="ja-JP" smtClean="0"/>
+              <a:rPr kumimoji="1" lang="en-US" altLang="ja-JP"/>
               <a:t>4 </a:t>
             </a:r>
             <a:r>
-              <a:rPr kumimoji="1" lang="ja-JP" altLang="en-US" smtClean="0"/>
+              <a:rPr kumimoji="1" lang="ja-JP" altLang="en-US"/>
               <a:t>レベル</a:t>
             </a:r>
           </a:p>
           <a:p>
             <a:pPr lvl="4"/>
             <a:r>
-              <a:rPr kumimoji="1" lang="ja-JP" altLang="en-US" smtClean="0"/>
+              <a:rPr kumimoji="1" lang="ja-JP" altLang="en-US"/>
               <a:t>第 </a:t>
             </a:r>
             <a:r>
-              <a:rPr kumimoji="1" lang="en-US" altLang="ja-JP" smtClean="0"/>
+              <a:rPr kumimoji="1" lang="en-US" altLang="ja-JP"/>
               <a:t>5 </a:t>
             </a:r>
             <a:r>
-              <a:rPr kumimoji="1" lang="ja-JP" altLang="en-US" smtClean="0"/>
+              <a:rPr kumimoji="1" lang="ja-JP" altLang="en-US"/>
               <a:t>レベル</a:t>
             </a:r>
-            <a:endParaRPr kumimoji="1" lang="ja-JP" altLang="en-US"/>
           </a:p>
         </p:txBody>
       </p:sp>
@@ -1271,7 +1266,7 @@
           <a:p>
             <a:fld id="{F7B619E8-8C41-44A3-BE20-E9C48B3FE604}" type="datetimeFigureOut">
               <a:rPr kumimoji="1" lang="ja-JP" altLang="en-US" smtClean="0"/>
-              <a:t>2017/10/15</a:t>
+              <a:t>2021/7/25</a:t>
             </a:fld>
             <a:endParaRPr kumimoji="1" lang="ja-JP" altLang="en-US"/>
           </a:p>
@@ -1370,10 +1365,9 @@
           <a:lstStyle/>
           <a:p>
             <a:r>
-              <a:rPr kumimoji="1" lang="ja-JP" altLang="en-US" smtClean="0"/>
+              <a:rPr kumimoji="1" lang="ja-JP" altLang="en-US"/>
               <a:t>マスター タイトルの書式設定</a:t>
             </a:r>
-            <a:endParaRPr kumimoji="1" lang="ja-JP" altLang="en-US"/>
           </a:p>
         </p:txBody>
       </p:sp>
@@ -1399,70 +1393,69 @@
           <a:p>
             <a:pPr lvl="0"/>
             <a:r>
-              <a:rPr kumimoji="1" lang="ja-JP" altLang="en-US" smtClean="0"/>
+              <a:rPr kumimoji="1" lang="ja-JP" altLang="en-US"/>
               <a:t>マスター テキストの書式設定</a:t>
             </a:r>
           </a:p>
           <a:p>
             <a:pPr lvl="1"/>
             <a:r>
-              <a:rPr kumimoji="1" lang="ja-JP" altLang="en-US" smtClean="0"/>
+              <a:rPr kumimoji="1" lang="ja-JP" altLang="en-US"/>
               <a:t>第 </a:t>
             </a:r>
             <a:r>
-              <a:rPr kumimoji="1" lang="en-US" altLang="ja-JP" smtClean="0"/>
+              <a:rPr kumimoji="1" lang="en-US" altLang="ja-JP"/>
               <a:t>2 </a:t>
             </a:r>
             <a:r>
-              <a:rPr kumimoji="1" lang="ja-JP" altLang="en-US" smtClean="0"/>
+              <a:rPr kumimoji="1" lang="ja-JP" altLang="en-US"/>
               <a:t>レベル</a:t>
             </a:r>
           </a:p>
           <a:p>
             <a:pPr lvl="2"/>
             <a:r>
-              <a:rPr kumimoji="1" lang="ja-JP" altLang="en-US" smtClean="0"/>
+              <a:rPr kumimoji="1" lang="ja-JP" altLang="en-US"/>
               <a:t>第 </a:t>
             </a:r>
             <a:r>
-              <a:rPr kumimoji="1" lang="en-US" altLang="ja-JP" smtClean="0"/>
+              <a:rPr kumimoji="1" lang="en-US" altLang="ja-JP"/>
               <a:t>3 </a:t>
             </a:r>
             <a:r>
-              <a:rPr kumimoji="1" lang="ja-JP" altLang="en-US" smtClean="0"/>
+              <a:rPr kumimoji="1" lang="ja-JP" altLang="en-US"/>
               <a:t>レベル</a:t>
             </a:r>
           </a:p>
           <a:p>
             <a:pPr lvl="3"/>
             <a:r>
-              <a:rPr kumimoji="1" lang="ja-JP" altLang="en-US" smtClean="0"/>
+              <a:rPr kumimoji="1" lang="ja-JP" altLang="en-US"/>
               <a:t>第 </a:t>
             </a:r>
             <a:r>
-              <a:rPr kumimoji="1" lang="en-US" altLang="ja-JP" smtClean="0"/>
+              <a:rPr kumimoji="1" lang="en-US" altLang="ja-JP"/>
               <a:t>4 </a:t>
             </a:r>
             <a:r>
-              <a:rPr kumimoji="1" lang="ja-JP" altLang="en-US" smtClean="0"/>
+              <a:rPr kumimoji="1" lang="ja-JP" altLang="en-US"/>
               <a:t>レベル</a:t>
             </a:r>
           </a:p>
           <a:p>
             <a:pPr lvl="4"/>
             <a:r>
-              <a:rPr kumimoji="1" lang="ja-JP" altLang="en-US" smtClean="0"/>
+              <a:rPr kumimoji="1" lang="ja-JP" altLang="en-US"/>
               <a:t>第 </a:t>
             </a:r>
             <a:r>
-              <a:rPr kumimoji="1" lang="en-US" altLang="ja-JP" smtClean="0"/>
+              <a:rPr kumimoji="1" lang="en-US" altLang="ja-JP"/>
               <a:t>5 </a:t>
             </a:r>
             <a:r>
-              <a:rPr kumimoji="1" lang="ja-JP" altLang="en-US" smtClean="0"/>
+              <a:rPr kumimoji="1" lang="ja-JP" altLang="en-US"/>
               <a:t>レベル</a:t>
             </a:r>
-            <a:endParaRPr kumimoji="1" lang="ja-JP" altLang="en-US"/>
           </a:p>
         </p:txBody>
       </p:sp>
@@ -1483,7 +1476,7 @@
           <a:p>
             <a:fld id="{F7B619E8-8C41-44A3-BE20-E9C48B3FE604}" type="datetimeFigureOut">
               <a:rPr kumimoji="1" lang="ja-JP" altLang="en-US" smtClean="0"/>
-              <a:t>2017/10/15</a:t>
+              <a:t>2021/7/25</a:t>
             </a:fld>
             <a:endParaRPr kumimoji="1" lang="ja-JP" altLang="en-US"/>
           </a:p>
@@ -1577,10 +1570,9 @@
           <a:lstStyle/>
           <a:p>
             <a:r>
-              <a:rPr kumimoji="1" lang="ja-JP" altLang="en-US" smtClean="0"/>
+              <a:rPr kumimoji="1" lang="ja-JP" altLang="en-US"/>
               <a:t>マスター タイトルの書式設定</a:t>
             </a:r>
-            <a:endParaRPr kumimoji="1" lang="ja-JP" altLang="en-US"/>
           </a:p>
         </p:txBody>
       </p:sp>
@@ -1601,70 +1593,69 @@
           <a:p>
             <a:pPr lvl="0"/>
             <a:r>
-              <a:rPr kumimoji="1" lang="ja-JP" altLang="en-US" smtClean="0"/>
+              <a:rPr kumimoji="1" lang="ja-JP" altLang="en-US"/>
               <a:t>マスター テキストの書式設定</a:t>
             </a:r>
           </a:p>
           <a:p>
             <a:pPr lvl="1"/>
             <a:r>
-              <a:rPr kumimoji="1" lang="ja-JP" altLang="en-US" smtClean="0"/>
+              <a:rPr kumimoji="1" lang="ja-JP" altLang="en-US"/>
               <a:t>第 </a:t>
             </a:r>
             <a:r>
-              <a:rPr kumimoji="1" lang="en-US" altLang="ja-JP" smtClean="0"/>
+              <a:rPr kumimoji="1" lang="en-US" altLang="ja-JP"/>
               <a:t>2 </a:t>
             </a:r>
             <a:r>
-              <a:rPr kumimoji="1" lang="ja-JP" altLang="en-US" smtClean="0"/>
+              <a:rPr kumimoji="1" lang="ja-JP" altLang="en-US"/>
               <a:t>レベル</a:t>
             </a:r>
           </a:p>
           <a:p>
             <a:pPr lvl="2"/>
             <a:r>
-              <a:rPr kumimoji="1" lang="ja-JP" altLang="en-US" smtClean="0"/>
+              <a:rPr kumimoji="1" lang="ja-JP" altLang="en-US"/>
               <a:t>第 </a:t>
             </a:r>
             <a:r>
-              <a:rPr kumimoji="1" lang="en-US" altLang="ja-JP" smtClean="0"/>
+              <a:rPr kumimoji="1" lang="en-US" altLang="ja-JP"/>
               <a:t>3 </a:t>
             </a:r>
             <a:r>
-              <a:rPr kumimoji="1" lang="ja-JP" altLang="en-US" smtClean="0"/>
+              <a:rPr kumimoji="1" lang="ja-JP" altLang="en-US"/>
               <a:t>レベル</a:t>
             </a:r>
           </a:p>
           <a:p>
             <a:pPr lvl="3"/>
             <a:r>
-              <a:rPr kumimoji="1" lang="ja-JP" altLang="en-US" smtClean="0"/>
+              <a:rPr kumimoji="1" lang="ja-JP" altLang="en-US"/>
               <a:t>第 </a:t>
             </a:r>
             <a:r>
-              <a:rPr kumimoji="1" lang="en-US" altLang="ja-JP" smtClean="0"/>
+              <a:rPr kumimoji="1" lang="en-US" altLang="ja-JP"/>
               <a:t>4 </a:t>
             </a:r>
             <a:r>
-              <a:rPr kumimoji="1" lang="ja-JP" altLang="en-US" smtClean="0"/>
+              <a:rPr kumimoji="1" lang="ja-JP" altLang="en-US"/>
               <a:t>レベル</a:t>
             </a:r>
           </a:p>
           <a:p>
             <a:pPr lvl="4"/>
             <a:r>
-              <a:rPr kumimoji="1" lang="ja-JP" altLang="en-US" smtClean="0"/>
+              <a:rPr kumimoji="1" lang="ja-JP" altLang="en-US"/>
               <a:t>第 </a:t>
             </a:r>
             <a:r>
-              <a:rPr kumimoji="1" lang="en-US" altLang="ja-JP" smtClean="0"/>
+              <a:rPr kumimoji="1" lang="en-US" altLang="ja-JP"/>
               <a:t>5 </a:t>
             </a:r>
             <a:r>
-              <a:rPr kumimoji="1" lang="ja-JP" altLang="en-US" smtClean="0"/>
+              <a:rPr kumimoji="1" lang="ja-JP" altLang="en-US"/>
               <a:t>レベル</a:t>
             </a:r>
-            <a:endParaRPr kumimoji="1" lang="ja-JP" altLang="en-US"/>
           </a:p>
         </p:txBody>
       </p:sp>
@@ -1685,7 +1676,7 @@
           <a:p>
             <a:fld id="{F7B619E8-8C41-44A3-BE20-E9C48B3FE604}" type="datetimeFigureOut">
               <a:rPr kumimoji="1" lang="ja-JP" altLang="en-US" smtClean="0"/>
-              <a:t>2017/10/15</a:t>
+              <a:t>2021/7/25</a:t>
             </a:fld>
             <a:endParaRPr kumimoji="1" lang="ja-JP" altLang="en-US"/>
           </a:p>
@@ -1788,10 +1779,9 @@
           </a:lstStyle>
           <a:p>
             <a:r>
-              <a:rPr kumimoji="1" lang="ja-JP" altLang="en-US" smtClean="0"/>
+              <a:rPr kumimoji="1" lang="ja-JP" altLang="en-US"/>
               <a:t>マスター タイトルの書式設定</a:t>
             </a:r>
-            <a:endParaRPr kumimoji="1" lang="ja-JP" altLang="en-US"/>
           </a:p>
         </p:txBody>
       </p:sp>
@@ -1908,7 +1898,7 @@
           <a:p>
             <a:pPr lvl="0"/>
             <a:r>
-              <a:rPr kumimoji="1" lang="ja-JP" altLang="en-US" smtClean="0"/>
+              <a:rPr kumimoji="1" lang="ja-JP" altLang="en-US"/>
               <a:t>マスター テキストの書式設定</a:t>
             </a:r>
           </a:p>
@@ -1931,7 +1921,7 @@
           <a:p>
             <a:fld id="{F7B619E8-8C41-44A3-BE20-E9C48B3FE604}" type="datetimeFigureOut">
               <a:rPr kumimoji="1" lang="ja-JP" altLang="en-US" smtClean="0"/>
-              <a:t>2017/10/15</a:t>
+              <a:t>2021/7/25</a:t>
             </a:fld>
             <a:endParaRPr kumimoji="1" lang="ja-JP" altLang="en-US"/>
           </a:p>
@@ -2025,10 +2015,9 @@
           <a:lstStyle/>
           <a:p>
             <a:r>
-              <a:rPr kumimoji="1" lang="ja-JP" altLang="en-US" smtClean="0"/>
+              <a:rPr kumimoji="1" lang="ja-JP" altLang="en-US"/>
               <a:t>マスター タイトルの書式設定</a:t>
             </a:r>
-            <a:endParaRPr kumimoji="1" lang="ja-JP" altLang="en-US"/>
           </a:p>
         </p:txBody>
       </p:sp>
@@ -2054,70 +2043,69 @@
           <a:p>
             <a:pPr lvl="0"/>
             <a:r>
-              <a:rPr kumimoji="1" lang="ja-JP" altLang="en-US" smtClean="0"/>
+              <a:rPr kumimoji="1" lang="ja-JP" altLang="en-US"/>
               <a:t>マスター テキストの書式設定</a:t>
             </a:r>
           </a:p>
           <a:p>
             <a:pPr lvl="1"/>
             <a:r>
-              <a:rPr kumimoji="1" lang="ja-JP" altLang="en-US" smtClean="0"/>
+              <a:rPr kumimoji="1" lang="ja-JP" altLang="en-US"/>
               <a:t>第 </a:t>
             </a:r>
             <a:r>
-              <a:rPr kumimoji="1" lang="en-US" altLang="ja-JP" smtClean="0"/>
+              <a:rPr kumimoji="1" lang="en-US" altLang="ja-JP"/>
               <a:t>2 </a:t>
             </a:r>
             <a:r>
-              <a:rPr kumimoji="1" lang="ja-JP" altLang="en-US" smtClean="0"/>
+              <a:rPr kumimoji="1" lang="ja-JP" altLang="en-US"/>
               <a:t>レベル</a:t>
             </a:r>
           </a:p>
           <a:p>
             <a:pPr lvl="2"/>
             <a:r>
-              <a:rPr kumimoji="1" lang="ja-JP" altLang="en-US" smtClean="0"/>
+              <a:rPr kumimoji="1" lang="ja-JP" altLang="en-US"/>
               <a:t>第 </a:t>
             </a:r>
             <a:r>
-              <a:rPr kumimoji="1" lang="en-US" altLang="ja-JP" smtClean="0"/>
+              <a:rPr kumimoji="1" lang="en-US" altLang="ja-JP"/>
               <a:t>3 </a:t>
             </a:r>
             <a:r>
-              <a:rPr kumimoji="1" lang="ja-JP" altLang="en-US" smtClean="0"/>
+              <a:rPr kumimoji="1" lang="ja-JP" altLang="en-US"/>
               <a:t>レベル</a:t>
             </a:r>
           </a:p>
           <a:p>
             <a:pPr lvl="3"/>
             <a:r>
-              <a:rPr kumimoji="1" lang="ja-JP" altLang="en-US" smtClean="0"/>
+              <a:rPr kumimoji="1" lang="ja-JP" altLang="en-US"/>
               <a:t>第 </a:t>
             </a:r>
             <a:r>
-              <a:rPr kumimoji="1" lang="en-US" altLang="ja-JP" smtClean="0"/>
+              <a:rPr kumimoji="1" lang="en-US" altLang="ja-JP"/>
               <a:t>4 </a:t>
             </a:r>
             <a:r>
-              <a:rPr kumimoji="1" lang="ja-JP" altLang="en-US" smtClean="0"/>
+              <a:rPr kumimoji="1" lang="ja-JP" altLang="en-US"/>
               <a:t>レベル</a:t>
             </a:r>
           </a:p>
           <a:p>
             <a:pPr lvl="4"/>
             <a:r>
-              <a:rPr kumimoji="1" lang="ja-JP" altLang="en-US" smtClean="0"/>
+              <a:rPr kumimoji="1" lang="ja-JP" altLang="en-US"/>
               <a:t>第 </a:t>
             </a:r>
             <a:r>
-              <a:rPr kumimoji="1" lang="en-US" altLang="ja-JP" smtClean="0"/>
+              <a:rPr kumimoji="1" lang="en-US" altLang="ja-JP"/>
               <a:t>5 </a:t>
             </a:r>
             <a:r>
-              <a:rPr kumimoji="1" lang="ja-JP" altLang="en-US" smtClean="0"/>
+              <a:rPr kumimoji="1" lang="ja-JP" altLang="en-US"/>
               <a:t>レベル</a:t>
             </a:r>
-            <a:endParaRPr kumimoji="1" lang="ja-JP" altLang="en-US"/>
           </a:p>
         </p:txBody>
       </p:sp>
@@ -2143,70 +2131,69 @@
           <a:p>
             <a:pPr lvl="0"/>
             <a:r>
-              <a:rPr kumimoji="1" lang="ja-JP" altLang="en-US" smtClean="0"/>
+              <a:rPr kumimoji="1" lang="ja-JP" altLang="en-US"/>
               <a:t>マスター テキストの書式設定</a:t>
             </a:r>
           </a:p>
           <a:p>
             <a:pPr lvl="1"/>
             <a:r>
-              <a:rPr kumimoji="1" lang="ja-JP" altLang="en-US" smtClean="0"/>
+              <a:rPr kumimoji="1" lang="ja-JP" altLang="en-US"/>
               <a:t>第 </a:t>
             </a:r>
             <a:r>
-              <a:rPr kumimoji="1" lang="en-US" altLang="ja-JP" smtClean="0"/>
+              <a:rPr kumimoji="1" lang="en-US" altLang="ja-JP"/>
               <a:t>2 </a:t>
             </a:r>
             <a:r>
-              <a:rPr kumimoji="1" lang="ja-JP" altLang="en-US" smtClean="0"/>
+              <a:rPr kumimoji="1" lang="ja-JP" altLang="en-US"/>
               <a:t>レベル</a:t>
             </a:r>
           </a:p>
           <a:p>
             <a:pPr lvl="2"/>
             <a:r>
-              <a:rPr kumimoji="1" lang="ja-JP" altLang="en-US" smtClean="0"/>
+              <a:rPr kumimoji="1" lang="ja-JP" altLang="en-US"/>
               <a:t>第 </a:t>
             </a:r>
             <a:r>
-              <a:rPr kumimoji="1" lang="en-US" altLang="ja-JP" smtClean="0"/>
+              <a:rPr kumimoji="1" lang="en-US" altLang="ja-JP"/>
               <a:t>3 </a:t>
             </a:r>
             <a:r>
-              <a:rPr kumimoji="1" lang="ja-JP" altLang="en-US" smtClean="0"/>
+              <a:rPr kumimoji="1" lang="ja-JP" altLang="en-US"/>
               <a:t>レベル</a:t>
             </a:r>
           </a:p>
           <a:p>
             <a:pPr lvl="3"/>
             <a:r>
-              <a:rPr kumimoji="1" lang="ja-JP" altLang="en-US" smtClean="0"/>
+              <a:rPr kumimoji="1" lang="ja-JP" altLang="en-US"/>
               <a:t>第 </a:t>
             </a:r>
             <a:r>
-              <a:rPr kumimoji="1" lang="en-US" altLang="ja-JP" smtClean="0"/>
+              <a:rPr kumimoji="1" lang="en-US" altLang="ja-JP"/>
               <a:t>4 </a:t>
             </a:r>
             <a:r>
-              <a:rPr kumimoji="1" lang="ja-JP" altLang="en-US" smtClean="0"/>
+              <a:rPr kumimoji="1" lang="ja-JP" altLang="en-US"/>
               <a:t>レベル</a:t>
             </a:r>
           </a:p>
           <a:p>
             <a:pPr lvl="4"/>
             <a:r>
-              <a:rPr kumimoji="1" lang="ja-JP" altLang="en-US" smtClean="0"/>
+              <a:rPr kumimoji="1" lang="ja-JP" altLang="en-US"/>
               <a:t>第 </a:t>
             </a:r>
             <a:r>
-              <a:rPr kumimoji="1" lang="en-US" altLang="ja-JP" smtClean="0"/>
+              <a:rPr kumimoji="1" lang="en-US" altLang="ja-JP"/>
               <a:t>5 </a:t>
             </a:r>
             <a:r>
-              <a:rPr kumimoji="1" lang="ja-JP" altLang="en-US" smtClean="0"/>
+              <a:rPr kumimoji="1" lang="ja-JP" altLang="en-US"/>
               <a:t>レベル</a:t>
             </a:r>
-            <a:endParaRPr kumimoji="1" lang="ja-JP" altLang="en-US"/>
           </a:p>
         </p:txBody>
       </p:sp>
@@ -2227,7 +2214,7 @@
           <a:p>
             <a:fld id="{F7B619E8-8C41-44A3-BE20-E9C48B3FE604}" type="datetimeFigureOut">
               <a:rPr kumimoji="1" lang="ja-JP" altLang="en-US" smtClean="0"/>
-              <a:t>2017/10/15</a:t>
+              <a:t>2021/7/25</a:t>
             </a:fld>
             <a:endParaRPr kumimoji="1" lang="ja-JP" altLang="en-US"/>
           </a:p>
@@ -2326,10 +2313,9 @@
           <a:lstStyle/>
           <a:p>
             <a:r>
-              <a:rPr kumimoji="1" lang="ja-JP" altLang="en-US" smtClean="0"/>
+              <a:rPr kumimoji="1" lang="ja-JP" altLang="en-US"/>
               <a:t>マスター タイトルの書式設定</a:t>
             </a:r>
-            <a:endParaRPr kumimoji="1" lang="ja-JP" altLang="en-US"/>
           </a:p>
         </p:txBody>
       </p:sp>
@@ -2392,7 +2378,7 @@
           <a:p>
             <a:pPr lvl="0"/>
             <a:r>
-              <a:rPr kumimoji="1" lang="ja-JP" altLang="en-US" smtClean="0"/>
+              <a:rPr kumimoji="1" lang="ja-JP" altLang="en-US"/>
               <a:t>マスター テキストの書式設定</a:t>
             </a:r>
           </a:p>
@@ -2420,70 +2406,69 @@
           <a:p>
             <a:pPr lvl="0"/>
             <a:r>
-              <a:rPr kumimoji="1" lang="ja-JP" altLang="en-US" smtClean="0"/>
+              <a:rPr kumimoji="1" lang="ja-JP" altLang="en-US"/>
               <a:t>マスター テキストの書式設定</a:t>
             </a:r>
           </a:p>
           <a:p>
             <a:pPr lvl="1"/>
             <a:r>
-              <a:rPr kumimoji="1" lang="ja-JP" altLang="en-US" smtClean="0"/>
+              <a:rPr kumimoji="1" lang="ja-JP" altLang="en-US"/>
               <a:t>第 </a:t>
             </a:r>
             <a:r>
-              <a:rPr kumimoji="1" lang="en-US" altLang="ja-JP" smtClean="0"/>
+              <a:rPr kumimoji="1" lang="en-US" altLang="ja-JP"/>
               <a:t>2 </a:t>
             </a:r>
             <a:r>
-              <a:rPr kumimoji="1" lang="ja-JP" altLang="en-US" smtClean="0"/>
+              <a:rPr kumimoji="1" lang="ja-JP" altLang="en-US"/>
               <a:t>レベル</a:t>
             </a:r>
           </a:p>
           <a:p>
             <a:pPr lvl="2"/>
             <a:r>
-              <a:rPr kumimoji="1" lang="ja-JP" altLang="en-US" smtClean="0"/>
+              <a:rPr kumimoji="1" lang="ja-JP" altLang="en-US"/>
               <a:t>第 </a:t>
             </a:r>
             <a:r>
-              <a:rPr kumimoji="1" lang="en-US" altLang="ja-JP" smtClean="0"/>
+              <a:rPr kumimoji="1" lang="en-US" altLang="ja-JP"/>
               <a:t>3 </a:t>
             </a:r>
             <a:r>
-              <a:rPr kumimoji="1" lang="ja-JP" altLang="en-US" smtClean="0"/>
+              <a:rPr kumimoji="1" lang="ja-JP" altLang="en-US"/>
               <a:t>レベル</a:t>
             </a:r>
           </a:p>
           <a:p>
             <a:pPr lvl="3"/>
             <a:r>
-              <a:rPr kumimoji="1" lang="ja-JP" altLang="en-US" smtClean="0"/>
+              <a:rPr kumimoji="1" lang="ja-JP" altLang="en-US"/>
               <a:t>第 </a:t>
             </a:r>
             <a:r>
-              <a:rPr kumimoji="1" lang="en-US" altLang="ja-JP" smtClean="0"/>
+              <a:rPr kumimoji="1" lang="en-US" altLang="ja-JP"/>
               <a:t>4 </a:t>
             </a:r>
             <a:r>
-              <a:rPr kumimoji="1" lang="ja-JP" altLang="en-US" smtClean="0"/>
+              <a:rPr kumimoji="1" lang="ja-JP" altLang="en-US"/>
               <a:t>レベル</a:t>
             </a:r>
           </a:p>
           <a:p>
             <a:pPr lvl="4"/>
             <a:r>
-              <a:rPr kumimoji="1" lang="ja-JP" altLang="en-US" smtClean="0"/>
+              <a:rPr kumimoji="1" lang="ja-JP" altLang="en-US"/>
               <a:t>第 </a:t>
             </a:r>
             <a:r>
-              <a:rPr kumimoji="1" lang="en-US" altLang="ja-JP" smtClean="0"/>
+              <a:rPr kumimoji="1" lang="en-US" altLang="ja-JP"/>
               <a:t>5 </a:t>
             </a:r>
             <a:r>
-              <a:rPr kumimoji="1" lang="ja-JP" altLang="en-US" smtClean="0"/>
+              <a:rPr kumimoji="1" lang="ja-JP" altLang="en-US"/>
               <a:t>レベル</a:t>
             </a:r>
-            <a:endParaRPr kumimoji="1" lang="ja-JP" altLang="en-US"/>
           </a:p>
         </p:txBody>
       </p:sp>
@@ -2546,7 +2531,7 @@
           <a:p>
             <a:pPr lvl="0"/>
             <a:r>
-              <a:rPr kumimoji="1" lang="ja-JP" altLang="en-US" smtClean="0"/>
+              <a:rPr kumimoji="1" lang="ja-JP" altLang="en-US"/>
               <a:t>マスター テキストの書式設定</a:t>
             </a:r>
           </a:p>
@@ -2574,70 +2559,69 @@
           <a:p>
             <a:pPr lvl="0"/>
             <a:r>
-              <a:rPr kumimoji="1" lang="ja-JP" altLang="en-US" smtClean="0"/>
+              <a:rPr kumimoji="1" lang="ja-JP" altLang="en-US"/>
               <a:t>マスター テキストの書式設定</a:t>
             </a:r>
           </a:p>
           <a:p>
             <a:pPr lvl="1"/>
             <a:r>
-              <a:rPr kumimoji="1" lang="ja-JP" altLang="en-US" smtClean="0"/>
+              <a:rPr kumimoji="1" lang="ja-JP" altLang="en-US"/>
               <a:t>第 </a:t>
             </a:r>
             <a:r>
-              <a:rPr kumimoji="1" lang="en-US" altLang="ja-JP" smtClean="0"/>
+              <a:rPr kumimoji="1" lang="en-US" altLang="ja-JP"/>
               <a:t>2 </a:t>
             </a:r>
             <a:r>
-              <a:rPr kumimoji="1" lang="ja-JP" altLang="en-US" smtClean="0"/>
+              <a:rPr kumimoji="1" lang="ja-JP" altLang="en-US"/>
               <a:t>レベル</a:t>
             </a:r>
           </a:p>
           <a:p>
             <a:pPr lvl="2"/>
             <a:r>
-              <a:rPr kumimoji="1" lang="ja-JP" altLang="en-US" smtClean="0"/>
+              <a:rPr kumimoji="1" lang="ja-JP" altLang="en-US"/>
               <a:t>第 </a:t>
             </a:r>
             <a:r>
-              <a:rPr kumimoji="1" lang="en-US" altLang="ja-JP" smtClean="0"/>
+              <a:rPr kumimoji="1" lang="en-US" altLang="ja-JP"/>
               <a:t>3 </a:t>
             </a:r>
             <a:r>
-              <a:rPr kumimoji="1" lang="ja-JP" altLang="en-US" smtClean="0"/>
+              <a:rPr kumimoji="1" lang="ja-JP" altLang="en-US"/>
               <a:t>レベル</a:t>
             </a:r>
           </a:p>
           <a:p>
             <a:pPr lvl="3"/>
             <a:r>
-              <a:rPr kumimoji="1" lang="ja-JP" altLang="en-US" smtClean="0"/>
+              <a:rPr kumimoji="1" lang="ja-JP" altLang="en-US"/>
               <a:t>第 </a:t>
             </a:r>
             <a:r>
-              <a:rPr kumimoji="1" lang="en-US" altLang="ja-JP" smtClean="0"/>
+              <a:rPr kumimoji="1" lang="en-US" altLang="ja-JP"/>
               <a:t>4 </a:t>
             </a:r>
             <a:r>
-              <a:rPr kumimoji="1" lang="ja-JP" altLang="en-US" smtClean="0"/>
+              <a:rPr kumimoji="1" lang="ja-JP" altLang="en-US"/>
               <a:t>レベル</a:t>
             </a:r>
           </a:p>
           <a:p>
             <a:pPr lvl="4"/>
             <a:r>
-              <a:rPr kumimoji="1" lang="ja-JP" altLang="en-US" smtClean="0"/>
+              <a:rPr kumimoji="1" lang="ja-JP" altLang="en-US"/>
               <a:t>第 </a:t>
             </a:r>
             <a:r>
-              <a:rPr kumimoji="1" lang="en-US" altLang="ja-JP" smtClean="0"/>
+              <a:rPr kumimoji="1" lang="en-US" altLang="ja-JP"/>
               <a:t>5 </a:t>
             </a:r>
             <a:r>
-              <a:rPr kumimoji="1" lang="ja-JP" altLang="en-US" smtClean="0"/>
+              <a:rPr kumimoji="1" lang="ja-JP" altLang="en-US"/>
               <a:t>レベル</a:t>
             </a:r>
-            <a:endParaRPr kumimoji="1" lang="ja-JP" altLang="en-US"/>
           </a:p>
         </p:txBody>
       </p:sp>
@@ -2658,7 +2642,7 @@
           <a:p>
             <a:fld id="{F7B619E8-8C41-44A3-BE20-E9C48B3FE604}" type="datetimeFigureOut">
               <a:rPr kumimoji="1" lang="ja-JP" altLang="en-US" smtClean="0"/>
-              <a:t>2017/10/15</a:t>
+              <a:t>2021/7/25</a:t>
             </a:fld>
             <a:endParaRPr kumimoji="1" lang="ja-JP" altLang="en-US"/>
           </a:p>
@@ -2752,10 +2736,9 @@
           <a:lstStyle/>
           <a:p>
             <a:r>
-              <a:rPr kumimoji="1" lang="ja-JP" altLang="en-US" smtClean="0"/>
+              <a:rPr kumimoji="1" lang="ja-JP" altLang="en-US"/>
               <a:t>マスター タイトルの書式設定</a:t>
             </a:r>
-            <a:endParaRPr kumimoji="1" lang="ja-JP" altLang="en-US"/>
           </a:p>
         </p:txBody>
       </p:sp>
@@ -2776,7 +2759,7 @@
           <a:p>
             <a:fld id="{F7B619E8-8C41-44A3-BE20-E9C48B3FE604}" type="datetimeFigureOut">
               <a:rPr kumimoji="1" lang="ja-JP" altLang="en-US" smtClean="0"/>
-              <a:t>2017/10/15</a:t>
+              <a:t>2021/7/25</a:t>
             </a:fld>
             <a:endParaRPr kumimoji="1" lang="ja-JP" altLang="en-US"/>
           </a:p>
@@ -2871,7 +2854,7 @@
           <a:p>
             <a:fld id="{F7B619E8-8C41-44A3-BE20-E9C48B3FE604}" type="datetimeFigureOut">
               <a:rPr kumimoji="1" lang="ja-JP" altLang="en-US" smtClean="0"/>
-              <a:t>2017/10/15</a:t>
+              <a:t>2021/7/25</a:t>
             </a:fld>
             <a:endParaRPr kumimoji="1" lang="ja-JP" altLang="en-US"/>
           </a:p>
@@ -2974,10 +2957,9 @@
           </a:lstStyle>
           <a:p>
             <a:r>
-              <a:rPr kumimoji="1" lang="ja-JP" altLang="en-US" smtClean="0"/>
+              <a:rPr kumimoji="1" lang="ja-JP" altLang="en-US"/>
               <a:t>マスター タイトルの書式設定</a:t>
             </a:r>
-            <a:endParaRPr kumimoji="1" lang="ja-JP" altLang="en-US"/>
           </a:p>
         </p:txBody>
       </p:sp>
@@ -3031,70 +3013,69 @@
           <a:p>
             <a:pPr lvl="0"/>
             <a:r>
-              <a:rPr kumimoji="1" lang="ja-JP" altLang="en-US" smtClean="0"/>
+              <a:rPr kumimoji="1" lang="ja-JP" altLang="en-US"/>
               <a:t>マスター テキストの書式設定</a:t>
             </a:r>
           </a:p>
           <a:p>
             <a:pPr lvl="1"/>
             <a:r>
-              <a:rPr kumimoji="1" lang="ja-JP" altLang="en-US" smtClean="0"/>
+              <a:rPr kumimoji="1" lang="ja-JP" altLang="en-US"/>
               <a:t>第 </a:t>
             </a:r>
             <a:r>
-              <a:rPr kumimoji="1" lang="en-US" altLang="ja-JP" smtClean="0"/>
+              <a:rPr kumimoji="1" lang="en-US" altLang="ja-JP"/>
               <a:t>2 </a:t>
             </a:r>
             <a:r>
-              <a:rPr kumimoji="1" lang="ja-JP" altLang="en-US" smtClean="0"/>
+              <a:rPr kumimoji="1" lang="ja-JP" altLang="en-US"/>
               <a:t>レベル</a:t>
             </a:r>
           </a:p>
           <a:p>
             <a:pPr lvl="2"/>
             <a:r>
-              <a:rPr kumimoji="1" lang="ja-JP" altLang="en-US" smtClean="0"/>
+              <a:rPr kumimoji="1" lang="ja-JP" altLang="en-US"/>
               <a:t>第 </a:t>
             </a:r>
             <a:r>
-              <a:rPr kumimoji="1" lang="en-US" altLang="ja-JP" smtClean="0"/>
+              <a:rPr kumimoji="1" lang="en-US" altLang="ja-JP"/>
               <a:t>3 </a:t>
             </a:r>
             <a:r>
-              <a:rPr kumimoji="1" lang="ja-JP" altLang="en-US" smtClean="0"/>
+              <a:rPr kumimoji="1" lang="ja-JP" altLang="en-US"/>
               <a:t>レベル</a:t>
             </a:r>
           </a:p>
           <a:p>
             <a:pPr lvl="3"/>
             <a:r>
-              <a:rPr kumimoji="1" lang="ja-JP" altLang="en-US" smtClean="0"/>
+              <a:rPr kumimoji="1" lang="ja-JP" altLang="en-US"/>
               <a:t>第 </a:t>
             </a:r>
             <a:r>
-              <a:rPr kumimoji="1" lang="en-US" altLang="ja-JP" smtClean="0"/>
+              <a:rPr kumimoji="1" lang="en-US" altLang="ja-JP"/>
               <a:t>4 </a:t>
             </a:r>
             <a:r>
-              <a:rPr kumimoji="1" lang="ja-JP" altLang="en-US" smtClean="0"/>
+              <a:rPr kumimoji="1" lang="ja-JP" altLang="en-US"/>
               <a:t>レベル</a:t>
             </a:r>
           </a:p>
           <a:p>
             <a:pPr lvl="4"/>
             <a:r>
-              <a:rPr kumimoji="1" lang="ja-JP" altLang="en-US" smtClean="0"/>
+              <a:rPr kumimoji="1" lang="ja-JP" altLang="en-US"/>
               <a:t>第 </a:t>
             </a:r>
             <a:r>
-              <a:rPr kumimoji="1" lang="en-US" altLang="ja-JP" smtClean="0"/>
+              <a:rPr kumimoji="1" lang="en-US" altLang="ja-JP"/>
               <a:t>5 </a:t>
             </a:r>
             <a:r>
-              <a:rPr kumimoji="1" lang="ja-JP" altLang="en-US" smtClean="0"/>
+              <a:rPr kumimoji="1" lang="ja-JP" altLang="en-US"/>
               <a:t>レベル</a:t>
             </a:r>
-            <a:endParaRPr kumimoji="1" lang="ja-JP" altLang="en-US"/>
           </a:p>
         </p:txBody>
       </p:sp>
@@ -3157,7 +3138,7 @@
           <a:p>
             <a:pPr lvl="0"/>
             <a:r>
-              <a:rPr kumimoji="1" lang="ja-JP" altLang="en-US" smtClean="0"/>
+              <a:rPr kumimoji="1" lang="ja-JP" altLang="en-US"/>
               <a:t>マスター テキストの書式設定</a:t>
             </a:r>
           </a:p>
@@ -3180,7 +3161,7 @@
           <a:p>
             <a:fld id="{F7B619E8-8C41-44A3-BE20-E9C48B3FE604}" type="datetimeFigureOut">
               <a:rPr kumimoji="1" lang="ja-JP" altLang="en-US" smtClean="0"/>
-              <a:t>2017/10/15</a:t>
+              <a:t>2021/7/25</a:t>
             </a:fld>
             <a:endParaRPr kumimoji="1" lang="ja-JP" altLang="en-US"/>
           </a:p>
@@ -3283,10 +3264,9 @@
           </a:lstStyle>
           <a:p>
             <a:r>
-              <a:rPr kumimoji="1" lang="ja-JP" altLang="en-US" smtClean="0"/>
+              <a:rPr kumimoji="1" lang="ja-JP" altLang="en-US"/>
               <a:t>マスター タイトルの書式設定</a:t>
             </a:r>
-            <a:endParaRPr kumimoji="1" lang="ja-JP" altLang="en-US"/>
           </a:p>
         </p:txBody>
       </p:sp>
@@ -3410,7 +3390,7 @@
           <a:p>
             <a:pPr lvl="0"/>
             <a:r>
-              <a:rPr kumimoji="1" lang="ja-JP" altLang="en-US" smtClean="0"/>
+              <a:rPr kumimoji="1" lang="ja-JP" altLang="en-US"/>
               <a:t>マスター テキストの書式設定</a:t>
             </a:r>
           </a:p>
@@ -3433,7 +3413,7 @@
           <a:p>
             <a:fld id="{F7B619E8-8C41-44A3-BE20-E9C48B3FE604}" type="datetimeFigureOut">
               <a:rPr kumimoji="1" lang="ja-JP" altLang="en-US" smtClean="0"/>
-              <a:t>2017/10/15</a:t>
+              <a:t>2021/7/25</a:t>
             </a:fld>
             <a:endParaRPr kumimoji="1" lang="ja-JP" altLang="en-US"/>
           </a:p>
@@ -3588,10 +3568,9 @@
           <a:lstStyle/>
           <a:p>
             <a:r>
-              <a:rPr kumimoji="1" lang="ja-JP" altLang="en-US" smtClean="0"/>
+              <a:rPr kumimoji="1" lang="ja-JP" altLang="en-US"/>
               <a:t>マスター タイトルの書式設定</a:t>
             </a:r>
-            <a:endParaRPr kumimoji="1" lang="ja-JP" altLang="en-US"/>
           </a:p>
         </p:txBody>
       </p:sp>
@@ -3622,70 +3601,69 @@
           <a:p>
             <a:pPr lvl="0"/>
             <a:r>
-              <a:rPr kumimoji="1" lang="ja-JP" altLang="en-US" smtClean="0"/>
+              <a:rPr kumimoji="1" lang="ja-JP" altLang="en-US"/>
               <a:t>マスター テキストの書式設定</a:t>
             </a:r>
           </a:p>
           <a:p>
             <a:pPr lvl="1"/>
             <a:r>
-              <a:rPr kumimoji="1" lang="ja-JP" altLang="en-US" smtClean="0"/>
+              <a:rPr kumimoji="1" lang="ja-JP" altLang="en-US"/>
               <a:t>第 </a:t>
             </a:r>
             <a:r>
-              <a:rPr kumimoji="1" lang="en-US" altLang="ja-JP" smtClean="0"/>
+              <a:rPr kumimoji="1" lang="en-US" altLang="ja-JP"/>
               <a:t>2 </a:t>
             </a:r>
             <a:r>
-              <a:rPr kumimoji="1" lang="ja-JP" altLang="en-US" smtClean="0"/>
+              <a:rPr kumimoji="1" lang="ja-JP" altLang="en-US"/>
               <a:t>レベル</a:t>
             </a:r>
           </a:p>
           <a:p>
             <a:pPr lvl="2"/>
             <a:r>
-              <a:rPr kumimoji="1" lang="ja-JP" altLang="en-US" smtClean="0"/>
+              <a:rPr kumimoji="1" lang="ja-JP" altLang="en-US"/>
               <a:t>第 </a:t>
             </a:r>
             <a:r>
-              <a:rPr kumimoji="1" lang="en-US" altLang="ja-JP" smtClean="0"/>
+              <a:rPr kumimoji="1" lang="en-US" altLang="ja-JP"/>
               <a:t>3 </a:t>
             </a:r>
             <a:r>
-              <a:rPr kumimoji="1" lang="ja-JP" altLang="en-US" smtClean="0"/>
+              <a:rPr kumimoji="1" lang="ja-JP" altLang="en-US"/>
               <a:t>レベル</a:t>
             </a:r>
           </a:p>
           <a:p>
             <a:pPr lvl="3"/>
             <a:r>
-              <a:rPr kumimoji="1" lang="ja-JP" altLang="en-US" smtClean="0"/>
+              <a:rPr kumimoji="1" lang="ja-JP" altLang="en-US"/>
               <a:t>第 </a:t>
             </a:r>
             <a:r>
-              <a:rPr kumimoji="1" lang="en-US" altLang="ja-JP" smtClean="0"/>
+              <a:rPr kumimoji="1" lang="en-US" altLang="ja-JP"/>
               <a:t>4 </a:t>
             </a:r>
             <a:r>
-              <a:rPr kumimoji="1" lang="ja-JP" altLang="en-US" smtClean="0"/>
+              <a:rPr kumimoji="1" lang="ja-JP" altLang="en-US"/>
               <a:t>レベル</a:t>
             </a:r>
           </a:p>
           <a:p>
             <a:pPr lvl="4"/>
             <a:r>
-              <a:rPr kumimoji="1" lang="ja-JP" altLang="en-US" smtClean="0"/>
+              <a:rPr kumimoji="1" lang="ja-JP" altLang="en-US"/>
               <a:t>第 </a:t>
             </a:r>
             <a:r>
-              <a:rPr kumimoji="1" lang="en-US" altLang="ja-JP" smtClean="0"/>
+              <a:rPr kumimoji="1" lang="en-US" altLang="ja-JP"/>
               <a:t>5 </a:t>
             </a:r>
             <a:r>
-              <a:rPr kumimoji="1" lang="ja-JP" altLang="en-US" smtClean="0"/>
+              <a:rPr kumimoji="1" lang="ja-JP" altLang="en-US"/>
               <a:t>レベル</a:t>
             </a:r>
-            <a:endParaRPr kumimoji="1" lang="ja-JP" altLang="en-US"/>
           </a:p>
         </p:txBody>
       </p:sp>
@@ -3724,7 +3702,7 @@
           <a:p>
             <a:fld id="{F7B619E8-8C41-44A3-BE20-E9C48B3FE604}" type="datetimeFigureOut">
               <a:rPr kumimoji="1" lang="ja-JP" altLang="en-US" smtClean="0"/>
-              <a:t>2017/10/15</a:t>
+              <a:t>2021/7/25</a:t>
             </a:fld>
             <a:endParaRPr kumimoji="1" lang="ja-JP" altLang="en-US"/>
           </a:p>
@@ -4145,14 +4123,34 @@
           <a:lstStyle/>
           <a:p>
             <a:r>
-              <a:rPr kumimoji="1" lang="en-US" altLang="ja-JP" dirty="0" smtClean="0"/>
+              <a:rPr kumimoji="1" lang="en-US" altLang="ja-JP" b="1" dirty="0">
+                <a:latin typeface="맑은 고딕" panose="020B0503020000020004" pitchFamily="50" charset="-127"/>
+                <a:ea typeface="맑은 고딕" panose="020B0503020000020004" pitchFamily="50" charset="-127"/>
+                <a:cs typeface="Arial" panose="020B0604020202020204" pitchFamily="34" charset="0"/>
+              </a:rPr>
               <a:t>Kickstarter</a:t>
             </a:r>
             <a:r>
-              <a:rPr kumimoji="1" lang="ja-JP" altLang="en-US" dirty="0" smtClean="0"/>
-              <a:t>の統計分析</a:t>
-            </a:r>
-            <a:endParaRPr kumimoji="1" lang="ja-JP" altLang="en-US" dirty="0"/>
+              <a:rPr kumimoji="1" lang="ja-JP" altLang="en-US" b="1" dirty="0">
+                <a:latin typeface="맑은 고딕" panose="020B0503020000020004" pitchFamily="50" charset="-127"/>
+                <a:ea typeface="맑은 고딕" panose="020B0503020000020004" pitchFamily="50" charset="-127"/>
+                <a:cs typeface="Arial" panose="020B0604020202020204" pitchFamily="34" charset="0"/>
+              </a:rPr>
+              <a:t> </a:t>
+            </a:r>
+            <a:r>
+              <a:rPr kumimoji="1" lang="ko-KR" altLang="en-US" b="1" dirty="0">
+                <a:latin typeface="맑은 고딕" panose="020B0503020000020004" pitchFamily="50" charset="-127"/>
+                <a:ea typeface="맑은 고딕" panose="020B0503020000020004" pitchFamily="50" charset="-127"/>
+                <a:cs typeface="Arial" panose="020B0604020202020204" pitchFamily="34" charset="0"/>
+              </a:rPr>
+              <a:t>통계분석</a:t>
+            </a:r>
+            <a:endParaRPr kumimoji="1" lang="ja-JP" altLang="en-US" b="1" dirty="0">
+              <a:latin typeface="맑은 고딕" panose="020B0503020000020004" pitchFamily="50" charset="-127"/>
+              <a:ea typeface="맑은 고딕" panose="020B0503020000020004" pitchFamily="50" charset="-127"/>
+              <a:cs typeface="Arial" panose="020B0604020202020204" pitchFamily="34" charset="0"/>
+            </a:endParaRPr>
           </a:p>
         </p:txBody>
       </p:sp>
@@ -4172,10 +4170,26 @@
           <a:lstStyle/>
           <a:p>
             <a:r>
-              <a:rPr kumimoji="1" lang="ja-JP" altLang="en-US" dirty="0" smtClean="0"/>
-              <a:t>中山ところてん</a:t>
-            </a:r>
-            <a:endParaRPr kumimoji="1" lang="ja-JP" altLang="en-US" dirty="0"/>
+              <a:rPr kumimoji="1" lang="ko-KR" altLang="en-US" dirty="0">
+                <a:latin typeface="맑은 고딕" panose="020B0503020000020004" pitchFamily="50" charset="-127"/>
+                <a:ea typeface="맑은 고딕" panose="020B0503020000020004" pitchFamily="50" charset="-127"/>
+                <a:cs typeface="Arial" panose="020B0604020202020204" pitchFamily="34" charset="0"/>
+              </a:rPr>
+              <a:t>나카야마 </a:t>
+            </a:r>
+            <a:r>
+              <a:rPr kumimoji="1" lang="ko-KR" altLang="en-US" dirty="0" err="1">
+                <a:latin typeface="맑은 고딕" panose="020B0503020000020004" pitchFamily="50" charset="-127"/>
+                <a:ea typeface="맑은 고딕" panose="020B0503020000020004" pitchFamily="50" charset="-127"/>
+                <a:cs typeface="Arial" panose="020B0604020202020204" pitchFamily="34" charset="0"/>
+              </a:rPr>
+              <a:t>토코로텐</a:t>
+            </a:r>
+            <a:endParaRPr kumimoji="1" lang="ja-JP" altLang="en-US" dirty="0">
+              <a:latin typeface="맑은 고딕" panose="020B0503020000020004" pitchFamily="50" charset="-127"/>
+              <a:ea typeface="맑은 고딕" panose="020B0503020000020004" pitchFamily="50" charset="-127"/>
+              <a:cs typeface="Arial" panose="020B0604020202020204" pitchFamily="34" charset="0"/>
+            </a:endParaRPr>
           </a:p>
         </p:txBody>
       </p:sp>
@@ -4227,10 +4241,9 @@
           <a:lstStyle/>
           <a:p>
             <a:r>
-              <a:rPr kumimoji="1" lang="ja-JP" altLang="en-US" dirty="0" smtClean="0"/>
+              <a:rPr kumimoji="1" lang="ja-JP" altLang="en-US" dirty="0"/>
               <a:t>典型的な失敗プロジェクト</a:t>
             </a:r>
-            <a:endParaRPr kumimoji="1" lang="ja-JP" altLang="en-US" dirty="0"/>
           </a:p>
         </p:txBody>
       </p:sp>
@@ -4250,105 +4263,105 @@
           <a:lstStyle/>
           <a:p>
             <a:r>
-              <a:rPr lang="ja-JP" altLang="en-US" dirty="0" smtClean="0"/>
+              <a:rPr lang="ja-JP" altLang="en-US" dirty="0"/>
               <a:t>達成率</a:t>
             </a:r>
             <a:r>
-              <a:rPr lang="en-US" altLang="ja-JP" dirty="0" smtClean="0"/>
+              <a:rPr lang="en-US" altLang="ja-JP" dirty="0"/>
               <a:t>10%</a:t>
             </a:r>
             <a:r>
-              <a:rPr lang="ja-JP" altLang="en-US" dirty="0" smtClean="0"/>
+              <a:rPr lang="ja-JP" altLang="en-US" dirty="0"/>
               <a:t>未満で終わるプロジェクトが</a:t>
             </a:r>
             <a:r>
-              <a:rPr lang="en-US" altLang="ja-JP" dirty="0" smtClean="0"/>
+              <a:rPr lang="en-US" altLang="ja-JP" dirty="0"/>
               <a:t>54%</a:t>
             </a:r>
             <a:r>
-              <a:rPr lang="ja-JP" altLang="en-US" dirty="0" smtClean="0"/>
+              <a:rPr lang="ja-JP" altLang="en-US" dirty="0"/>
               <a:t>存在する</a:t>
             </a:r>
-            <a:endParaRPr lang="en-US" altLang="ja-JP" dirty="0" smtClean="0"/>
+            <a:endParaRPr lang="en-US" altLang="ja-JP" dirty="0"/>
           </a:p>
           <a:p>
             <a:pPr lvl="1"/>
             <a:r>
-              <a:rPr lang="ja-JP" altLang="en-US" dirty="0" smtClean="0"/>
+              <a:rPr lang="ja-JP" altLang="en-US" dirty="0"/>
               <a:t>プロジェクトの</a:t>
             </a:r>
             <a:r>
-              <a:rPr lang="en-US" altLang="ja-JP" dirty="0" smtClean="0"/>
+              <a:rPr lang="en-US" altLang="ja-JP" dirty="0"/>
               <a:t>16.2%</a:t>
             </a:r>
             <a:r>
-              <a:rPr lang="ja-JP" altLang="en-US" dirty="0" smtClean="0"/>
+              <a:rPr lang="ja-JP" altLang="en-US" dirty="0"/>
               <a:t>は</a:t>
             </a:r>
             <a:r>
-              <a:rPr lang="en-US" altLang="ja-JP" dirty="0" smtClean="0"/>
+              <a:rPr lang="en-US" altLang="ja-JP" dirty="0"/>
               <a:t>Backer</a:t>
             </a:r>
             <a:r>
-              <a:rPr lang="ja-JP" altLang="en-US" dirty="0" smtClean="0"/>
+              <a:rPr lang="ja-JP" altLang="en-US" dirty="0"/>
               <a:t>が</a:t>
             </a:r>
             <a:r>
-              <a:rPr lang="en-US" altLang="ja-JP" dirty="0" smtClean="0"/>
+              <a:rPr lang="en-US" altLang="ja-JP" dirty="0"/>
               <a:t>0</a:t>
             </a:r>
             <a:r>
-              <a:rPr lang="ja-JP" altLang="en-US" dirty="0" smtClean="0"/>
+              <a:rPr lang="ja-JP" altLang="en-US" dirty="0"/>
               <a:t>人、</a:t>
             </a:r>
             <a:r>
-              <a:rPr lang="en-US" altLang="ja-JP" dirty="0" smtClean="0"/>
+              <a:rPr lang="en-US" altLang="ja-JP" dirty="0"/>
               <a:t>52%</a:t>
             </a:r>
             <a:r>
-              <a:rPr lang="ja-JP" altLang="en-US" dirty="0" smtClean="0"/>
+              <a:rPr lang="ja-JP" altLang="en-US" dirty="0"/>
               <a:t>が</a:t>
             </a:r>
             <a:r>
-              <a:rPr lang="en-US" altLang="ja-JP" dirty="0" smtClean="0"/>
+              <a:rPr lang="en-US" altLang="ja-JP" dirty="0"/>
               <a:t>10</a:t>
             </a:r>
             <a:r>
-              <a:rPr lang="ja-JP" altLang="en-US" dirty="0" smtClean="0"/>
+              <a:rPr lang="ja-JP" altLang="en-US" dirty="0"/>
               <a:t>人以下</a:t>
             </a:r>
-            <a:endParaRPr lang="en-US" altLang="ja-JP" dirty="0" smtClean="0"/>
+            <a:endParaRPr lang="en-US" altLang="ja-JP" dirty="0"/>
           </a:p>
           <a:p>
             <a:pPr lvl="1"/>
             <a:r>
-              <a:rPr lang="ja-JP" altLang="en-US" dirty="0" smtClean="0"/>
+              <a:rPr lang="ja-JP" altLang="en-US" dirty="0"/>
               <a:t>身内のご祝儀</a:t>
             </a:r>
             <a:r>
-              <a:rPr lang="en-US" altLang="ja-JP" dirty="0" smtClean="0"/>
+              <a:rPr lang="en-US" altLang="ja-JP" dirty="0"/>
               <a:t>Back</a:t>
             </a:r>
             <a:r>
-              <a:rPr lang="ja-JP" altLang="en-US" dirty="0" smtClean="0"/>
+              <a:rPr lang="ja-JP" altLang="en-US" dirty="0"/>
               <a:t>もできないような準備不足プロジェクトが多い</a:t>
             </a:r>
-            <a:endParaRPr lang="en-US" altLang="ja-JP" dirty="0" smtClean="0"/>
-          </a:p>
-          <a:p>
-            <a:r>
-              <a:rPr lang="ja-JP" altLang="en-US" dirty="0" smtClean="0"/>
+            <a:endParaRPr lang="en-US" altLang="ja-JP" dirty="0"/>
+          </a:p>
+          <a:p>
+            <a:r>
+              <a:rPr lang="ja-JP" altLang="en-US" dirty="0"/>
               <a:t>プロジェクトを成功させたいのであれば、</a:t>
             </a:r>
             <a:r>
-              <a:rPr lang="en-US" altLang="ja-JP" dirty="0" smtClean="0"/>
+              <a:rPr lang="en-US" altLang="ja-JP" dirty="0"/>
               <a:t>Backer100</a:t>
             </a:r>
             <a:r>
-              <a:rPr lang="ja-JP" altLang="en-US" dirty="0" smtClean="0"/>
+              <a:rPr lang="ja-JP" altLang="en-US" dirty="0"/>
               <a:t>人をどうやって集めるかを考える必要がある</a:t>
             </a:r>
-            <a:endParaRPr lang="en-US" altLang="ja-JP" dirty="0" smtClean="0"/>
+            <a:endParaRPr lang="en-US" altLang="ja-JP" dirty="0"/>
           </a:p>
         </p:txBody>
       </p:sp>
@@ -4424,18 +4437,17 @@
           <a:lstStyle/>
           <a:p>
             <a:r>
-              <a:rPr kumimoji="1" lang="ja-JP" altLang="en-US" dirty="0" smtClean="0"/>
+              <a:rPr kumimoji="1" lang="ja-JP" altLang="en-US" dirty="0"/>
               <a:t>終了間際に</a:t>
             </a:r>
             <a:r>
-              <a:rPr kumimoji="1" lang="en-US" altLang="ja-JP" dirty="0" smtClean="0"/>
+              <a:rPr kumimoji="1" lang="en-US" altLang="ja-JP" dirty="0"/>
               <a:t>Back</a:t>
             </a:r>
             <a:r>
-              <a:rPr kumimoji="1" lang="ja-JP" altLang="en-US" dirty="0" smtClean="0"/>
+              <a:rPr kumimoji="1" lang="ja-JP" altLang="en-US" dirty="0"/>
               <a:t>されるプロジェクト</a:t>
             </a:r>
-            <a:endParaRPr kumimoji="1" lang="ja-JP" altLang="en-US" dirty="0"/>
           </a:p>
         </p:txBody>
       </p:sp>
@@ -4462,58 +4474,58 @@
           <a:lstStyle/>
           <a:p>
             <a:r>
-              <a:rPr kumimoji="1" lang="ja-JP" altLang="en-US" dirty="0" smtClean="0"/>
+              <a:rPr kumimoji="1" lang="ja-JP" altLang="en-US" dirty="0"/>
               <a:t>プロジェクト終了間際の広報活動による</a:t>
             </a:r>
             <a:r>
-              <a:rPr kumimoji="1" lang="en-US" altLang="ja-JP" dirty="0" smtClean="0"/>
+              <a:rPr kumimoji="1" lang="en-US" altLang="ja-JP" dirty="0"/>
               <a:t>Backer</a:t>
             </a:r>
             <a:r>
-              <a:rPr kumimoji="1" lang="ja-JP" altLang="en-US" dirty="0" smtClean="0"/>
+              <a:rPr kumimoji="1" lang="ja-JP" altLang="en-US" dirty="0"/>
               <a:t>の増加</a:t>
             </a:r>
-            <a:endParaRPr kumimoji="1" lang="en-US" altLang="ja-JP" dirty="0" smtClean="0"/>
+            <a:endParaRPr kumimoji="1" lang="en-US" altLang="ja-JP" dirty="0"/>
           </a:p>
           <a:p>
             <a:pPr lvl="1"/>
             <a:r>
-              <a:rPr kumimoji="1" lang="ja-JP" altLang="en-US" dirty="0" smtClean="0"/>
+              <a:rPr kumimoji="1" lang="ja-JP" altLang="en-US" dirty="0"/>
               <a:t>プロジェクトメンバーが最後のお願いをして回る</a:t>
             </a:r>
-            <a:endParaRPr kumimoji="1" lang="en-US" altLang="ja-JP" dirty="0" smtClean="0"/>
+            <a:endParaRPr kumimoji="1" lang="en-US" altLang="ja-JP" dirty="0"/>
           </a:p>
           <a:p>
             <a:pPr lvl="1"/>
             <a:r>
-              <a:rPr kumimoji="1" lang="en-US" altLang="ja-JP" dirty="0" smtClean="0"/>
+              <a:rPr kumimoji="1" lang="en-US" altLang="ja-JP" dirty="0"/>
               <a:t>Kickstarter</a:t>
             </a:r>
             <a:r>
-              <a:rPr kumimoji="1" lang="ja-JP" altLang="en-US" dirty="0" smtClean="0"/>
+              <a:rPr kumimoji="1" lang="ja-JP" altLang="en-US" dirty="0"/>
               <a:t>が終了間際のプロジェクトをトップページで紹介している</a:t>
             </a:r>
-            <a:endParaRPr kumimoji="1" lang="en-US" altLang="ja-JP" dirty="0" smtClean="0"/>
+            <a:endParaRPr kumimoji="1" lang="en-US" altLang="ja-JP" dirty="0"/>
           </a:p>
           <a:p>
             <a:pPr lvl="2"/>
             <a:r>
-              <a:rPr kumimoji="1" lang="ja-JP" altLang="en-US" dirty="0" smtClean="0"/>
+              <a:rPr kumimoji="1" lang="ja-JP" altLang="en-US" dirty="0"/>
               <a:t>ただし、これは</a:t>
             </a:r>
             <a:r>
-              <a:rPr lang="ja-JP" altLang="en-US" dirty="0" smtClean="0"/>
+              <a:rPr lang="ja-JP" altLang="en-US" dirty="0"/>
               <a:t>達成率</a:t>
             </a:r>
             <a:r>
-              <a:rPr lang="en-US" altLang="ja-JP" dirty="0" smtClean="0"/>
+              <a:rPr lang="en-US" altLang="ja-JP" dirty="0"/>
               <a:t>100%</a:t>
             </a:r>
             <a:r>
-              <a:rPr lang="ja-JP" altLang="en-US" dirty="0" smtClean="0"/>
+              <a:rPr lang="ja-JP" altLang="en-US" dirty="0"/>
               <a:t>付近に変曲点が生まれる理由にはならない</a:t>
             </a:r>
-            <a:endParaRPr kumimoji="1" lang="en-US" altLang="ja-JP" dirty="0" smtClean="0"/>
+            <a:endParaRPr kumimoji="1" lang="en-US" altLang="ja-JP" dirty="0"/>
           </a:p>
           <a:p>
             <a:pPr lvl="3"/>
@@ -4521,55 +4533,47 @@
           </a:p>
           <a:p>
             <a:r>
-              <a:rPr kumimoji="1" lang="ja-JP" altLang="en-US" dirty="0" smtClean="0"/>
+              <a:rPr kumimoji="1" lang="ja-JP" altLang="en-US" dirty="0"/>
               <a:t>最後のひと押しを積極的に行っている人がいる可能性</a:t>
             </a:r>
-            <a:endParaRPr kumimoji="1" lang="en-US" altLang="ja-JP" dirty="0" smtClean="0"/>
+            <a:endParaRPr kumimoji="1" lang="en-US" altLang="ja-JP" dirty="0"/>
           </a:p>
           <a:p>
             <a:pPr lvl="1"/>
             <a:r>
-              <a:rPr lang="ja-JP" altLang="en-US" dirty="0" smtClean="0"/>
-              <a:t>プロジェクトメンバーが自腹</a:t>
-            </a:r>
-            <a:r>
               <a:rPr lang="ja-JP" altLang="en-US" dirty="0"/>
-              <a:t>を切ってプロジェクトを成功</a:t>
-            </a:r>
-            <a:r>
-              <a:rPr lang="ja-JP" altLang="en-US" dirty="0" smtClean="0"/>
-              <a:t>させる</a:t>
-            </a:r>
-            <a:endParaRPr lang="en-US" altLang="ja-JP" dirty="0" smtClean="0"/>
+              <a:t>プロジェクトメンバーが自腹を切ってプロジェクトを成功させる</a:t>
+            </a:r>
+            <a:endParaRPr lang="en-US" altLang="ja-JP" dirty="0"/>
           </a:p>
           <a:p>
             <a:pPr lvl="1"/>
             <a:r>
-              <a:rPr lang="ja-JP" altLang="en-US" dirty="0" smtClean="0"/>
+              <a:rPr lang="ja-JP" altLang="en-US" dirty="0"/>
               <a:t>「俺が成功させた」感を味わいたい人</a:t>
             </a:r>
-            <a:endParaRPr lang="en-US" altLang="ja-JP" dirty="0" smtClean="0"/>
+            <a:endParaRPr lang="en-US" altLang="ja-JP" dirty="0"/>
           </a:p>
           <a:p>
             <a:pPr lvl="2"/>
             <a:r>
-              <a:rPr lang="ja-JP" altLang="en-US" dirty="0" smtClean="0"/>
+              <a:rPr lang="ja-JP" altLang="en-US" dirty="0"/>
               <a:t>プロジェクトを達成させた、という一体感を楽しみたい人</a:t>
             </a:r>
-            <a:endParaRPr lang="en-US" altLang="ja-JP" dirty="0" smtClean="0"/>
+            <a:endParaRPr lang="en-US" altLang="ja-JP" dirty="0"/>
           </a:p>
           <a:p>
             <a:pPr lvl="2"/>
             <a:r>
-              <a:rPr lang="ja-JP" altLang="en-US" dirty="0" smtClean="0"/>
+              <a:rPr lang="ja-JP" altLang="en-US" dirty="0"/>
               <a:t>キャスティングボートを握るという稀有な体験ができる</a:t>
             </a:r>
-            <a:endParaRPr lang="en-US" altLang="ja-JP" dirty="0" smtClean="0"/>
+            <a:endParaRPr lang="en-US" altLang="ja-JP" dirty="0"/>
           </a:p>
           <a:p>
             <a:pPr lvl="1"/>
             <a:r>
-              <a:rPr lang="ja-JP" altLang="en-US" dirty="0" smtClean="0"/>
+              <a:rPr lang="ja-JP" altLang="en-US" dirty="0"/>
               <a:t>クラウドファンディングをゲームとして楽しんでいる人</a:t>
             </a:r>
             <a:endParaRPr lang="en-US" altLang="ja-JP" dirty="0"/>
@@ -4577,85 +4581,81 @@
           <a:p>
             <a:pPr lvl="2"/>
             <a:r>
-              <a:rPr lang="ja-JP" altLang="en-US" dirty="0" smtClean="0"/>
+              <a:rPr lang="ja-JP" altLang="en-US" dirty="0"/>
               <a:t>クラウドファンディングを「成功するかどうかわからないゲーム」として考えた場合、</a:t>
             </a:r>
-            <a:r>
-              <a:rPr lang="en-US" altLang="ja-JP" dirty="0" smtClean="0"/>
-              <a:t/>
-            </a:r>
             <a:br>
-              <a:rPr lang="en-US" altLang="ja-JP" dirty="0" smtClean="0"/>
+              <a:rPr lang="en-US" altLang="ja-JP" dirty="0"/>
             </a:br>
             <a:r>
-              <a:rPr lang="ja-JP" altLang="en-US" dirty="0" smtClean="0"/>
+              <a:rPr lang="ja-JP" altLang="en-US" dirty="0"/>
               <a:t>勝率の高いゲームである、達成率</a:t>
             </a:r>
             <a:r>
-              <a:rPr lang="en-US" altLang="ja-JP" dirty="0" smtClean="0"/>
+              <a:rPr lang="en-US" altLang="ja-JP" dirty="0"/>
               <a:t>90%</a:t>
             </a:r>
             <a:r>
-              <a:rPr lang="ja-JP" altLang="en-US" dirty="0" smtClean="0"/>
+              <a:rPr lang="ja-JP" altLang="en-US" dirty="0"/>
               <a:t>付近のプロジェクトに</a:t>
             </a:r>
             <a:r>
-              <a:rPr lang="en-US" altLang="ja-JP" dirty="0" smtClean="0"/>
+              <a:rPr lang="en-US" altLang="ja-JP" dirty="0"/>
               <a:t>Back</a:t>
             </a:r>
             <a:r>
-              <a:rPr lang="ja-JP" altLang="en-US" dirty="0" smtClean="0"/>
+              <a:rPr lang="ja-JP" altLang="en-US" dirty="0"/>
               <a:t>するのは合理的</a:t>
             </a:r>
-            <a:endParaRPr lang="en-US" altLang="ja-JP" dirty="0" smtClean="0"/>
+            <a:endParaRPr lang="en-US" altLang="ja-JP" dirty="0"/>
           </a:p>
           <a:p>
             <a:pPr lvl="2"/>
             <a:r>
-              <a:rPr lang="ja-JP" altLang="en-US" dirty="0" smtClean="0"/>
+              <a:rPr lang="ja-JP" altLang="en-US" dirty="0"/>
               <a:t>自分が</a:t>
             </a:r>
             <a:r>
-              <a:rPr lang="en-US" altLang="ja-JP" dirty="0" smtClean="0"/>
+              <a:rPr lang="en-US" altLang="ja-JP" dirty="0"/>
               <a:t>Back</a:t>
             </a:r>
             <a:r>
-              <a:rPr lang="ja-JP" altLang="en-US" dirty="0" smtClean="0"/>
+              <a:rPr lang="ja-JP" altLang="en-US" dirty="0"/>
               <a:t>したプロジェクトが失敗するのは嫌なので、達成率が低いプロジェクトには</a:t>
             </a:r>
             <a:r>
-              <a:rPr lang="en-US" altLang="ja-JP" dirty="0" smtClean="0"/>
+              <a:rPr lang="en-US" altLang="ja-JP" dirty="0"/>
               <a:t>Back</a:t>
             </a:r>
             <a:r>
-              <a:rPr lang="ja-JP" altLang="en-US" dirty="0" smtClean="0"/>
+              <a:rPr lang="ja-JP" altLang="en-US" dirty="0"/>
               <a:t>しない</a:t>
             </a:r>
-            <a:endParaRPr lang="en-US" altLang="ja-JP" dirty="0" smtClean="0"/>
+            <a:endParaRPr lang="en-US" altLang="ja-JP" dirty="0"/>
           </a:p>
           <a:p>
             <a:pPr lvl="2"/>
             <a:r>
-              <a:rPr lang="ja-JP" altLang="en-US" dirty="0" smtClean="0"/>
+              <a:rPr lang="ja-JP" altLang="en-US" dirty="0"/>
               <a:t>達成率が</a:t>
             </a:r>
             <a:r>
-              <a:rPr lang="en-US" altLang="ja-JP" dirty="0" smtClean="0"/>
+              <a:rPr lang="en-US" altLang="ja-JP" dirty="0"/>
               <a:t>100%</a:t>
             </a:r>
             <a:r>
-              <a:rPr lang="ja-JP" altLang="en-US" dirty="0" smtClean="0"/>
+              <a:rPr lang="ja-JP" altLang="en-US" dirty="0"/>
               <a:t>を超えて成功確実の場合、ゲームにならないため、</a:t>
             </a:r>
             <a:r>
-              <a:rPr lang="en-US" altLang="ja-JP" dirty="0" smtClean="0"/>
+              <a:rPr lang="en-US" altLang="ja-JP" dirty="0"/>
               <a:t>Back</a:t>
             </a:r>
             <a:r>
-              <a:rPr lang="ja-JP" altLang="en-US" dirty="0" smtClean="0"/>
+              <a:rPr lang="ja-JP" altLang="en-US" dirty="0"/>
               <a:t>しない</a:t>
             </a:r>
-            <a:endParaRPr kumimoji="1" lang="en-US" altLang="ja-JP" dirty="0" smtClean="0"/>
+            <a:endParaRPr kumimoji="1" lang="en-US" altLang="ja-JP" dirty="0"/>
           </a:p>
         </p:txBody>
       </p:sp>
@@ -4707,10 +4707,9 @@
           <a:lstStyle/>
           <a:p>
             <a:r>
-              <a:rPr kumimoji="1" lang="ja-JP" altLang="en-US" dirty="0" smtClean="0"/>
+              <a:rPr kumimoji="1" lang="ja-JP" altLang="en-US" dirty="0"/>
               <a:t>ギリギリで失敗したプロジェクトの分析</a:t>
             </a:r>
-            <a:endParaRPr kumimoji="1" lang="ja-JP" altLang="en-US" dirty="0"/>
           </a:p>
         </p:txBody>
       </p:sp>
@@ -4730,80 +4729,80 @@
           <a:lstStyle/>
           <a:p>
             <a:r>
-              <a:rPr kumimoji="1" lang="ja-JP" altLang="en-US" dirty="0" smtClean="0"/>
+              <a:rPr kumimoji="1" lang="ja-JP" altLang="en-US" dirty="0"/>
               <a:t>達成率が</a:t>
             </a:r>
             <a:r>
-              <a:rPr kumimoji="1" lang="en-US" altLang="ja-JP" dirty="0" smtClean="0"/>
+              <a:rPr kumimoji="1" lang="en-US" altLang="ja-JP" dirty="0"/>
               <a:t>70%</a:t>
             </a:r>
             <a:r>
-              <a:rPr kumimoji="1" lang="ja-JP" altLang="en-US" dirty="0" smtClean="0"/>
+              <a:rPr kumimoji="1" lang="ja-JP" altLang="en-US" dirty="0"/>
               <a:t>から</a:t>
             </a:r>
             <a:r>
-              <a:rPr kumimoji="1" lang="en-US" altLang="ja-JP" dirty="0" smtClean="0"/>
+              <a:rPr kumimoji="1" lang="en-US" altLang="ja-JP" dirty="0"/>
               <a:t>100%</a:t>
             </a:r>
             <a:r>
-              <a:rPr kumimoji="1" lang="ja-JP" altLang="en-US" dirty="0" smtClean="0"/>
+              <a:rPr kumimoji="1" lang="ja-JP" altLang="en-US" dirty="0"/>
               <a:t>のプロジェクトは</a:t>
             </a:r>
             <a:r>
-              <a:rPr lang="ja-JP" altLang="en-US" dirty="0" smtClean="0"/>
+              <a:rPr lang="ja-JP" altLang="en-US" dirty="0"/>
               <a:t>平均</a:t>
             </a:r>
             <a:r>
-              <a:rPr lang="en-US" altLang="ja-JP" dirty="0" smtClean="0"/>
+              <a:rPr lang="en-US" altLang="ja-JP" dirty="0"/>
               <a:t>Back</a:t>
             </a:r>
             <a:r>
-              <a:rPr lang="ja-JP" altLang="en-US" dirty="0" smtClean="0"/>
+              <a:rPr lang="ja-JP" altLang="en-US" dirty="0"/>
               <a:t>金額が</a:t>
             </a:r>
             <a:r>
-              <a:rPr lang="en-US" altLang="ja-JP" dirty="0" smtClean="0"/>
+              <a:rPr lang="en-US" altLang="ja-JP" dirty="0"/>
               <a:t>250</a:t>
             </a:r>
             <a:r>
-              <a:rPr lang="ja-JP" altLang="en-US" dirty="0" smtClean="0"/>
+              <a:rPr lang="ja-JP" altLang="en-US" dirty="0"/>
               <a:t>ドル超</a:t>
             </a:r>
-            <a:endParaRPr lang="en-US" altLang="ja-JP" dirty="0" smtClean="0"/>
-          </a:p>
-          <a:p>
-            <a:r>
-              <a:rPr lang="ja-JP" altLang="en-US" dirty="0" smtClean="0"/>
+            <a:endParaRPr lang="en-US" altLang="ja-JP" dirty="0"/>
+          </a:p>
+          <a:p>
+            <a:r>
+              <a:rPr lang="ja-JP" altLang="en-US" dirty="0"/>
               <a:t>ギリギリで達成したプロジェクトは平均</a:t>
             </a:r>
             <a:r>
-              <a:rPr lang="en-US" altLang="ja-JP" dirty="0" smtClean="0"/>
+              <a:rPr lang="en-US" altLang="ja-JP" dirty="0"/>
               <a:t>Back</a:t>
             </a:r>
             <a:r>
-              <a:rPr lang="ja-JP" altLang="en-US" dirty="0" smtClean="0"/>
+              <a:rPr lang="ja-JP" altLang="en-US" dirty="0"/>
               <a:t>金額が</a:t>
             </a:r>
             <a:r>
-              <a:rPr lang="en-US" altLang="ja-JP" dirty="0" smtClean="0"/>
+              <a:rPr lang="en-US" altLang="ja-JP" dirty="0"/>
               <a:t>200</a:t>
             </a:r>
             <a:r>
-              <a:rPr lang="ja-JP" altLang="en-US" dirty="0" smtClean="0"/>
+              <a:rPr lang="ja-JP" altLang="en-US" dirty="0"/>
               <a:t>ドル未満</a:t>
             </a:r>
-            <a:endParaRPr lang="en-US" altLang="ja-JP" dirty="0" smtClean="0"/>
-          </a:p>
-          <a:p>
-            <a:r>
-              <a:rPr lang="en-US" altLang="ja-JP" dirty="0" smtClean="0"/>
+            <a:endParaRPr lang="en-US" altLang="ja-JP" dirty="0"/>
+          </a:p>
+          <a:p>
+            <a:r>
+              <a:rPr lang="en-US" altLang="ja-JP" dirty="0"/>
               <a:t>Back</a:t>
             </a:r>
             <a:r>
-              <a:rPr lang="ja-JP" altLang="en-US" dirty="0" smtClean="0"/>
+              <a:rPr lang="ja-JP" altLang="en-US" dirty="0"/>
               <a:t>プランの設計が成否を分けると考えられる</a:t>
             </a:r>
-            <a:endParaRPr lang="en-US" altLang="ja-JP" dirty="0" smtClean="0"/>
+            <a:endParaRPr lang="en-US" altLang="ja-JP" dirty="0"/>
           </a:p>
         </p:txBody>
       </p:sp>
@@ -4854,23 +4853,23 @@
           <a:lstStyle/>
           <a:p>
             <a:r>
-              <a:rPr lang="ja-JP" altLang="en-US" dirty="0" smtClean="0"/>
+              <a:rPr lang="ja-JP" altLang="en-US" dirty="0"/>
               <a:t>平均</a:t>
             </a:r>
             <a:r>
-              <a:rPr lang="en-US" altLang="ja-JP" dirty="0" smtClean="0"/>
+              <a:rPr lang="en-US" altLang="ja-JP" dirty="0"/>
               <a:t>Back</a:t>
             </a:r>
             <a:r>
-              <a:rPr lang="ja-JP" altLang="en-US" dirty="0" smtClean="0"/>
+              <a:rPr lang="ja-JP" altLang="en-US" dirty="0"/>
               <a:t>金額をそろえるために、決済通貨が</a:t>
             </a:r>
             <a:r>
-              <a:rPr lang="en-US" altLang="ja-JP" dirty="0" smtClean="0"/>
+              <a:rPr lang="en-US" altLang="ja-JP" dirty="0"/>
               <a:t>USD</a:t>
             </a:r>
             <a:r>
-              <a:rPr lang="ja-JP" altLang="en-US" dirty="0" smtClean="0"/>
+              <a:rPr lang="ja-JP" altLang="en-US" dirty="0"/>
               <a:t>のプロジェクトに限定</a:t>
             </a:r>
             <a:endParaRPr kumimoji="1" lang="ja-JP" altLang="en-US" dirty="0"/>
@@ -4925,10 +4924,9 @@
           <a:lstStyle/>
           <a:p>
             <a:r>
-              <a:rPr kumimoji="1" lang="ja-JP" altLang="en-US" dirty="0" smtClean="0"/>
+              <a:rPr kumimoji="1" lang="ja-JP" altLang="en-US" dirty="0"/>
               <a:t>大成功プロジェクト</a:t>
             </a:r>
-            <a:endParaRPr kumimoji="1" lang="ja-JP" altLang="en-US" dirty="0"/>
           </a:p>
         </p:txBody>
       </p:sp>
@@ -4948,52 +4946,52 @@
           <a:lstStyle/>
           <a:p>
             <a:r>
-              <a:rPr kumimoji="1" lang="ja-JP" altLang="en-US" dirty="0" smtClean="0"/>
+              <a:rPr kumimoji="1" lang="ja-JP" altLang="en-US" dirty="0"/>
               <a:t>平均</a:t>
             </a:r>
             <a:r>
-              <a:rPr kumimoji="1" lang="en-US" altLang="ja-JP" dirty="0" smtClean="0"/>
+              <a:rPr kumimoji="1" lang="en-US" altLang="ja-JP" dirty="0"/>
               <a:t>Back</a:t>
             </a:r>
             <a:r>
-              <a:rPr kumimoji="1" lang="ja-JP" altLang="en-US" dirty="0" smtClean="0"/>
+              <a:rPr kumimoji="1" lang="ja-JP" altLang="en-US" dirty="0"/>
               <a:t>金額は大きく変動</a:t>
             </a:r>
             <a:r>
-              <a:rPr lang="ja-JP" altLang="en-US" dirty="0" smtClean="0"/>
+              <a:rPr lang="ja-JP" altLang="en-US" dirty="0"/>
               <a:t>しない</a:t>
             </a:r>
-            <a:endParaRPr lang="en-US" altLang="ja-JP" dirty="0" smtClean="0"/>
-          </a:p>
-          <a:p>
-            <a:r>
-              <a:rPr lang="ja-JP" altLang="en-US" dirty="0" smtClean="0"/>
+            <a:endParaRPr lang="en-US" altLang="ja-JP" dirty="0"/>
+          </a:p>
+          <a:p>
+            <a:r>
+              <a:rPr lang="ja-JP" altLang="en-US" dirty="0"/>
               <a:t>達成率は基本的に平均</a:t>
             </a:r>
             <a:r>
-              <a:rPr lang="en-US" altLang="ja-JP" dirty="0" smtClean="0"/>
+              <a:rPr lang="en-US" altLang="ja-JP" dirty="0"/>
               <a:t>Backer</a:t>
             </a:r>
             <a:r>
-              <a:rPr lang="ja-JP" altLang="en-US" dirty="0" smtClean="0"/>
+              <a:rPr lang="ja-JP" altLang="en-US" dirty="0"/>
               <a:t>人数に依存する</a:t>
             </a:r>
-            <a:endParaRPr lang="en-US" altLang="ja-JP" dirty="0" smtClean="0"/>
-          </a:p>
-          <a:p>
-            <a:r>
-              <a:rPr lang="ja-JP" altLang="en-US" dirty="0" smtClean="0"/>
+            <a:endParaRPr lang="en-US" altLang="ja-JP" dirty="0"/>
+          </a:p>
+          <a:p>
+            <a:r>
+              <a:rPr lang="ja-JP" altLang="en-US" dirty="0"/>
               <a:t>高額な</a:t>
             </a:r>
             <a:r>
-              <a:rPr lang="en-US" altLang="ja-JP" dirty="0" smtClean="0"/>
+              <a:rPr lang="en-US" altLang="ja-JP" dirty="0"/>
               <a:t>Back</a:t>
             </a:r>
             <a:r>
-              <a:rPr lang="ja-JP" altLang="en-US" dirty="0" smtClean="0"/>
+              <a:rPr lang="ja-JP" altLang="en-US" dirty="0"/>
               <a:t>プランを払う人が多いから成功するというわけではない</a:t>
             </a:r>
-            <a:endParaRPr lang="en-US" altLang="ja-JP" dirty="0" smtClean="0"/>
+            <a:endParaRPr lang="en-US" altLang="ja-JP" dirty="0"/>
           </a:p>
         </p:txBody>
       </p:sp>
@@ -5073,10 +5071,9 @@
               <a:t>国</a:t>
             </a:r>
             <a:r>
-              <a:rPr kumimoji="1" lang="ja-JP" altLang="en-US" dirty="0" smtClean="0"/>
+              <a:rPr kumimoji="1" lang="ja-JP" altLang="en-US" dirty="0"/>
               <a:t>とプロジェクトの成功</a:t>
             </a:r>
-            <a:endParaRPr kumimoji="1" lang="ja-JP" altLang="en-US" dirty="0"/>
           </a:p>
         </p:txBody>
       </p:sp>
@@ -5098,41 +5095,40 @@
           <a:lstStyle/>
           <a:p>
             <a:r>
-              <a:rPr lang="ja-JP" altLang="en-US" sz="2000" dirty="0" smtClean="0"/>
+              <a:rPr lang="ja-JP" altLang="en-US" sz="2000" dirty="0"/>
               <a:t>英語が成功のカギを握る</a:t>
             </a:r>
-            <a:endParaRPr lang="en-US" altLang="ja-JP" sz="2000" dirty="0" smtClean="0"/>
+            <a:endParaRPr lang="en-US" altLang="ja-JP" sz="2000" dirty="0"/>
           </a:p>
           <a:p>
             <a:pPr lvl="1"/>
             <a:r>
-              <a:rPr lang="ja-JP" altLang="en-US" sz="1800" dirty="0" smtClean="0"/>
+              <a:rPr lang="ja-JP" altLang="en-US" sz="1800" dirty="0"/>
               <a:t>アメリカが他国と比べて成功率が高い（件数の少ない香港を除く）</a:t>
             </a:r>
-            <a:endParaRPr lang="en-US" altLang="ja-JP" sz="1800" dirty="0" smtClean="0"/>
+            <a:endParaRPr lang="en-US" altLang="ja-JP" sz="1800" dirty="0"/>
           </a:p>
           <a:p>
             <a:pPr lvl="1"/>
             <a:r>
-              <a:rPr lang="ja-JP" altLang="en-US" sz="1800" dirty="0" smtClean="0"/>
+              <a:rPr lang="ja-JP" altLang="en-US" sz="1800" dirty="0"/>
               <a:t>英語圏と、ロマンス語の中でも英語に近いフランス語、英語がほぼ必須な小国は成功率が高い</a:t>
             </a:r>
-            <a:endParaRPr lang="en-US" altLang="ja-JP" sz="1800" dirty="0" smtClean="0"/>
-          </a:p>
-          <a:p>
-            <a:r>
-              <a:rPr lang="ja-JP" altLang="en-US" sz="2000" dirty="0" smtClean="0"/>
+            <a:endParaRPr lang="en-US" altLang="ja-JP" sz="1800" dirty="0"/>
+          </a:p>
+          <a:p>
+            <a:r>
+              <a:rPr lang="ja-JP" altLang="en-US" sz="2000" dirty="0"/>
               <a:t>イタリア、スペインのロマンス語圏は失敗率が高い</a:t>
             </a:r>
-            <a:endParaRPr lang="en-US" altLang="ja-JP" sz="2000" dirty="0" smtClean="0"/>
+            <a:endParaRPr lang="en-US" altLang="ja-JP" sz="2000" dirty="0"/>
           </a:p>
           <a:p>
             <a:pPr lvl="1"/>
             <a:r>
-              <a:rPr kumimoji="1" lang="ja-JP" altLang="en-US" sz="1800" dirty="0" smtClean="0"/>
+              <a:rPr kumimoji="1" lang="ja-JP" altLang="en-US" sz="1800" dirty="0"/>
               <a:t>説明文がイタリア語、スペイン語で書かれたプロジェクトがいくつか存在</a:t>
             </a:r>
-            <a:endParaRPr kumimoji="1" lang="ja-JP" altLang="en-US" sz="1800" dirty="0"/>
           </a:p>
         </p:txBody>
       </p:sp>
@@ -5208,10 +5204,9 @@
           <a:lstStyle/>
           <a:p>
             <a:r>
-              <a:rPr kumimoji="1" lang="ja-JP" altLang="en-US" dirty="0" smtClean="0"/>
+              <a:rPr kumimoji="1" lang="ja-JP" altLang="en-US" dirty="0"/>
               <a:t>目標金額と成功率</a:t>
             </a:r>
-            <a:endParaRPr kumimoji="1" lang="ja-JP" altLang="en-US" dirty="0"/>
           </a:p>
         </p:txBody>
       </p:sp>
@@ -5231,10 +5226,10 @@
           <a:lstStyle/>
           <a:p>
             <a:r>
-              <a:rPr kumimoji="1" lang="ja-JP" altLang="en-US" dirty="0" smtClean="0"/>
+              <a:rPr kumimoji="1" lang="ja-JP" altLang="en-US" dirty="0"/>
               <a:t>基本的には目標金額が小さいほど成功確率は増大する</a:t>
             </a:r>
-            <a:endParaRPr kumimoji="1" lang="en-US" altLang="ja-JP" dirty="0" smtClean="0"/>
+            <a:endParaRPr kumimoji="1" lang="en-US" altLang="ja-JP" dirty="0"/>
           </a:p>
         </p:txBody>
       </p:sp>
@@ -5310,7 +5305,7 @@
           <a:lstStyle/>
           <a:p>
             <a:r>
-              <a:rPr lang="ja-JP" altLang="en-US" dirty="0" smtClean="0"/>
+              <a:rPr lang="ja-JP" altLang="en-US" dirty="0"/>
               <a:t>達成率とプロジェクトキャンセル</a:t>
             </a:r>
             <a:endParaRPr kumimoji="1" lang="ja-JP" altLang="en-US" dirty="0"/>
@@ -5335,29 +5330,25 @@
           <a:lstStyle/>
           <a:p>
             <a:r>
-              <a:rPr lang="ja-JP" altLang="en-US" sz="2400" dirty="0" smtClean="0"/>
+              <a:rPr lang="ja-JP" altLang="en-US" sz="2400" dirty="0"/>
               <a:t>達成率が</a:t>
             </a:r>
             <a:r>
-              <a:rPr lang="en-US" altLang="ja-JP" sz="2400" dirty="0" smtClean="0"/>
+              <a:rPr lang="en-US" altLang="ja-JP" sz="2400" dirty="0"/>
               <a:t>100%</a:t>
             </a:r>
             <a:r>
-              <a:rPr lang="ja-JP" altLang="en-US" sz="2400" dirty="0" smtClean="0"/>
+              <a:rPr lang="ja-JP" altLang="en-US" sz="2400" dirty="0"/>
               <a:t>を超えているにもかかわらず、</a:t>
             </a:r>
-            <a:r>
-              <a:rPr lang="en-US" altLang="ja-JP" sz="2400" dirty="0" smtClean="0"/>
-              <a:t/>
-            </a:r>
             <a:br>
-              <a:rPr lang="en-US" altLang="ja-JP" sz="2400" dirty="0" smtClean="0"/>
+              <a:rPr lang="en-US" altLang="ja-JP" sz="2400" dirty="0"/>
             </a:br>
             <a:r>
-              <a:rPr lang="ja-JP" altLang="en-US" sz="2400" dirty="0" smtClean="0"/>
+              <a:rPr lang="ja-JP" altLang="en-US" sz="2400" dirty="0"/>
               <a:t>自らキャンセルしているプロジェクトがいくつか存在する</a:t>
             </a:r>
-            <a:endParaRPr lang="en-US" altLang="ja-JP" sz="2400" dirty="0" smtClean="0"/>
+            <a:endParaRPr lang="en-US" altLang="ja-JP" sz="2400" dirty="0"/>
           </a:p>
         </p:txBody>
       </p:sp>
@@ -5433,10 +5424,9 @@
           <a:lstStyle/>
           <a:p>
             <a:r>
-              <a:rPr kumimoji="1" lang="ja-JP" altLang="en-US" dirty="0" smtClean="0"/>
+              <a:rPr kumimoji="1" lang="ja-JP" altLang="en-US" dirty="0"/>
               <a:t>達成後キャンセル事例</a:t>
             </a:r>
-            <a:endParaRPr kumimoji="1" lang="ja-JP" altLang="en-US" dirty="0"/>
           </a:p>
         </p:txBody>
       </p:sp>
@@ -5459,117 +5449,97 @@
           <a:p>
             <a:r>
               <a:rPr lang="ja-JP" altLang="en-US" dirty="0"/>
-              <a:t>工場に発注してみたら、予算オーバー</a:t>
-            </a:r>
-            <a:r>
-              <a:rPr lang="ja-JP" altLang="en-US" dirty="0" smtClean="0"/>
-              <a:t>した</a:t>
-            </a:r>
-            <a:endParaRPr lang="en-US" altLang="ja-JP" dirty="0" smtClean="0"/>
+              <a:t>工場に発注してみたら、予算オーバーした</a:t>
+            </a:r>
+            <a:endParaRPr lang="en-US" altLang="ja-JP" dirty="0"/>
           </a:p>
           <a:p>
             <a:pPr lvl="1"/>
             <a:r>
-              <a:rPr lang="ja-JP" altLang="en-US" dirty="0" smtClean="0"/>
+              <a:rPr lang="ja-JP" altLang="en-US" dirty="0"/>
               <a:t>ロボット系、ドローン系</a:t>
             </a:r>
             <a:endParaRPr lang="en-US" altLang="ja-JP" dirty="0"/>
           </a:p>
           <a:p>
             <a:pPr lvl="3"/>
-            <a:endParaRPr lang="en-US" altLang="ja-JP" dirty="0" smtClean="0"/>
-          </a:p>
-          <a:p>
-            <a:r>
-              <a:rPr lang="ja-JP" altLang="en-US" dirty="0" smtClean="0"/>
-              <a:t>価格</a:t>
-            </a:r>
+            <a:endParaRPr lang="en-US" altLang="ja-JP" dirty="0"/>
+          </a:p>
+          <a:p>
             <a:r>
               <a:rPr lang="ja-JP" altLang="en-US" dirty="0"/>
-              <a:t>改定のため</a:t>
-            </a:r>
-            <a:r>
-              <a:rPr lang="ja-JP" altLang="en-US" dirty="0" smtClean="0"/>
-              <a:t>にプロジェクトを立て直す</a:t>
-            </a:r>
-            <a:endParaRPr lang="en-US" altLang="ja-JP" dirty="0" smtClean="0"/>
+              <a:t>価格改定のためにプロジェクトを立て直す</a:t>
+            </a:r>
+            <a:endParaRPr lang="en-US" altLang="ja-JP" dirty="0"/>
           </a:p>
           <a:p>
             <a:pPr lvl="1"/>
             <a:r>
               <a:rPr lang="ja-JP" altLang="en-US" dirty="0"/>
-              <a:t>想定以上の注文に</a:t>
-            </a:r>
-            <a:r>
-              <a:rPr lang="ja-JP" altLang="en-US" dirty="0" smtClean="0"/>
-              <a:t>より、量産効果により価格を下げられることが判明</a:t>
-            </a:r>
-            <a:endParaRPr kumimoji="1" lang="en-US" altLang="ja-JP" dirty="0" smtClean="0"/>
+              <a:t>想定以上の注文により、量産効果により価格を下げられることが判明</a:t>
+            </a:r>
+            <a:endParaRPr kumimoji="1" lang="en-US" altLang="ja-JP" dirty="0"/>
           </a:p>
           <a:p>
             <a:pPr lvl="2"/>
             <a:r>
-              <a:rPr kumimoji="1" lang="en-US" altLang="ja-JP" dirty="0" smtClean="0"/>
+              <a:rPr kumimoji="1" lang="en-US" altLang="ja-JP" dirty="0"/>
               <a:t>Weather</a:t>
             </a:r>
             <a:r>
-              <a:rPr kumimoji="1" lang="ja-JP" altLang="en-US" dirty="0" smtClean="0"/>
+              <a:rPr kumimoji="1" lang="ja-JP" altLang="en-US" dirty="0"/>
               <a:t> </a:t>
             </a:r>
             <a:r>
-              <a:rPr kumimoji="1" lang="en-US" altLang="ja-JP" dirty="0" smtClean="0"/>
+              <a:rPr kumimoji="1" lang="en-US" altLang="ja-JP" dirty="0"/>
               <a:t>Point</a:t>
             </a:r>
             <a:r>
-              <a:rPr kumimoji="1" lang="ja-JP" altLang="en-US" dirty="0" smtClean="0"/>
+              <a:rPr kumimoji="1" lang="ja-JP" altLang="en-US" dirty="0"/>
               <a:t> </a:t>
             </a:r>
             <a:r>
-              <a:rPr kumimoji="1" lang="en-US" altLang="ja-JP" dirty="0" smtClean="0"/>
+              <a:rPr kumimoji="1" lang="en-US" altLang="ja-JP" dirty="0"/>
               <a:t>2.0</a:t>
+            </a:r>
+            <a:r>
+              <a:rPr lang="ja-JP" altLang="en-US" dirty="0"/>
+              <a:t>　スマホのイヤホンジャックに付ける気象センサー</a:t>
+            </a:r>
+            <a:endParaRPr lang="en-US" altLang="ja-JP" dirty="0"/>
+          </a:p>
+          <a:p>
+            <a:pPr lvl="2"/>
+            <a:r>
+              <a:rPr kumimoji="1" lang="en-US" altLang="ja-JP" dirty="0" err="1"/>
+              <a:t>AnyTouch</a:t>
+            </a:r>
+            <a:r>
+              <a:rPr kumimoji="1" lang="ja-JP" altLang="en-US" dirty="0"/>
+              <a:t> </a:t>
+            </a:r>
+            <a:r>
+              <a:rPr kumimoji="1" lang="en-US" altLang="ja-JP" dirty="0"/>
+              <a:t>Blue</a:t>
             </a:r>
             <a:r>
               <a:rPr lang="ja-JP" altLang="en-US" dirty="0"/>
               <a:t>　</a:t>
             </a:r>
             <a:r>
-              <a:rPr lang="ja-JP" altLang="en-US" dirty="0" smtClean="0"/>
-              <a:t>スマホのイヤホンジャックに付ける気象センサー</a:t>
-            </a:r>
-            <a:endParaRPr lang="en-US" altLang="ja-JP" dirty="0" smtClean="0"/>
-          </a:p>
-          <a:p>
-            <a:pPr lvl="2"/>
-            <a:r>
-              <a:rPr kumimoji="1" lang="en-US" altLang="ja-JP" dirty="0" err="1" smtClean="0"/>
-              <a:t>AnyTouch</a:t>
-            </a:r>
-            <a:r>
-              <a:rPr kumimoji="1" lang="ja-JP" altLang="en-US" dirty="0" smtClean="0"/>
-              <a:t> </a:t>
-            </a:r>
-            <a:r>
-              <a:rPr kumimoji="1" lang="en-US" altLang="ja-JP" dirty="0" smtClean="0"/>
-              <a:t>Blue</a:t>
+              <a:rPr lang="en-US" altLang="ja-JP" dirty="0"/>
+              <a:t>USB</a:t>
             </a:r>
             <a:r>
               <a:rPr lang="ja-JP" altLang="en-US" dirty="0"/>
-              <a:t>　</a:t>
-            </a:r>
-            <a:r>
-              <a:rPr lang="en-US" altLang="ja-JP" dirty="0" smtClean="0"/>
-              <a:t>USB</a:t>
-            </a:r>
-            <a:r>
-              <a:rPr lang="ja-JP" altLang="en-US" dirty="0" smtClean="0"/>
               <a:t>ドングルを</a:t>
             </a:r>
             <a:r>
-              <a:rPr lang="en-US" altLang="ja-JP" dirty="0" smtClean="0"/>
+              <a:rPr lang="en-US" altLang="ja-JP" dirty="0"/>
               <a:t>PC</a:t>
             </a:r>
             <a:r>
-              <a:rPr lang="ja-JP" altLang="en-US" dirty="0" smtClean="0"/>
+              <a:rPr lang="ja-JP" altLang="en-US" dirty="0"/>
               <a:t>に刺すと、スマホが仮想キーボード、マウスになる</a:t>
             </a:r>
             <a:endParaRPr lang="en-US" altLang="ja-JP" dirty="0"/>
@@ -5598,80 +5568,68 @@
             </a:r>
             <a:r>
               <a:rPr lang="ja-JP" altLang="en-US" dirty="0"/>
-              <a:t>が減っているので、業者に直接取引を持ち掛けたと</a:t>
-            </a:r>
-            <a:r>
-              <a:rPr lang="ja-JP" altLang="en-US" dirty="0" smtClean="0"/>
-              <a:t>予想</a:t>
-            </a:r>
-            <a:endParaRPr lang="en-US" altLang="ja-JP" dirty="0" smtClean="0"/>
+              <a:t>が減っているので、業者に直接取引を持ち掛けたと予想</a:t>
+            </a:r>
+            <a:endParaRPr lang="en-US" altLang="ja-JP" dirty="0"/>
           </a:p>
           <a:p>
             <a:pPr lvl="3"/>
             <a:r>
-              <a:rPr lang="ja-JP" altLang="en-US" dirty="0" smtClean="0"/>
+              <a:rPr lang="ja-JP" altLang="en-US" dirty="0"/>
               <a:t>このプロジェクトは</a:t>
             </a:r>
             <a:r>
-              <a:rPr lang="en-US" altLang="ja-JP" dirty="0" err="1" smtClean="0"/>
+              <a:rPr lang="en-US" altLang="ja-JP" dirty="0" err="1"/>
               <a:t>indiegogo</a:t>
             </a:r>
             <a:r>
-              <a:rPr lang="ja-JP" altLang="en-US" dirty="0" smtClean="0"/>
+              <a:rPr lang="ja-JP" altLang="en-US" dirty="0"/>
               <a:t>で成功した後に</a:t>
             </a:r>
             <a:r>
-              <a:rPr lang="en-US" altLang="ja-JP" dirty="0" err="1" smtClean="0"/>
+              <a:rPr lang="en-US" altLang="ja-JP" dirty="0" err="1"/>
               <a:t>kickstater</a:t>
             </a:r>
             <a:r>
-              <a:rPr lang="ja-JP" altLang="en-US" dirty="0" smtClean="0"/>
+              <a:rPr lang="ja-JP" altLang="en-US" dirty="0"/>
               <a:t>に出品するという形で、</a:t>
             </a:r>
-            <a:r>
-              <a:rPr lang="en-US" altLang="ja-JP" dirty="0" smtClean="0"/>
-              <a:t/>
-            </a:r>
             <a:br>
-              <a:rPr lang="en-US" altLang="ja-JP" dirty="0" smtClean="0"/>
+              <a:rPr lang="en-US" altLang="ja-JP" dirty="0"/>
             </a:br>
             <a:r>
-              <a:rPr lang="ja-JP" altLang="en-US" dirty="0" smtClean="0"/>
+              <a:rPr lang="ja-JP" altLang="en-US" dirty="0"/>
               <a:t>クラウドファンディング</a:t>
             </a:r>
             <a:r>
-              <a:rPr kumimoji="1" lang="ja-JP" altLang="en-US" dirty="0" smtClean="0"/>
+              <a:rPr kumimoji="1" lang="ja-JP" altLang="en-US" dirty="0"/>
               <a:t> を流通網の一つとして利用しており、大変興味深い</a:t>
             </a:r>
-            <a:endParaRPr kumimoji="1" lang="en-US" altLang="ja-JP" dirty="0" smtClean="0"/>
+            <a:endParaRPr kumimoji="1" lang="en-US" altLang="ja-JP" dirty="0"/>
           </a:p>
           <a:p>
             <a:pPr lvl="3"/>
-            <a:endParaRPr lang="en-US" altLang="ja-JP" dirty="0" smtClean="0"/>
-          </a:p>
-          <a:p>
-            <a:r>
-              <a:rPr lang="ja-JP" altLang="en-US" dirty="0" smtClean="0"/>
+            <a:endParaRPr lang="en-US" altLang="ja-JP" dirty="0"/>
+          </a:p>
+          <a:p>
+            <a:r>
+              <a:rPr lang="ja-JP" altLang="en-US" dirty="0"/>
               <a:t>事故でプロジェクトの継続が一時的に困難になった</a:t>
             </a:r>
-            <a:endParaRPr lang="en-US" altLang="ja-JP" dirty="0" smtClean="0"/>
+            <a:endParaRPr lang="en-US" altLang="ja-JP" dirty="0"/>
           </a:p>
           <a:p>
             <a:pPr lvl="1"/>
             <a:r>
-              <a:rPr lang="en-US" altLang="ja-JP" dirty="0" err="1" smtClean="0"/>
+              <a:rPr lang="en-US" altLang="ja-JP" dirty="0" err="1"/>
               <a:t>Dotlens</a:t>
             </a:r>
             <a:r>
-              <a:rPr lang="en-US" altLang="ja-JP" dirty="0" smtClean="0"/>
-              <a:t> </a:t>
-            </a:r>
-            <a:r>
               <a:rPr lang="en-US" altLang="ja-JP" dirty="0"/>
-              <a:t>smartphone microscope </a:t>
-            </a:r>
-            <a:r>
-              <a:rPr lang="ja-JP" altLang="en-US" dirty="0" smtClean="0"/>
+              <a:t> smartphone microscope </a:t>
+            </a:r>
+            <a:r>
+              <a:rPr lang="ja-JP" altLang="en-US" dirty="0"/>
               <a:t>スマホのカメラに付けるレンズ</a:t>
             </a:r>
             <a:endParaRPr lang="en-US" altLang="ja-JP" dirty="0"/>
@@ -5679,18 +5637,18 @@
           <a:p>
             <a:pPr lvl="2"/>
             <a:r>
-              <a:rPr kumimoji="1" lang="ja-JP" altLang="en-US" dirty="0" smtClean="0"/>
+              <a:rPr kumimoji="1" lang="ja-JP" altLang="en-US" dirty="0"/>
               <a:t>テキサス州の洪水にあり、製造設備と在庫を喪失</a:t>
             </a:r>
-            <a:endParaRPr kumimoji="1" lang="en-US" altLang="ja-JP" dirty="0" smtClean="0"/>
+            <a:endParaRPr kumimoji="1" lang="en-US" altLang="ja-JP" dirty="0"/>
           </a:p>
           <a:p>
             <a:pPr lvl="2"/>
             <a:r>
-              <a:rPr lang="ja-JP" altLang="en-US" dirty="0" smtClean="0"/>
+              <a:rPr lang="ja-JP" altLang="en-US" dirty="0"/>
               <a:t>その後プロジェクトを立て直し、無事成功</a:t>
             </a:r>
-            <a:endParaRPr kumimoji="1" lang="en-US" altLang="ja-JP" dirty="0" smtClean="0"/>
+            <a:endParaRPr kumimoji="1" lang="en-US" altLang="ja-JP" dirty="0"/>
           </a:p>
           <a:p>
             <a:endParaRPr lang="en-US" altLang="ja-JP" dirty="0"/>
@@ -5748,10 +5706,9 @@
           <a:lstStyle/>
           <a:p>
             <a:r>
-              <a:rPr kumimoji="1" lang="ja-JP" altLang="en-US" dirty="0" smtClean="0"/>
+              <a:rPr kumimoji="1" lang="ja-JP" altLang="en-US" dirty="0"/>
               <a:t>まとめ</a:t>
             </a:r>
-            <a:endParaRPr kumimoji="1" lang="ja-JP" altLang="en-US" dirty="0"/>
           </a:p>
         </p:txBody>
       </p:sp>
@@ -5778,138 +5735,134 @@
           <a:lstStyle/>
           <a:p>
             <a:r>
-              <a:rPr kumimoji="1" lang="en-US" altLang="ja-JP" dirty="0" smtClean="0"/>
+              <a:rPr kumimoji="1" lang="en-US" altLang="ja-JP" dirty="0"/>
               <a:t>Kickstarter</a:t>
             </a:r>
             <a:r>
-              <a:rPr kumimoji="1" lang="ja-JP" altLang="en-US" dirty="0" smtClean="0"/>
+              <a:rPr kumimoji="1" lang="ja-JP" altLang="en-US" dirty="0"/>
               <a:t>は衰退はしていないものの横ばい</a:t>
             </a:r>
-            <a:endParaRPr kumimoji="1" lang="en-US" altLang="ja-JP" dirty="0" smtClean="0"/>
+            <a:endParaRPr kumimoji="1" lang="en-US" altLang="ja-JP" dirty="0"/>
           </a:p>
           <a:p>
             <a:pPr lvl="1"/>
             <a:r>
-              <a:rPr kumimoji="1" lang="ja-JP" altLang="en-US" dirty="0" smtClean="0"/>
+              <a:rPr kumimoji="1" lang="ja-JP" altLang="en-US" dirty="0"/>
               <a:t>他のクラウドファンディングサービスや、他国のローカルのクラウドファンディングサービスに顧客を奪われている可能性がある</a:t>
             </a:r>
-            <a:endParaRPr kumimoji="1" lang="en-US" altLang="ja-JP" dirty="0" smtClean="0"/>
+            <a:endParaRPr kumimoji="1" lang="en-US" altLang="ja-JP" dirty="0"/>
           </a:p>
           <a:p>
             <a:pPr lvl="1"/>
             <a:r>
-              <a:rPr kumimoji="1" lang="en-US" altLang="ja-JP" dirty="0" smtClean="0"/>
+              <a:rPr kumimoji="1" lang="en-US" altLang="ja-JP" dirty="0"/>
               <a:t>Technology</a:t>
             </a:r>
             <a:r>
-              <a:rPr kumimoji="1" lang="ja-JP" altLang="en-US" dirty="0" smtClean="0"/>
+              <a:rPr kumimoji="1" lang="ja-JP" altLang="en-US" dirty="0"/>
               <a:t>カテゴリに限定しているので、他のカテゴリ次第では成長している可能性</a:t>
             </a:r>
-            <a:endParaRPr kumimoji="1" lang="en-US" altLang="ja-JP" dirty="0" smtClean="0"/>
-          </a:p>
-          <a:p>
-            <a:endParaRPr kumimoji="1" lang="en-US" altLang="ja-JP" dirty="0" smtClean="0"/>
-          </a:p>
-          <a:p>
-            <a:r>
-              <a:rPr lang="ja-JP" altLang="en-US" dirty="0" smtClean="0"/>
+            <a:endParaRPr kumimoji="1" lang="en-US" altLang="ja-JP" dirty="0"/>
+          </a:p>
+          <a:p>
+            <a:endParaRPr kumimoji="1" lang="en-US" altLang="ja-JP" dirty="0"/>
+          </a:p>
+          <a:p>
+            <a:r>
+              <a:rPr lang="ja-JP" altLang="en-US" dirty="0"/>
               <a:t>クラウドファンディングの効果を、達成率</a:t>
             </a:r>
             <a:r>
-              <a:rPr lang="en-US" altLang="ja-JP" dirty="0" smtClean="0"/>
+              <a:rPr lang="en-US" altLang="ja-JP" dirty="0"/>
               <a:t>100%</a:t>
             </a:r>
             <a:r>
-              <a:rPr lang="ja-JP" altLang="en-US" dirty="0" smtClean="0"/>
+              <a:rPr lang="ja-JP" altLang="en-US" dirty="0"/>
               <a:t>付近の歪みとして可視化</a:t>
             </a:r>
-            <a:endParaRPr lang="en-US" altLang="ja-JP" dirty="0" smtClean="0"/>
+            <a:endParaRPr lang="en-US" altLang="ja-JP" dirty="0"/>
           </a:p>
           <a:p>
             <a:pPr lvl="1"/>
             <a:r>
-              <a:rPr lang="ja-JP" altLang="en-US" dirty="0" smtClean="0"/>
+              <a:rPr lang="ja-JP" altLang="en-US" dirty="0"/>
               <a:t>最後のひと押しをしてくれる人がいる</a:t>
             </a:r>
-            <a:endParaRPr lang="en-US" altLang="ja-JP" dirty="0" smtClean="0"/>
+            <a:endParaRPr lang="en-US" altLang="ja-JP" dirty="0"/>
           </a:p>
           <a:p>
             <a:pPr lvl="2"/>
             <a:r>
-              <a:rPr lang="ja-JP" altLang="en-US" dirty="0" smtClean="0"/>
+              <a:rPr lang="ja-JP" altLang="en-US" dirty="0"/>
               <a:t>プロジェクト関係者が身銭を切っている可能性</a:t>
             </a:r>
-            <a:endParaRPr lang="en-US" altLang="ja-JP" dirty="0" smtClean="0"/>
+            <a:endParaRPr lang="en-US" altLang="ja-JP" dirty="0"/>
           </a:p>
           <a:p>
             <a:pPr lvl="2"/>
             <a:r>
-              <a:rPr kumimoji="1" lang="ja-JP" altLang="en-US" dirty="0" smtClean="0"/>
+              <a:rPr kumimoji="1" lang="ja-JP" altLang="en-US" dirty="0"/>
               <a:t>「</a:t>
             </a:r>
             <a:r>
               <a:rPr lang="ja-JP" altLang="en-US" dirty="0"/>
-              <a:t>俺が育てた</a:t>
-            </a:r>
-            <a:r>
-              <a:rPr lang="ja-JP" altLang="en-US" dirty="0" smtClean="0"/>
-              <a:t>感</a:t>
-            </a:r>
-            <a:r>
-              <a:rPr kumimoji="1" lang="ja-JP" altLang="en-US" dirty="0" smtClean="0"/>
+              <a:t>俺が育てた感</a:t>
+            </a:r>
+            <a:r>
+              <a:rPr kumimoji="1" lang="ja-JP" altLang="en-US" dirty="0"/>
               <a:t>」を味わうのが好きな人がいる</a:t>
             </a:r>
-            <a:endParaRPr kumimoji="1" lang="en-US" altLang="ja-JP" dirty="0" smtClean="0"/>
+            <a:endParaRPr kumimoji="1" lang="en-US" altLang="ja-JP" dirty="0"/>
           </a:p>
           <a:p>
             <a:pPr lvl="2"/>
             <a:r>
-              <a:rPr lang="ja-JP" altLang="en-US" dirty="0" smtClean="0"/>
+              <a:rPr lang="ja-JP" altLang="en-US" dirty="0"/>
               <a:t>最後のひと押しをするには、安い</a:t>
             </a:r>
             <a:r>
-              <a:rPr lang="en-US" altLang="ja-JP" dirty="0" smtClean="0"/>
+              <a:rPr lang="en-US" altLang="ja-JP" dirty="0"/>
               <a:t>Back</a:t>
             </a:r>
             <a:r>
-              <a:rPr lang="ja-JP" altLang="en-US" dirty="0" smtClean="0"/>
+              <a:rPr lang="ja-JP" altLang="en-US" dirty="0"/>
               <a:t>プランが必要</a:t>
             </a:r>
-            <a:endParaRPr kumimoji="1" lang="en-US" altLang="ja-JP" dirty="0" smtClean="0"/>
-          </a:p>
-          <a:p>
-            <a:endParaRPr lang="en-US" altLang="ja-JP" dirty="0" smtClean="0"/>
-          </a:p>
-          <a:p>
-            <a:r>
-              <a:rPr lang="ja-JP" altLang="en-US" dirty="0" smtClean="0"/>
+            <a:endParaRPr kumimoji="1" lang="en-US" altLang="ja-JP" dirty="0"/>
+          </a:p>
+          <a:p>
+            <a:endParaRPr lang="en-US" altLang="ja-JP" dirty="0"/>
+          </a:p>
+          <a:p>
+            <a:r>
+              <a:rPr lang="ja-JP" altLang="en-US" dirty="0"/>
               <a:t>大成功プロジェクトは、基本的には大多数から支持されるもの</a:t>
             </a:r>
-            <a:endParaRPr lang="en-US" altLang="ja-JP" dirty="0" smtClean="0"/>
+            <a:endParaRPr lang="en-US" altLang="ja-JP" dirty="0"/>
           </a:p>
           <a:p>
             <a:pPr lvl="1"/>
             <a:r>
-              <a:rPr lang="en-US" altLang="ja-JP" dirty="0" smtClean="0"/>
+              <a:rPr lang="en-US" altLang="ja-JP" dirty="0"/>
               <a:t>Kickstarter</a:t>
             </a:r>
             <a:r>
-              <a:rPr lang="ja-JP" altLang="en-US" dirty="0" smtClean="0"/>
+              <a:rPr lang="ja-JP" altLang="en-US" dirty="0"/>
               <a:t>が販売チャネルになっているようなケースが多い</a:t>
             </a:r>
-            <a:endParaRPr lang="en-US" altLang="ja-JP" dirty="0" smtClean="0"/>
+            <a:endParaRPr lang="en-US" altLang="ja-JP" dirty="0"/>
           </a:p>
           <a:p>
             <a:pPr lvl="1"/>
             <a:r>
-              <a:rPr lang="en-US" altLang="ja-JP" dirty="0" smtClean="0"/>
+              <a:rPr lang="en-US" altLang="ja-JP" dirty="0"/>
               <a:t>Kickstarter</a:t>
             </a:r>
             <a:r>
-              <a:rPr lang="ja-JP" altLang="en-US" dirty="0" smtClean="0"/>
+              <a:rPr lang="ja-JP" altLang="en-US" dirty="0"/>
               <a:t>は商流の一種になっている</a:t>
             </a:r>
-            <a:endParaRPr lang="en-US" altLang="ja-JP" dirty="0" smtClean="0"/>
+            <a:endParaRPr lang="en-US" altLang="ja-JP" dirty="0"/>
           </a:p>
         </p:txBody>
       </p:sp>
@@ -5961,14 +5914,13 @@
           <a:lstStyle/>
           <a:p>
             <a:r>
-              <a:rPr kumimoji="1" lang="en-US" altLang="ja-JP" dirty="0" smtClean="0"/>
+              <a:rPr kumimoji="1" lang="en-US" altLang="ja-JP" dirty="0"/>
               <a:t>Kickstarter</a:t>
             </a:r>
             <a:r>
-              <a:rPr kumimoji="1" lang="ja-JP" altLang="en-US" dirty="0" smtClean="0"/>
+              <a:rPr kumimoji="1" lang="ja-JP" altLang="en-US" dirty="0"/>
               <a:t>で成功させるコツ</a:t>
             </a:r>
-            <a:endParaRPr kumimoji="1" lang="ja-JP" altLang="en-US" dirty="0"/>
           </a:p>
         </p:txBody>
       </p:sp>
@@ -5990,53 +5942,26 @@
           <a:lstStyle/>
           <a:p>
             <a:r>
-              <a:rPr lang="ja-JP" altLang="en-US" dirty="0" smtClean="0"/>
+              <a:rPr lang="ja-JP" altLang="en-US" dirty="0"/>
               <a:t>英語でコンテンツを用意する</a:t>
             </a:r>
-            <a:endParaRPr lang="en-US" altLang="ja-JP" dirty="0" smtClean="0"/>
+            <a:endParaRPr lang="en-US" altLang="ja-JP" dirty="0"/>
           </a:p>
           <a:p>
             <a:pPr lvl="1"/>
             <a:r>
-              <a:rPr lang="ja-JP" altLang="en-US" dirty="0" smtClean="0"/>
+              <a:rPr lang="ja-JP" altLang="en-US" dirty="0"/>
               <a:t>追加情報を探しに行っても母国語でしか出てこないケースでは</a:t>
             </a:r>
             <a:r>
-              <a:rPr lang="en-US" altLang="ja-JP" dirty="0" smtClean="0"/>
+              <a:rPr lang="en-US" altLang="ja-JP" dirty="0"/>
               <a:t>Back</a:t>
             </a:r>
             <a:r>
-              <a:rPr lang="ja-JP" altLang="en-US" dirty="0" smtClean="0"/>
+              <a:rPr lang="ja-JP" altLang="en-US" dirty="0"/>
               <a:t>しにくい</a:t>
             </a:r>
             <a:endParaRPr lang="en-US" altLang="ja-JP" dirty="0"/>
-          </a:p>
-          <a:p>
-            <a:pPr lvl="1"/>
-            <a:endParaRPr lang="en-US" altLang="ja-JP" dirty="0" smtClean="0"/>
-          </a:p>
-          <a:p>
-            <a:r>
-              <a:rPr lang="ja-JP" altLang="en-US" dirty="0" smtClean="0"/>
-              <a:t>目標金額を小さくし、確実に成功できるようにする</a:t>
-            </a:r>
-            <a:endParaRPr lang="en-US" altLang="ja-JP" dirty="0" smtClean="0"/>
-          </a:p>
-          <a:p>
-            <a:pPr lvl="1"/>
-            <a:r>
-              <a:rPr lang="ja-JP" altLang="en-US" dirty="0" smtClean="0"/>
-              <a:t>プロジェクトが成功したことそのものをニュースにすることができ、広報活動につながる</a:t>
-            </a:r>
-            <a:endParaRPr lang="en-US" altLang="ja-JP" dirty="0" smtClean="0"/>
-          </a:p>
-          <a:p>
-            <a:pPr lvl="1"/>
-            <a:r>
-              <a:rPr lang="ja-JP" altLang="en-US" dirty="0" smtClean="0"/>
-              <a:t>大成功したら、プロジェクトをいったんキャンセルして、立て直す裏ワザもある</a:t>
-            </a:r>
-            <a:endParaRPr lang="en-US" altLang="ja-JP" dirty="0" smtClean="0"/>
           </a:p>
           <a:p>
             <a:pPr lvl="1"/>
@@ -6044,74 +5969,26 @@
           </a:p>
           <a:p>
             <a:r>
-              <a:rPr lang="ja-JP" altLang="en-US" dirty="0" smtClean="0"/>
-              <a:t>プロジェクト</a:t>
-            </a:r>
-            <a:r>
               <a:rPr lang="ja-JP" altLang="en-US" dirty="0"/>
-              <a:t>を始める前に</a:t>
-            </a:r>
-            <a:r>
-              <a:rPr lang="ja-JP" altLang="en-US" dirty="0" smtClean="0"/>
-              <a:t>、最低でも</a:t>
-            </a:r>
-            <a:r>
-              <a:rPr lang="en-US" altLang="ja-JP" dirty="0" smtClean="0"/>
-              <a:t>10</a:t>
-            </a:r>
-            <a:r>
-              <a:rPr lang="ja-JP" altLang="en-US" dirty="0" smtClean="0"/>
-              <a:t>人は</a:t>
-            </a:r>
-            <a:r>
-              <a:rPr lang="en-US" altLang="ja-JP" dirty="0" smtClean="0"/>
-              <a:t>Backer</a:t>
-            </a:r>
-            <a:r>
-              <a:rPr lang="ja-JP" altLang="en-US" dirty="0" smtClean="0"/>
-              <a:t>を確保する</a:t>
-            </a:r>
-            <a:endParaRPr lang="en-US" altLang="ja-JP" dirty="0" smtClean="0"/>
+              <a:t>目標金額を小さくし、確実に成功できるようにする</a:t>
+            </a:r>
+            <a:endParaRPr lang="en-US" altLang="ja-JP" dirty="0"/>
           </a:p>
           <a:p>
             <a:pPr lvl="1"/>
             <a:r>
-              <a:rPr lang="ja-JP" altLang="en-US" dirty="0" smtClean="0"/>
-              <a:t>盛り上がってる</a:t>
-            </a:r>
-            <a:r>
               <a:rPr lang="ja-JP" altLang="en-US" dirty="0"/>
-              <a:t>感を正しく演出</a:t>
-            </a:r>
-            <a:r>
-              <a:rPr lang="ja-JP" altLang="en-US" dirty="0" smtClean="0"/>
-              <a:t>する</a:t>
-            </a:r>
-            <a:endParaRPr lang="en-US" altLang="ja-JP" dirty="0" smtClean="0"/>
+              <a:t>プロジェクトが成功したことそのものをニュースにすることができ、広報活動につながる</a:t>
+            </a:r>
+            <a:endParaRPr lang="en-US" altLang="ja-JP" dirty="0"/>
           </a:p>
           <a:p>
             <a:pPr lvl="1"/>
             <a:r>
-              <a:rPr lang="ja-JP" altLang="en-US" dirty="0" smtClean="0"/>
-              <a:t>目標金額の</a:t>
-            </a:r>
-            <a:r>
-              <a:rPr lang="en-US" altLang="ja-JP" dirty="0" smtClean="0"/>
-              <a:t>30%</a:t>
-            </a:r>
-            <a:r>
-              <a:rPr lang="ja-JP" altLang="en-US" dirty="0" smtClean="0"/>
-              <a:t>を超えれば、「成功しそうだから」という理由で</a:t>
-            </a:r>
-            <a:r>
-              <a:rPr lang="en-US" altLang="ja-JP" dirty="0" smtClean="0"/>
-              <a:t>Back</a:t>
-            </a:r>
-            <a:r>
-              <a:rPr lang="ja-JP" altLang="en-US" dirty="0" smtClean="0"/>
-              <a:t>する人が増え始める可能性が高い</a:t>
-            </a:r>
-            <a:endParaRPr lang="en-US" altLang="ja-JP" dirty="0" smtClean="0"/>
+              <a:rPr lang="ja-JP" altLang="en-US" dirty="0"/>
+              <a:t>大成功したら、プロジェクトをいったんキャンセルして、立て直す裏ワザもある</a:t>
+            </a:r>
+            <a:endParaRPr lang="en-US" altLang="ja-JP" dirty="0"/>
           </a:p>
           <a:p>
             <a:pPr lvl="1"/>
@@ -6119,74 +5996,132 @@
           </a:p>
           <a:p>
             <a:r>
-              <a:rPr lang="ja-JP" altLang="en-US" dirty="0" smtClean="0"/>
+              <a:rPr lang="ja-JP" altLang="en-US" dirty="0"/>
+              <a:t>プロジェクトを始める前に、最低でも</a:t>
+            </a:r>
+            <a:r>
+              <a:rPr lang="en-US" altLang="ja-JP" dirty="0"/>
+              <a:t>10</a:t>
+            </a:r>
+            <a:r>
+              <a:rPr lang="ja-JP" altLang="en-US" dirty="0"/>
+              <a:t>人は</a:t>
+            </a:r>
+            <a:r>
+              <a:rPr lang="en-US" altLang="ja-JP" dirty="0"/>
+              <a:t>Backer</a:t>
+            </a:r>
+            <a:r>
+              <a:rPr lang="ja-JP" altLang="en-US" dirty="0"/>
+              <a:t>を確保する</a:t>
+            </a:r>
+            <a:endParaRPr lang="en-US" altLang="ja-JP" dirty="0"/>
+          </a:p>
+          <a:p>
+            <a:pPr lvl="1"/>
+            <a:r>
+              <a:rPr lang="ja-JP" altLang="en-US" dirty="0"/>
+              <a:t>盛り上がってる感を正しく演出する</a:t>
+            </a:r>
+            <a:endParaRPr lang="en-US" altLang="ja-JP" dirty="0"/>
+          </a:p>
+          <a:p>
+            <a:pPr lvl="1"/>
+            <a:r>
+              <a:rPr lang="ja-JP" altLang="en-US" dirty="0"/>
+              <a:t>目標金額の</a:t>
+            </a:r>
+            <a:r>
+              <a:rPr lang="en-US" altLang="ja-JP" dirty="0"/>
+              <a:t>30%</a:t>
+            </a:r>
+            <a:r>
+              <a:rPr lang="ja-JP" altLang="en-US" dirty="0"/>
+              <a:t>を超えれば、「成功しそうだから」という理由で</a:t>
+            </a:r>
+            <a:r>
+              <a:rPr lang="en-US" altLang="ja-JP" dirty="0"/>
+              <a:t>Back</a:t>
+            </a:r>
+            <a:r>
+              <a:rPr lang="ja-JP" altLang="en-US" dirty="0"/>
+              <a:t>する人が増え始める可能性が高い</a:t>
+            </a:r>
+            <a:endParaRPr lang="en-US" altLang="ja-JP" dirty="0"/>
+          </a:p>
+          <a:p>
+            <a:pPr lvl="1"/>
+            <a:endParaRPr lang="en-US" altLang="ja-JP" dirty="0"/>
+          </a:p>
+          <a:p>
+            <a:r>
+              <a:rPr lang="ja-JP" altLang="en-US" dirty="0"/>
               <a:t>少額でリワードが得られる</a:t>
             </a:r>
             <a:r>
-              <a:rPr lang="en-US" altLang="ja-JP" dirty="0" smtClean="0"/>
+              <a:rPr lang="en-US" altLang="ja-JP" dirty="0"/>
               <a:t>Back</a:t>
             </a:r>
             <a:r>
-              <a:rPr lang="ja-JP" altLang="en-US" dirty="0" smtClean="0"/>
+              <a:rPr lang="ja-JP" altLang="en-US" dirty="0"/>
               <a:t>プランを用意しておく</a:t>
             </a:r>
-            <a:endParaRPr lang="en-US" altLang="ja-JP" dirty="0" smtClean="0"/>
+            <a:endParaRPr lang="en-US" altLang="ja-JP" dirty="0"/>
           </a:p>
           <a:p>
             <a:pPr lvl="1"/>
             <a:r>
-              <a:rPr lang="en-US" altLang="ja-JP" dirty="0" smtClean="0"/>
+              <a:rPr lang="en-US" altLang="ja-JP" dirty="0"/>
               <a:t>10</a:t>
             </a:r>
             <a:r>
-              <a:rPr lang="ja-JP" altLang="en-US" dirty="0" smtClean="0"/>
+              <a:rPr lang="ja-JP" altLang="en-US" dirty="0"/>
               <a:t>ドル程度で何かがもらえる少額の</a:t>
             </a:r>
             <a:r>
-              <a:rPr lang="en-US" altLang="ja-JP" dirty="0" smtClean="0"/>
+              <a:rPr lang="en-US" altLang="ja-JP" dirty="0"/>
               <a:t>Back</a:t>
             </a:r>
             <a:r>
-              <a:rPr lang="ja-JP" altLang="en-US" dirty="0" smtClean="0"/>
+              <a:rPr lang="ja-JP" altLang="en-US" dirty="0"/>
               <a:t>プランを容易しておく</a:t>
             </a:r>
-            <a:endParaRPr lang="en-US" altLang="ja-JP" dirty="0" smtClean="0"/>
+            <a:endParaRPr lang="en-US" altLang="ja-JP" dirty="0"/>
           </a:p>
           <a:p>
             <a:pPr lvl="1"/>
             <a:r>
-              <a:rPr lang="ja-JP" altLang="en-US" dirty="0" smtClean="0"/>
+              <a:rPr lang="ja-JP" altLang="en-US" dirty="0"/>
               <a:t>平均</a:t>
             </a:r>
             <a:r>
-              <a:rPr lang="en-US" altLang="ja-JP" dirty="0" smtClean="0"/>
+              <a:rPr lang="en-US" altLang="ja-JP" dirty="0"/>
               <a:t>Back</a:t>
             </a:r>
             <a:r>
-              <a:rPr lang="ja-JP" altLang="en-US" dirty="0" smtClean="0"/>
+              <a:rPr lang="ja-JP" altLang="en-US" dirty="0"/>
               <a:t>金額が</a:t>
             </a:r>
             <a:r>
-              <a:rPr lang="en-US" altLang="ja-JP" dirty="0" smtClean="0"/>
+              <a:rPr lang="en-US" altLang="ja-JP" dirty="0"/>
               <a:t>200</a:t>
             </a:r>
             <a:r>
-              <a:rPr lang="ja-JP" altLang="en-US" dirty="0" smtClean="0"/>
+              <a:rPr lang="ja-JP" altLang="en-US" dirty="0"/>
               <a:t>ドル未満になるようにする</a:t>
             </a:r>
-            <a:endParaRPr lang="en-US" altLang="ja-JP" dirty="0" smtClean="0"/>
+            <a:endParaRPr lang="en-US" altLang="ja-JP" dirty="0"/>
           </a:p>
           <a:p>
             <a:pPr lvl="1"/>
             <a:r>
-              <a:rPr lang="ja-JP" altLang="en-US" dirty="0" smtClean="0"/>
+              <a:rPr lang="ja-JP" altLang="en-US" dirty="0"/>
               <a:t>最後のひと押しのための応援は、少額であれば気軽に行うことができる</a:t>
             </a:r>
-            <a:endParaRPr lang="ja-JP" altLang="en-US" dirty="0"/>
           </a:p>
           <a:p>
             <a:pPr lvl="1"/>
-            <a:endParaRPr kumimoji="1" lang="en-US" altLang="ja-JP" dirty="0" smtClean="0"/>
+            <a:endParaRPr kumimoji="1" lang="en-US" altLang="ja-JP" dirty="0"/>
           </a:p>
         </p:txBody>
       </p:sp>
@@ -6238,10 +6173,16 @@
           <a:lstStyle/>
           <a:p>
             <a:r>
-              <a:rPr kumimoji="1" lang="ja-JP" altLang="en-US" dirty="0" smtClean="0"/>
-              <a:t>データ収集</a:t>
-            </a:r>
-            <a:endParaRPr kumimoji="1" lang="ja-JP" altLang="en-US" dirty="0"/>
+              <a:rPr lang="ko-KR" altLang="en-US" b="1" dirty="0">
+                <a:latin typeface="+mj-ea"/>
+                <a:cs typeface="Arial" panose="020B0604020202020204" pitchFamily="34" charset="0"/>
+              </a:rPr>
+              <a:t>데이터 수집</a:t>
+            </a:r>
+            <a:endParaRPr kumimoji="1" lang="ja-JP" altLang="en-US" b="1" dirty="0">
+              <a:latin typeface="+mj-ea"/>
+              <a:cs typeface="Arial" panose="020B0604020202020204" pitchFamily="34" charset="0"/>
+            </a:endParaRPr>
           </a:p>
         </p:txBody>
       </p:sp>
@@ -6263,286 +6204,538 @@
           <a:lstStyle/>
           <a:p>
             <a:r>
-              <a:rPr kumimoji="1" lang="en-US" altLang="ja-JP" dirty="0" smtClean="0"/>
+              <a:rPr kumimoji="1" lang="en-US" altLang="ja-JP" dirty="0">
+                <a:latin typeface="+mj-ea"/>
+                <a:ea typeface="+mj-ea"/>
+                <a:cs typeface="Arial" panose="020B0604020202020204" pitchFamily="34" charset="0"/>
+              </a:rPr>
               <a:t>Kickstarter</a:t>
             </a:r>
             <a:r>
-              <a:rPr kumimoji="1" lang="ja-JP" altLang="en-US" dirty="0" smtClean="0"/>
-              <a:t>の</a:t>
-            </a:r>
-            <a:r>
-              <a:rPr kumimoji="1" lang="en-US" altLang="ja-JP" dirty="0" smtClean="0"/>
+              <a:rPr kumimoji="1" lang="ko-KR" altLang="en-US" dirty="0">
+                <a:latin typeface="+mj-ea"/>
+                <a:ea typeface="+mj-ea"/>
+                <a:cs typeface="Arial" panose="020B0604020202020204" pitchFamily="34" charset="0"/>
+              </a:rPr>
+              <a:t>의 </a:t>
+            </a:r>
+            <a:r>
+              <a:rPr kumimoji="1" lang="en-US" altLang="ja-JP" dirty="0">
+                <a:latin typeface="+mj-ea"/>
+                <a:ea typeface="+mj-ea"/>
+                <a:cs typeface="Arial" panose="020B0604020202020204" pitchFamily="34" charset="0"/>
+              </a:rPr>
               <a:t>API</a:t>
             </a:r>
             <a:r>
-              <a:rPr kumimoji="1" lang="ja-JP" altLang="en-US" dirty="0" smtClean="0"/>
-              <a:t>を利用して収集したデータ</a:t>
-            </a:r>
-            <a:endParaRPr kumimoji="1" lang="en-US" altLang="ja-JP" dirty="0" smtClean="0"/>
+              <a:rPr kumimoji="1" lang="ko-KR" altLang="en-US" dirty="0">
+                <a:latin typeface="+mj-ea"/>
+                <a:ea typeface="+mj-ea"/>
+                <a:cs typeface="Arial" panose="020B0604020202020204" pitchFamily="34" charset="0"/>
+              </a:rPr>
+              <a:t>를 이용해 수집한 데이터</a:t>
+            </a:r>
+            <a:endParaRPr kumimoji="1" lang="en-US" altLang="ja-JP" dirty="0">
+              <a:latin typeface="+mj-ea"/>
+              <a:ea typeface="+mj-ea"/>
+              <a:cs typeface="Arial" panose="020B0604020202020204" pitchFamily="34" charset="0"/>
+            </a:endParaRPr>
           </a:p>
           <a:p>
             <a:pPr lvl="1"/>
             <a:r>
-              <a:rPr kumimoji="1" lang="en-US" altLang="ja-JP" dirty="0" smtClean="0"/>
-              <a:t>Technology</a:t>
-            </a:r>
-            <a:r>
-              <a:rPr kumimoji="1" lang="ja-JP" altLang="en-US" dirty="0" smtClean="0"/>
-              <a:t>カテゴリのプロジェクト、</a:t>
-            </a:r>
-            <a:r>
-              <a:rPr kumimoji="1" lang="en-US" altLang="ja-JP" dirty="0" smtClean="0"/>
-              <a:t>21404</a:t>
-            </a:r>
-            <a:r>
-              <a:rPr kumimoji="1" lang="ja-JP" altLang="en-US" dirty="0" smtClean="0"/>
-              <a:t>件</a:t>
-            </a:r>
-            <a:endParaRPr kumimoji="1" lang="en-US" altLang="ja-JP" dirty="0" smtClean="0"/>
+              <a:rPr kumimoji="1" lang="en-US" altLang="ja-JP" dirty="0">
+                <a:latin typeface="+mj-ea"/>
+                <a:ea typeface="+mj-ea"/>
+                <a:cs typeface="Arial" panose="020B0604020202020204" pitchFamily="34" charset="0"/>
+              </a:rPr>
+              <a:t>Technology </a:t>
+            </a:r>
+            <a:r>
+              <a:rPr kumimoji="1" lang="ko-KR" altLang="en-US" dirty="0">
+                <a:latin typeface="+mj-ea"/>
+                <a:ea typeface="+mj-ea"/>
+                <a:cs typeface="Arial" panose="020B0604020202020204" pitchFamily="34" charset="0"/>
+              </a:rPr>
+              <a:t>분류 프로젝트</a:t>
+            </a:r>
+            <a:r>
+              <a:rPr kumimoji="1" lang="en-US" altLang="ko-KR" dirty="0">
+                <a:latin typeface="+mj-ea"/>
+                <a:ea typeface="+mj-ea"/>
+                <a:cs typeface="Arial" panose="020B0604020202020204" pitchFamily="34" charset="0"/>
+              </a:rPr>
+              <a:t>, 21,404</a:t>
+            </a:r>
+            <a:r>
+              <a:rPr kumimoji="1" lang="ko-KR" altLang="en-US" dirty="0">
+                <a:latin typeface="+mj-ea"/>
+                <a:ea typeface="+mj-ea"/>
+                <a:cs typeface="Arial" panose="020B0604020202020204" pitchFamily="34" charset="0"/>
+              </a:rPr>
+              <a:t>건</a:t>
+            </a:r>
+            <a:endParaRPr kumimoji="1" lang="en-US" altLang="ja-JP" dirty="0">
+              <a:latin typeface="+mj-ea"/>
+              <a:ea typeface="+mj-ea"/>
+              <a:cs typeface="Arial" panose="020B0604020202020204" pitchFamily="34" charset="0"/>
+            </a:endParaRPr>
           </a:p>
           <a:p>
             <a:pPr lvl="1"/>
             <a:r>
-              <a:rPr kumimoji="1" lang="ja-JP" altLang="en-US" dirty="0" smtClean="0"/>
-              <a:t>データ収集日、</a:t>
-            </a:r>
-            <a:r>
-              <a:rPr kumimoji="1" lang="en-US" altLang="ja-JP" dirty="0" smtClean="0"/>
+              <a:rPr kumimoji="1" lang="ko-KR" altLang="en-US" dirty="0">
+                <a:latin typeface="+mj-ea"/>
+                <a:ea typeface="+mj-ea"/>
+                <a:cs typeface="Arial" panose="020B0604020202020204" pitchFamily="34" charset="0"/>
+              </a:rPr>
+              <a:t>데이터 수집일</a:t>
+            </a:r>
+            <a:r>
+              <a:rPr kumimoji="1" lang="en-US" altLang="ko-KR" dirty="0">
+                <a:latin typeface="+mj-ea"/>
+                <a:ea typeface="+mj-ea"/>
+                <a:cs typeface="Arial" panose="020B0604020202020204" pitchFamily="34" charset="0"/>
+              </a:rPr>
+              <a:t>, </a:t>
+            </a:r>
+            <a:r>
+              <a:rPr kumimoji="1" lang="en-US" altLang="ja-JP" dirty="0">
+                <a:latin typeface="+mj-ea"/>
+                <a:ea typeface="+mj-ea"/>
+                <a:cs typeface="Arial" panose="020B0604020202020204" pitchFamily="34" charset="0"/>
+              </a:rPr>
               <a:t>2017/03/04</a:t>
             </a:r>
           </a:p>
           <a:p>
-            <a:endParaRPr kumimoji="1" lang="en-US" altLang="ja-JP" dirty="0" smtClean="0"/>
-          </a:p>
-          <a:p>
-            <a:r>
-              <a:rPr lang="ja-JP" altLang="en-US" dirty="0" smtClean="0"/>
-              <a:t>データ収集方法</a:t>
-            </a:r>
-            <a:endParaRPr lang="en-US" altLang="ja-JP" dirty="0" smtClean="0"/>
+            <a:endParaRPr kumimoji="1" lang="en-US" altLang="ja-JP" dirty="0">
+              <a:latin typeface="+mj-ea"/>
+              <a:ea typeface="+mj-ea"/>
+              <a:cs typeface="Arial" panose="020B0604020202020204" pitchFamily="34" charset="0"/>
+            </a:endParaRPr>
+          </a:p>
+          <a:p>
+            <a:r>
+              <a:rPr lang="ko-KR" altLang="en-US" dirty="0">
+                <a:latin typeface="+mj-ea"/>
+                <a:ea typeface="+mj-ea"/>
+                <a:cs typeface="Arial" panose="020B0604020202020204" pitchFamily="34" charset="0"/>
+              </a:rPr>
+              <a:t>데이터 수집 방법</a:t>
+            </a:r>
+            <a:endParaRPr lang="en-US" altLang="ja-JP" dirty="0">
+              <a:latin typeface="+mj-ea"/>
+              <a:ea typeface="+mj-ea"/>
+              <a:cs typeface="Arial" panose="020B0604020202020204" pitchFamily="34" charset="0"/>
+            </a:endParaRPr>
           </a:p>
           <a:p>
             <a:pPr lvl="1"/>
             <a:r>
-              <a:rPr kumimoji="1" lang="en-US" altLang="ja-JP" dirty="0" smtClean="0"/>
+              <a:rPr kumimoji="1" lang="en-US" altLang="ja-JP" dirty="0">
+                <a:latin typeface="+mj-ea"/>
+                <a:ea typeface="+mj-ea"/>
+                <a:cs typeface="Arial" panose="020B0604020202020204" pitchFamily="34" charset="0"/>
+              </a:rPr>
               <a:t>Kickstarter</a:t>
             </a:r>
             <a:r>
-              <a:rPr kumimoji="1" lang="ja-JP" altLang="en-US" dirty="0" smtClean="0"/>
-              <a:t>の非公開</a:t>
-            </a:r>
-            <a:r>
-              <a:rPr kumimoji="1" lang="en-US" altLang="ja-JP" dirty="0" smtClean="0"/>
+              <a:rPr kumimoji="1" lang="ko-KR" altLang="en-US" dirty="0">
+                <a:latin typeface="+mj-ea"/>
+                <a:ea typeface="+mj-ea"/>
+                <a:cs typeface="Arial" panose="020B0604020202020204" pitchFamily="34" charset="0"/>
+              </a:rPr>
+              <a:t>의 비공개 </a:t>
+            </a:r>
+            <a:r>
+              <a:rPr kumimoji="1" lang="en-US" altLang="ko-KR" dirty="0">
+                <a:latin typeface="+mj-ea"/>
+                <a:ea typeface="+mj-ea"/>
+                <a:cs typeface="Arial" panose="020B0604020202020204" pitchFamily="34" charset="0"/>
+              </a:rPr>
               <a:t>API</a:t>
             </a:r>
             <a:r>
-              <a:rPr lang="ja-JP" altLang="en-US" dirty="0" smtClean="0"/>
-              <a:t>を利用し、</a:t>
-            </a:r>
-            <a:r>
-              <a:rPr lang="en-US" altLang="ja-JP" dirty="0" err="1" smtClean="0"/>
-              <a:t>json</a:t>
-            </a:r>
-            <a:r>
-              <a:rPr lang="ja-JP" altLang="en-US" dirty="0" smtClean="0"/>
-              <a:t>データを収集</a:t>
-            </a:r>
-            <a:endParaRPr lang="en-US" altLang="ja-JP" dirty="0"/>
+              <a:rPr kumimoji="1" lang="ko-KR" altLang="en-US" dirty="0">
+                <a:latin typeface="+mj-ea"/>
+                <a:ea typeface="+mj-ea"/>
+                <a:cs typeface="Arial" panose="020B0604020202020204" pitchFamily="34" charset="0"/>
+              </a:rPr>
+              <a:t>를 이용해 </a:t>
+            </a:r>
+            <a:r>
+              <a:rPr kumimoji="1" lang="en-US" altLang="ko-KR" dirty="0">
+                <a:latin typeface="+mj-ea"/>
+                <a:ea typeface="+mj-ea"/>
+                <a:cs typeface="Arial" panose="020B0604020202020204" pitchFamily="34" charset="0"/>
+              </a:rPr>
+              <a:t>json </a:t>
+            </a:r>
+            <a:r>
+              <a:rPr kumimoji="1" lang="ko-KR" altLang="en-US" dirty="0">
+                <a:latin typeface="+mj-ea"/>
+                <a:ea typeface="+mj-ea"/>
+                <a:cs typeface="Arial" panose="020B0604020202020204" pitchFamily="34" charset="0"/>
+              </a:rPr>
+              <a:t>데이터를 수집</a:t>
+            </a:r>
+            <a:endParaRPr lang="en-US" altLang="ja-JP" dirty="0">
+              <a:latin typeface="+mj-ea"/>
+              <a:ea typeface="+mj-ea"/>
+              <a:cs typeface="Arial" panose="020B0604020202020204" pitchFamily="34" charset="0"/>
+            </a:endParaRPr>
           </a:p>
           <a:p>
             <a:pPr lvl="2"/>
             <a:r>
-              <a:rPr lang="ja-JP" altLang="en-US" dirty="0" smtClean="0"/>
-              <a:t>通常検索</a:t>
-            </a:r>
-            <a:endParaRPr lang="en-US" altLang="ja-JP" dirty="0" smtClean="0"/>
+              <a:rPr lang="ko-KR" altLang="en-US" dirty="0">
+                <a:latin typeface="+mj-ea"/>
+                <a:ea typeface="+mj-ea"/>
+                <a:cs typeface="Arial" panose="020B0604020202020204" pitchFamily="34" charset="0"/>
+              </a:rPr>
+              <a:t>일반 검색</a:t>
+            </a:r>
+            <a:endParaRPr lang="en-US" altLang="ja-JP" dirty="0">
+              <a:latin typeface="+mj-ea"/>
+              <a:ea typeface="+mj-ea"/>
+              <a:cs typeface="Arial" panose="020B0604020202020204" pitchFamily="34" charset="0"/>
+            </a:endParaRPr>
           </a:p>
           <a:p>
             <a:pPr lvl="3"/>
             <a:r>
-              <a:rPr lang="en-US" altLang="ja-JP" dirty="0" smtClean="0">
+              <a:rPr lang="en-US" altLang="ja-JP" dirty="0">
+                <a:latin typeface="+mj-ea"/>
+                <a:ea typeface="+mj-ea"/>
+                <a:cs typeface="Arial" panose="020B0604020202020204" pitchFamily="34" charset="0"/>
                 <a:hlinkClick r:id="rId2"/>
               </a:rPr>
               <a:t>https://www.kickstarter.com/projects/search?term=3d+printer</a:t>
             </a:r>
-            <a:endParaRPr lang="en-US" altLang="ja-JP" dirty="0" smtClean="0"/>
+            <a:endParaRPr lang="en-US" altLang="ja-JP" dirty="0">
+              <a:latin typeface="+mj-ea"/>
+              <a:ea typeface="+mj-ea"/>
+              <a:cs typeface="Arial" panose="020B0604020202020204" pitchFamily="34" charset="0"/>
+            </a:endParaRPr>
           </a:p>
           <a:p>
             <a:pPr lvl="2"/>
             <a:r>
-              <a:rPr lang="ja-JP" altLang="en-US" dirty="0" smtClean="0"/>
-              <a:t>非公開</a:t>
-            </a:r>
-            <a:r>
-              <a:rPr lang="en-US" altLang="ja-JP" dirty="0" smtClean="0"/>
+              <a:rPr lang="ko-KR" altLang="en-US" dirty="0">
+                <a:latin typeface="+mj-ea"/>
+                <a:ea typeface="+mj-ea"/>
+                <a:cs typeface="Arial" panose="020B0604020202020204" pitchFamily="34" charset="0"/>
+              </a:rPr>
+              <a:t>비공개 </a:t>
+            </a:r>
+            <a:r>
+              <a:rPr lang="en-US" altLang="ja-JP" dirty="0">
+                <a:latin typeface="+mj-ea"/>
+                <a:ea typeface="+mj-ea"/>
+                <a:cs typeface="Arial" panose="020B0604020202020204" pitchFamily="34" charset="0"/>
+              </a:rPr>
               <a:t>API</a:t>
             </a:r>
           </a:p>
           <a:p>
             <a:pPr lvl="3"/>
             <a:r>
-              <a:rPr lang="en-US" altLang="ja-JP" dirty="0" smtClean="0">
+              <a:rPr lang="en-US" altLang="ja-JP" dirty="0">
+                <a:latin typeface="+mj-ea"/>
+                <a:ea typeface="+mj-ea"/>
+                <a:cs typeface="Arial" panose="020B0604020202020204" pitchFamily="34" charset="0"/>
                 <a:hlinkClick r:id="rId3"/>
               </a:rPr>
-              <a:t>https</a:t>
-            </a:r>
+              <a:t>https://www.kickstarter.com/projects/search.json?term=3d+printer</a:t>
+            </a:r>
+            <a:endParaRPr kumimoji="1" lang="en-US" altLang="ja-JP" dirty="0">
+              <a:latin typeface="+mj-ea"/>
+              <a:ea typeface="+mj-ea"/>
+              <a:cs typeface="Arial" panose="020B0604020202020204" pitchFamily="34" charset="0"/>
+            </a:endParaRPr>
+          </a:p>
+          <a:p>
+            <a:pPr lvl="1"/>
+            <a:r>
+              <a:rPr lang="ko-KR" altLang="en-US" dirty="0">
+                <a:latin typeface="+mj-ea"/>
+                <a:ea typeface="+mj-ea"/>
+                <a:cs typeface="Arial" panose="020B0604020202020204" pitchFamily="34" charset="0"/>
+              </a:rPr>
+              <a:t>소스 코드</a:t>
+            </a:r>
+            <a:endParaRPr kumimoji="1" lang="en-US" altLang="ja-JP" dirty="0">
+              <a:latin typeface="+mj-ea"/>
+              <a:ea typeface="+mj-ea"/>
+              <a:cs typeface="Arial" panose="020B0604020202020204" pitchFamily="34" charset="0"/>
+            </a:endParaRPr>
+          </a:p>
+          <a:p>
+            <a:pPr lvl="2"/>
             <a:r>
               <a:rPr lang="en-US" altLang="ja-JP" dirty="0">
-                <a:hlinkClick r:id="rId3"/>
-              </a:rPr>
-              <a:t>://</a:t>
-            </a:r>
-            <a:r>
-              <a:rPr lang="en-US" altLang="ja-JP" dirty="0" smtClean="0">
-                <a:hlinkClick r:id="rId3"/>
-              </a:rPr>
-              <a:t>www.kickstarter.com/projects/search.json?term=3d+printer</a:t>
-            </a:r>
-            <a:endParaRPr kumimoji="1" lang="en-US" altLang="ja-JP" dirty="0" smtClean="0"/>
+                <a:latin typeface="+mj-ea"/>
+                <a:ea typeface="+mj-ea"/>
+                <a:cs typeface="Arial" panose="020B0604020202020204" pitchFamily="34" charset="0"/>
+                <a:hlinkClick r:id="rId4"/>
+              </a:rPr>
+              <a:t>https://github.com/oreilly-japan/ml-at-work/tree/master/chap08</a:t>
+            </a:r>
+            <a:endParaRPr lang="en-US" altLang="ja-JP" dirty="0">
+              <a:latin typeface="+mj-ea"/>
+              <a:ea typeface="+mj-ea"/>
+              <a:cs typeface="Arial" panose="020B0604020202020204" pitchFamily="34" charset="0"/>
+            </a:endParaRPr>
+          </a:p>
+          <a:p>
+            <a:pPr lvl="2"/>
+            <a:r>
+              <a:rPr lang="ko-KR" altLang="en-US" dirty="0">
+                <a:latin typeface="+mj-ea"/>
+                <a:ea typeface="+mj-ea"/>
+                <a:cs typeface="Arial" panose="020B0604020202020204" pitchFamily="34" charset="0"/>
+              </a:rPr>
+              <a:t>비고</a:t>
+            </a:r>
+            <a:r>
+              <a:rPr lang="en-US" altLang="ko-KR" dirty="0">
+                <a:latin typeface="+mj-ea"/>
+                <a:ea typeface="+mj-ea"/>
+                <a:cs typeface="Arial" panose="020B0604020202020204" pitchFamily="34" charset="0"/>
+              </a:rPr>
+              <a:t>: </a:t>
+            </a:r>
+            <a:r>
+              <a:rPr lang="ko-KR" altLang="en-US" dirty="0">
+                <a:latin typeface="+mj-ea"/>
+                <a:ea typeface="+mj-ea"/>
+                <a:cs typeface="Arial" panose="020B0604020202020204" pitchFamily="34" charset="0"/>
+              </a:rPr>
+              <a:t>위 </a:t>
+            </a:r>
+            <a:r>
+              <a:rPr lang="en-US" altLang="ko-KR" dirty="0">
+                <a:latin typeface="+mj-ea"/>
+                <a:ea typeface="+mj-ea"/>
+                <a:cs typeface="Arial" panose="020B0604020202020204" pitchFamily="34" charset="0"/>
+              </a:rPr>
+              <a:t>A</a:t>
+            </a:r>
+            <a:r>
+              <a:rPr lang="en-US" altLang="ja-JP" dirty="0">
+                <a:latin typeface="+mj-ea"/>
+                <a:ea typeface="+mj-ea"/>
+                <a:cs typeface="Arial" panose="020B0604020202020204" pitchFamily="34" charset="0"/>
+              </a:rPr>
+              <a:t>PI</a:t>
+            </a:r>
+            <a:r>
+              <a:rPr lang="ko-KR" altLang="en-US" dirty="0">
+                <a:latin typeface="+mj-ea"/>
+                <a:ea typeface="+mj-ea"/>
+                <a:cs typeface="Arial" panose="020B0604020202020204" pitchFamily="34" charset="0"/>
+              </a:rPr>
+              <a:t>는 결과를 </a:t>
+            </a:r>
+            <a:r>
+              <a:rPr lang="en-US" altLang="ko-KR" dirty="0">
+                <a:latin typeface="+mj-ea"/>
+                <a:ea typeface="+mj-ea"/>
+                <a:cs typeface="Arial" panose="020B0604020202020204" pitchFamily="34" charset="0"/>
+              </a:rPr>
+              <a:t>4,000</a:t>
+            </a:r>
+            <a:r>
+              <a:rPr lang="ko-KR" altLang="en-US" dirty="0">
+                <a:latin typeface="+mj-ea"/>
+                <a:ea typeface="+mj-ea"/>
+                <a:cs typeface="Arial" panose="020B0604020202020204" pitchFamily="34" charset="0"/>
+              </a:rPr>
+              <a:t>건까지</a:t>
+            </a:r>
+            <a:r>
+              <a:rPr lang="en-US" altLang="ko-KR" dirty="0">
+                <a:latin typeface="+mj-ea"/>
+                <a:ea typeface="+mj-ea"/>
+                <a:cs typeface="Arial" panose="020B0604020202020204" pitchFamily="34" charset="0"/>
+              </a:rPr>
+              <a:t> </a:t>
+            </a:r>
+            <a:r>
+              <a:rPr lang="ko-KR" altLang="en-US" dirty="0">
+                <a:latin typeface="+mj-ea"/>
+                <a:ea typeface="+mj-ea"/>
+                <a:cs typeface="Arial" panose="020B0604020202020204" pitchFamily="34" charset="0"/>
+              </a:rPr>
+              <a:t>반환하므로 </a:t>
+            </a:r>
+            <a:r>
+              <a:rPr lang="en-US" altLang="ko-KR" dirty="0">
+                <a:latin typeface="+mj-ea"/>
+                <a:ea typeface="+mj-ea"/>
+                <a:cs typeface="Arial" panose="020B0604020202020204" pitchFamily="34" charset="0"/>
+              </a:rPr>
+              <a:t>Technology </a:t>
+            </a:r>
+            <a:r>
+              <a:rPr lang="ko-KR" altLang="en-US" dirty="0">
+                <a:latin typeface="+mj-ea"/>
+                <a:ea typeface="+mj-ea"/>
+                <a:cs typeface="Arial" panose="020B0604020202020204" pitchFamily="34" charset="0"/>
+              </a:rPr>
+              <a:t>분류의 하위 분류를 지정해 검색 조건을 억제하고</a:t>
+            </a:r>
+            <a:r>
+              <a:rPr lang="en-US" altLang="ko-KR" dirty="0">
+                <a:latin typeface="+mj-ea"/>
+                <a:ea typeface="+mj-ea"/>
+                <a:cs typeface="Arial" panose="020B0604020202020204" pitchFamily="34" charset="0"/>
+              </a:rPr>
+              <a:t>, </a:t>
+            </a:r>
+            <a:r>
+              <a:rPr lang="ko-KR" altLang="en-US" dirty="0">
+                <a:latin typeface="+mj-ea"/>
+                <a:ea typeface="+mj-ea"/>
+                <a:cs typeface="Arial" panose="020B0604020202020204" pitchFamily="34" charset="0"/>
+              </a:rPr>
+              <a:t>새로운 프로젝트 순으로 데이터를 수집함</a:t>
+            </a:r>
+            <a:endParaRPr lang="en-US" altLang="ja-JP" dirty="0">
+              <a:latin typeface="+mj-ea"/>
+              <a:ea typeface="+mj-ea"/>
+              <a:cs typeface="Arial" panose="020B0604020202020204" pitchFamily="34" charset="0"/>
+            </a:endParaRPr>
           </a:p>
           <a:p>
             <a:pPr lvl="1"/>
             <a:r>
-              <a:rPr lang="ja-JP" altLang="en-US" dirty="0" smtClean="0"/>
-              <a:t>ソース</a:t>
-            </a:r>
-            <a:r>
-              <a:rPr lang="ja-JP" altLang="en-US" dirty="0"/>
-              <a:t>コード</a:t>
-            </a:r>
-            <a:endParaRPr kumimoji="1" lang="en-US" altLang="ja-JP" dirty="0" smtClean="0"/>
+              <a:rPr lang="ko-KR" altLang="en-US" dirty="0">
+                <a:latin typeface="+mj-ea"/>
+                <a:ea typeface="+mj-ea"/>
+                <a:cs typeface="Arial" panose="020B0604020202020204" pitchFamily="34" charset="0"/>
+              </a:rPr>
+              <a:t>데이터 결손 가능성 있음</a:t>
+            </a:r>
+            <a:endParaRPr lang="en-US" altLang="ja-JP" dirty="0">
+              <a:latin typeface="+mj-ea"/>
+              <a:ea typeface="+mj-ea"/>
+              <a:cs typeface="Arial" panose="020B0604020202020204" pitchFamily="34" charset="0"/>
+            </a:endParaRPr>
           </a:p>
           <a:p>
             <a:pPr lvl="2"/>
             <a:r>
-              <a:rPr lang="en-US" altLang="ja-JP" dirty="0" smtClean="0">
-                <a:hlinkClick r:id="rId4"/>
-              </a:rPr>
-              <a:t>https</a:t>
-            </a:r>
+              <a:rPr lang="ko-KR" altLang="en-US" dirty="0">
+                <a:latin typeface="+mj-ea"/>
+                <a:ea typeface="+mj-ea"/>
+                <a:cs typeface="Arial" panose="020B0604020202020204" pitchFamily="34" charset="0"/>
+              </a:rPr>
+              <a:t>다음 쿼리로 </a:t>
+            </a:r>
+            <a:r>
+              <a:rPr lang="en-US" altLang="ko-KR" dirty="0">
+                <a:latin typeface="+mj-ea"/>
+                <a:ea typeface="+mj-ea"/>
+                <a:cs typeface="Arial" panose="020B0604020202020204" pitchFamily="34" charset="0"/>
+              </a:rPr>
+              <a:t>Technology </a:t>
+            </a:r>
+            <a:r>
+              <a:rPr lang="ko-KR" altLang="en-US" dirty="0">
+                <a:latin typeface="+mj-ea"/>
+                <a:ea typeface="+mj-ea"/>
+                <a:cs typeface="Arial" panose="020B0604020202020204" pitchFamily="34" charset="0"/>
+              </a:rPr>
+              <a:t>태그 전체를 검색한 경우의 </a:t>
+            </a:r>
+            <a:r>
+              <a:rPr lang="en-US" altLang="ko-KR" dirty="0">
+                <a:latin typeface="+mj-ea"/>
+                <a:ea typeface="+mj-ea"/>
+                <a:cs typeface="Arial" panose="020B0604020202020204" pitchFamily="34" charset="0"/>
+              </a:rPr>
+              <a:t>hit </a:t>
+            </a:r>
+            <a:r>
+              <a:rPr lang="ko-KR" altLang="en-US" dirty="0">
+                <a:latin typeface="+mj-ea"/>
+                <a:ea typeface="+mj-ea"/>
+                <a:cs typeface="Arial" panose="020B0604020202020204" pitchFamily="34" charset="0"/>
+              </a:rPr>
+              <a:t>수는 </a:t>
+            </a:r>
+            <a:r>
+              <a:rPr lang="en-US" altLang="ko-KR" dirty="0">
+                <a:latin typeface="+mj-ea"/>
+                <a:ea typeface="+mj-ea"/>
+                <a:cs typeface="Arial" panose="020B0604020202020204" pitchFamily="34" charset="0"/>
+              </a:rPr>
+              <a:t>27,000</a:t>
+            </a:r>
+            <a:r>
+              <a:rPr lang="ko-KR" altLang="en-US" dirty="0">
+                <a:latin typeface="+mj-ea"/>
+                <a:ea typeface="+mj-ea"/>
+                <a:cs typeface="Arial" panose="020B0604020202020204" pitchFamily="34" charset="0"/>
+              </a:rPr>
+              <a:t>건이므로 데이터 결손 가능성이 있음</a:t>
+            </a:r>
+            <a:endParaRPr lang="en-US" altLang="ja-JP" dirty="0">
+              <a:latin typeface="+mj-ea"/>
+              <a:ea typeface="+mj-ea"/>
+              <a:cs typeface="Arial" panose="020B0604020202020204" pitchFamily="34" charset="0"/>
+            </a:endParaRPr>
+          </a:p>
+          <a:p>
+            <a:pPr lvl="2"/>
             <a:r>
               <a:rPr lang="en-US" altLang="ja-JP" dirty="0">
-                <a:hlinkClick r:id="rId4"/>
-              </a:rPr>
-              <a:t>://</a:t>
-            </a:r>
-            <a:r>
-              <a:rPr lang="en-US" altLang="ja-JP" dirty="0" smtClean="0">
-                <a:hlinkClick r:id="rId4"/>
-              </a:rPr>
-              <a:t>github.com/oreilly-japan/ml-at-work/tree/master/chap08</a:t>
-            </a:r>
-            <a:endParaRPr lang="en-US" altLang="ja-JP" dirty="0" smtClean="0"/>
+                <a:latin typeface="+mj-ea"/>
+                <a:ea typeface="+mj-ea"/>
+                <a:cs typeface="Arial" panose="020B0604020202020204" pitchFamily="34" charset="0"/>
+                <a:hlinkClick r:id="rId5"/>
+              </a:rPr>
+              <a:t>https://www.kickstarter.com/projects/search.json?term=&amp;category_id=16</a:t>
+            </a:r>
+            <a:endParaRPr lang="en-US" altLang="ja-JP" dirty="0">
+              <a:latin typeface="+mj-ea"/>
+              <a:ea typeface="+mj-ea"/>
+              <a:cs typeface="Arial" panose="020B0604020202020204" pitchFamily="34" charset="0"/>
+            </a:endParaRPr>
+          </a:p>
+          <a:p>
+            <a:pPr lvl="1"/>
+            <a:endParaRPr lang="ja-JP" altLang="en-US" dirty="0">
+              <a:latin typeface="+mj-ea"/>
+              <a:ea typeface="+mj-ea"/>
+              <a:cs typeface="Arial" panose="020B0604020202020204" pitchFamily="34" charset="0"/>
+            </a:endParaRPr>
           </a:p>
           <a:p>
             <a:pPr lvl="2"/>
-            <a:r>
-              <a:rPr lang="ja-JP" altLang="en-US" dirty="0" smtClean="0"/>
-              <a:t>備考</a:t>
-            </a:r>
-            <a:r>
-              <a:rPr lang="ja-JP" altLang="en-US" dirty="0" smtClean="0"/>
-              <a:t>：</a:t>
-            </a:r>
-            <a:r>
-              <a:rPr lang="en-US" altLang="ja-JP" dirty="0" smtClean="0"/>
-              <a:t>API</a:t>
-            </a:r>
-            <a:r>
-              <a:rPr lang="ja-JP" altLang="en-US" dirty="0" smtClean="0"/>
-              <a:t>は</a:t>
-            </a:r>
-            <a:r>
-              <a:rPr lang="en-US" altLang="ja-JP" dirty="0" smtClean="0"/>
-              <a:t>4000</a:t>
-            </a:r>
-            <a:r>
-              <a:rPr lang="ja-JP" altLang="en-US" dirty="0" smtClean="0"/>
-              <a:t>件までしか結果を返さないので、</a:t>
-            </a:r>
-            <a:r>
-              <a:rPr lang="en-US" altLang="ja-JP" dirty="0" smtClean="0"/>
-              <a:t>Technology</a:t>
-            </a:r>
-            <a:r>
-              <a:rPr lang="ja-JP" altLang="en-US" dirty="0" smtClean="0"/>
-              <a:t>カテゴリの下にあるサブカテゴリを指定して検索件数を抑制し、新しいプロジェクト順でデータ収集を実施</a:t>
-            </a:r>
-            <a:endParaRPr lang="en-US" altLang="ja-JP" dirty="0" smtClean="0"/>
+            <a:endParaRPr lang="en-US" altLang="ja-JP" dirty="0">
+              <a:latin typeface="+mj-ea"/>
+              <a:ea typeface="+mj-ea"/>
+              <a:cs typeface="Arial" panose="020B0604020202020204" pitchFamily="34" charset="0"/>
+            </a:endParaRPr>
           </a:p>
           <a:p>
             <a:pPr lvl="1"/>
-            <a:r>
-              <a:rPr lang="ja-JP" altLang="en-US" dirty="0" smtClean="0"/>
-              <a:t>データ欠損の可能性があり</a:t>
-            </a:r>
-            <a:endParaRPr lang="en-US" altLang="ja-JP" dirty="0" smtClean="0"/>
+            <a:endParaRPr lang="ja-JP" altLang="en-US" dirty="0">
+              <a:latin typeface="+mj-ea"/>
+              <a:ea typeface="+mj-ea"/>
+              <a:cs typeface="Arial" panose="020B0604020202020204" pitchFamily="34" charset="0"/>
+            </a:endParaRPr>
           </a:p>
           <a:p>
             <a:pPr lvl="2"/>
-            <a:r>
-              <a:rPr lang="ja-JP" altLang="en-US" dirty="0" smtClean="0"/>
-              <a:t>次のクエリで</a:t>
-            </a:r>
-            <a:r>
-              <a:rPr lang="en-US" altLang="ja-JP" dirty="0" smtClean="0"/>
-              <a:t>Technology</a:t>
-            </a:r>
-            <a:r>
-              <a:rPr lang="ja-JP" altLang="en-US" dirty="0" smtClean="0"/>
-              <a:t>タグ全体を検索した</a:t>
-            </a:r>
-            <a:r>
-              <a:rPr lang="ja-JP" altLang="en-US" dirty="0"/>
-              <a:t>際</a:t>
-            </a:r>
-            <a:r>
-              <a:rPr lang="ja-JP" altLang="en-US" dirty="0" smtClean="0"/>
-              <a:t>の</a:t>
-            </a:r>
-            <a:r>
-              <a:rPr lang="en-US" altLang="ja-JP" dirty="0" smtClean="0"/>
-              <a:t>hit</a:t>
-            </a:r>
-            <a:r>
-              <a:rPr lang="ja-JP" altLang="en-US" dirty="0" smtClean="0"/>
-              <a:t>数は</a:t>
-            </a:r>
-            <a:r>
-              <a:rPr lang="en-US" altLang="ja-JP" dirty="0" smtClean="0"/>
-              <a:t>27000</a:t>
-            </a:r>
-            <a:r>
-              <a:rPr lang="ja-JP" altLang="en-US" dirty="0" smtClean="0"/>
-              <a:t>件であり、データ欠損の可能性がある</a:t>
-            </a:r>
-            <a:endParaRPr lang="en-US" altLang="ja-JP" dirty="0" smtClean="0"/>
-          </a:p>
-          <a:p>
-            <a:pPr lvl="2"/>
-            <a:r>
-              <a:rPr lang="en-US" altLang="ja-JP" dirty="0" smtClean="0">
-                <a:hlinkClick r:id="rId5"/>
-              </a:rPr>
-              <a:t>https://www.kickstarter.com/projects/search.json?term=&amp;category_id=16</a:t>
-            </a:r>
-            <a:endParaRPr lang="en-US" altLang="ja-JP" dirty="0" smtClean="0"/>
-          </a:p>
-          <a:p>
-            <a:pPr lvl="1"/>
-            <a:endParaRPr lang="ja-JP" altLang="en-US" dirty="0"/>
-          </a:p>
-          <a:p>
-            <a:pPr lvl="2"/>
-            <a:endParaRPr lang="en-US" altLang="ja-JP" dirty="0"/>
-          </a:p>
-          <a:p>
-            <a:pPr lvl="1"/>
-            <a:endParaRPr lang="ja-JP" altLang="en-US" dirty="0"/>
-          </a:p>
-          <a:p>
-            <a:pPr lvl="2"/>
-            <a:endParaRPr kumimoji="1" lang="ja-JP" altLang="en-US" dirty="0"/>
+            <a:endParaRPr kumimoji="1" lang="ja-JP" altLang="en-US" dirty="0">
+              <a:latin typeface="+mj-ea"/>
+              <a:ea typeface="+mj-ea"/>
+              <a:cs typeface="Arial" panose="020B0604020202020204" pitchFamily="34" charset="0"/>
+            </a:endParaRPr>
           </a:p>
         </p:txBody>
       </p:sp>
@@ -6594,10 +6787,14 @@
           <a:lstStyle/>
           <a:p>
             <a:r>
-              <a:rPr kumimoji="1" lang="ja-JP" altLang="en-US" dirty="0" smtClean="0"/>
-              <a:t>データ欠損の可能性</a:t>
-            </a:r>
-            <a:endParaRPr kumimoji="1" lang="ja-JP" altLang="en-US" dirty="0"/>
+              <a:rPr kumimoji="1" lang="ko-KR" altLang="en-US" b="1" dirty="0">
+                <a:latin typeface="+mj-ea"/>
+              </a:rPr>
+              <a:t>데이터 결손 가능성</a:t>
+            </a:r>
+            <a:endParaRPr kumimoji="1" lang="ja-JP" altLang="en-US" b="1" dirty="0">
+              <a:latin typeface="+mj-ea"/>
+            </a:endParaRPr>
           </a:p>
         </p:txBody>
       </p:sp>
@@ -6619,42 +6816,103 @@
           <a:lstStyle/>
           <a:p>
             <a:r>
-              <a:rPr lang="ja-JP" altLang="en-US" sz="2400" dirty="0" smtClean="0"/>
-              <a:t>カテゴリと年度のデータから、</a:t>
-            </a:r>
-            <a:r>
-              <a:rPr lang="en-US" altLang="ja-JP" sz="2400" dirty="0" smtClean="0"/>
-              <a:t>apps</a:t>
-            </a:r>
-            <a:r>
-              <a:rPr lang="ja-JP" altLang="en-US" sz="2400" dirty="0" smtClean="0"/>
-              <a:t>カテゴリがデータ欠損の可能性あり</a:t>
-            </a:r>
-            <a:endParaRPr lang="en-US" altLang="ja-JP" sz="2400" dirty="0" smtClean="0"/>
+              <a:rPr lang="ko-KR" altLang="en-US" sz="2400" dirty="0">
+                <a:latin typeface="+mj-ea"/>
+                <a:ea typeface="+mj-ea"/>
+              </a:rPr>
+              <a:t>분류와 연도 데이터로부터 </a:t>
+            </a:r>
+            <a:r>
+              <a:rPr lang="en-US" altLang="ko-KR" sz="2400" dirty="0">
+                <a:latin typeface="+mj-ea"/>
+                <a:ea typeface="+mj-ea"/>
+              </a:rPr>
+              <a:t>apps </a:t>
+            </a:r>
+            <a:r>
+              <a:rPr lang="ko-KR" altLang="en-US" sz="2400" dirty="0">
+                <a:latin typeface="+mj-ea"/>
+                <a:ea typeface="+mj-ea"/>
+              </a:rPr>
+              <a:t>분류의 데이터 결손 가능성이 있음</a:t>
+            </a:r>
+            <a:endParaRPr lang="en-US" altLang="ja-JP" sz="2400" dirty="0">
+              <a:latin typeface="+mj-ea"/>
+              <a:ea typeface="+mj-ea"/>
+            </a:endParaRPr>
           </a:p>
           <a:p>
             <a:pPr lvl="1"/>
             <a:r>
-              <a:rPr lang="ja-JP" altLang="en-US" sz="2000" dirty="0" smtClean="0"/>
-              <a:t>検索オーダーが</a:t>
-            </a:r>
-            <a:r>
-              <a:rPr lang="en-US" altLang="ja-JP" sz="2000" dirty="0" smtClean="0"/>
-              <a:t>Newest</a:t>
-            </a:r>
-            <a:r>
-              <a:rPr lang="ja-JP" altLang="en-US" sz="2000" dirty="0" smtClean="0"/>
-              <a:t>であるため、時系列を伴わない統計分析については問題ないと判断する。以後、時系列を利用した分析を行う際には</a:t>
-            </a:r>
-            <a:r>
-              <a:rPr lang="en-US" altLang="ja-JP" sz="2000" dirty="0" smtClean="0"/>
-              <a:t>apps</a:t>
-            </a:r>
-            <a:r>
-              <a:rPr lang="ja-JP" altLang="en-US" sz="2000" dirty="0" smtClean="0"/>
-              <a:t>カテゴリを除外して実施する</a:t>
-            </a:r>
-            <a:endParaRPr lang="en-US" altLang="ja-JP" sz="2000" dirty="0" smtClean="0"/>
+              <a:rPr lang="ko-KR" altLang="en-US" sz="2000" dirty="0">
+                <a:latin typeface="+mj-ea"/>
+                <a:ea typeface="+mj-ea"/>
+              </a:rPr>
+              <a:t>검색 순서가 최신</a:t>
+            </a:r>
+            <a:r>
+              <a:rPr lang="en-US" altLang="ko-KR" sz="2000" dirty="0">
+                <a:latin typeface="+mj-ea"/>
+                <a:ea typeface="+mj-ea"/>
+              </a:rPr>
+              <a:t>(</a:t>
+            </a:r>
+            <a:r>
+              <a:rPr lang="en-US" altLang="ko-KR" sz="2000" dirty="0" err="1">
+                <a:latin typeface="+mj-ea"/>
+                <a:ea typeface="+mj-ea"/>
+              </a:rPr>
+              <a:t>Neweast</a:t>
+            </a:r>
+            <a:r>
+              <a:rPr lang="en-US" altLang="ko-KR" sz="2000" dirty="0">
+                <a:latin typeface="+mj-ea"/>
+                <a:ea typeface="+mj-ea"/>
+              </a:rPr>
+              <a:t>)</a:t>
+            </a:r>
+            <a:r>
+              <a:rPr lang="ko-KR" altLang="en-US" sz="2000" dirty="0">
+                <a:latin typeface="+mj-ea"/>
+                <a:ea typeface="+mj-ea"/>
+              </a:rPr>
+              <a:t>이므로 시계열을 수반하지 않는 통계 분석에는 문제없다고 판단함</a:t>
+            </a:r>
+            <a:r>
+              <a:rPr lang="en-US" altLang="ko-KR" sz="2000" dirty="0">
+                <a:latin typeface="+mj-ea"/>
+                <a:ea typeface="+mj-ea"/>
+              </a:rPr>
+              <a:t>. </a:t>
+            </a:r>
+            <a:r>
+              <a:rPr lang="ko-KR" altLang="en-US" sz="2000" dirty="0">
+                <a:latin typeface="+mj-ea"/>
+                <a:ea typeface="+mj-ea"/>
+              </a:rPr>
+              <a:t>이후 시계열을 이용한 분석 시에는 </a:t>
+            </a:r>
+            <a:r>
+              <a:rPr lang="en-US" altLang="ko-KR" sz="2000" dirty="0">
+                <a:latin typeface="+mj-ea"/>
+                <a:ea typeface="+mj-ea"/>
+              </a:rPr>
+              <a:t>apps </a:t>
+            </a:r>
+            <a:r>
+              <a:rPr lang="ko-KR" altLang="en-US" sz="2000" dirty="0">
+                <a:latin typeface="+mj-ea"/>
+                <a:ea typeface="+mj-ea"/>
+              </a:rPr>
+              <a:t>분류를 제외하고 실시함</a:t>
+            </a:r>
+            <a:r>
+              <a:rPr lang="en-US" altLang="ja-JP" sz="2000" dirty="0">
+                <a:latin typeface="+mj-ea"/>
+                <a:ea typeface="+mj-ea"/>
+              </a:rPr>
+              <a:t>.</a:t>
+            </a:r>
           </a:p>
         </p:txBody>
       </p:sp>
@@ -6692,13 +6950,6 @@
   <p:clrMapOvr>
     <a:masterClrMapping/>
   </p:clrMapOvr>
-  <p:timing>
-    <p:tnLst>
-      <p:par>
-        <p:cTn id="1" dur="indefinite" restart="never" nodeType="tmRoot"/>
-      </p:par>
-    </p:tnLst>
-  </p:timing>
 </p:sld>
 </file>
 
@@ -6737,10 +6988,16 @@
           <a:lstStyle/>
           <a:p>
             <a:r>
-              <a:rPr kumimoji="1" lang="ja-JP" altLang="en-US" dirty="0" smtClean="0"/>
-              <a:t>プロジェクト数のトレンド</a:t>
-            </a:r>
-            <a:endParaRPr kumimoji="1" lang="ja-JP" altLang="en-US" dirty="0"/>
+              <a:rPr kumimoji="1" lang="ko-KR" altLang="en-US" b="1" dirty="0">
+                <a:latin typeface="맑은 고딕" panose="020B0503020000020004" pitchFamily="50" charset="-127"/>
+                <a:ea typeface="맑은 고딕" panose="020B0503020000020004" pitchFamily="50" charset="-127"/>
+              </a:rPr>
+              <a:t>프로젝트 수 트렌드</a:t>
+            </a:r>
+            <a:endParaRPr kumimoji="1" lang="ja-JP" altLang="en-US" b="1" dirty="0">
+              <a:latin typeface="맑은 고딕" panose="020B0503020000020004" pitchFamily="50" charset="-127"/>
+              <a:ea typeface="맑은 고딕" panose="020B0503020000020004" pitchFamily="50" charset="-127"/>
+            </a:endParaRPr>
           </a:p>
         </p:txBody>
       </p:sp>
@@ -6762,66 +7019,187 @@
           <a:lstStyle/>
           <a:p>
             <a:r>
-              <a:rPr kumimoji="1" lang="ja-JP" altLang="en-US" sz="2400" dirty="0" smtClean="0"/>
-              <a:t>プロジェクト数は</a:t>
-            </a:r>
-            <a:r>
-              <a:rPr kumimoji="1" lang="en-US" altLang="ja-JP" sz="2400" dirty="0" smtClean="0"/>
+              <a:rPr kumimoji="1" lang="ko-KR" altLang="en-US" sz="2400" dirty="0">
+                <a:latin typeface="맑은 고딕" panose="020B0503020000020004" pitchFamily="50" charset="-127"/>
+                <a:ea typeface="맑은 고딕" panose="020B0503020000020004" pitchFamily="50" charset="-127"/>
+              </a:rPr>
+              <a:t>프로젝트 수는 </a:t>
+            </a:r>
+            <a:r>
+              <a:rPr lang="en-US" altLang="ko-KR" sz="2400" dirty="0">
+                <a:latin typeface="맑은 고딕" panose="020B0503020000020004" pitchFamily="50" charset="-127"/>
+                <a:ea typeface="맑은 고딕" panose="020B0503020000020004" pitchFamily="50" charset="-127"/>
+              </a:rPr>
               <a:t>2015</a:t>
             </a:r>
             <a:r>
-              <a:rPr kumimoji="1" lang="ja-JP" altLang="en-US" sz="2400" dirty="0" smtClean="0"/>
-              <a:t>年第二四半期をピークに減少トレンドである</a:t>
-            </a:r>
-            <a:endParaRPr kumimoji="1" lang="en-US" altLang="ja-JP" sz="2400" dirty="0" smtClean="0"/>
+              <a:rPr lang="ko-KR" altLang="en-US" sz="2400" dirty="0">
+                <a:latin typeface="맑은 고딕" panose="020B0503020000020004" pitchFamily="50" charset="-127"/>
+                <a:ea typeface="맑은 고딕" panose="020B0503020000020004" pitchFamily="50" charset="-127"/>
+              </a:rPr>
+              <a:t>년 </a:t>
+            </a:r>
+            <a:r>
+              <a:rPr lang="en-US" altLang="ko-KR" sz="2400" dirty="0">
+                <a:latin typeface="맑은 고딕" panose="020B0503020000020004" pitchFamily="50" charset="-127"/>
+                <a:ea typeface="맑은 고딕" panose="020B0503020000020004" pitchFamily="50" charset="-127"/>
+              </a:rPr>
+              <a:t>2</a:t>
+            </a:r>
+            <a:r>
+              <a:rPr lang="ko-KR" altLang="en-US" sz="2400" dirty="0">
+                <a:latin typeface="맑은 고딕" panose="020B0503020000020004" pitchFamily="50" charset="-127"/>
+                <a:ea typeface="맑은 고딕" panose="020B0503020000020004" pitchFamily="50" charset="-127"/>
+              </a:rPr>
+              <a:t>사분기를 정점으로 감소하는 트렌드임</a:t>
+            </a:r>
+            <a:endParaRPr kumimoji="1" lang="en-US" altLang="ja-JP" sz="2400" dirty="0">
+              <a:latin typeface="맑은 고딕" panose="020B0503020000020004" pitchFamily="50" charset="-127"/>
+              <a:ea typeface="맑은 고딕" panose="020B0503020000020004" pitchFamily="50" charset="-127"/>
+            </a:endParaRPr>
           </a:p>
           <a:p>
             <a:pPr lvl="1"/>
             <a:r>
-              <a:rPr lang="ja-JP" altLang="en-US" sz="2000" dirty="0"/>
-              <a:t>他</a:t>
-            </a:r>
-            <a:r>
-              <a:rPr lang="ja-JP" altLang="en-US" sz="2000" dirty="0" smtClean="0"/>
-              <a:t>のクラウドファンディングサイトをクリエイターが使うようになった可能性</a:t>
-            </a:r>
-            <a:endParaRPr kumimoji="1" lang="en-US" altLang="ja-JP" sz="2000" dirty="0" smtClean="0"/>
+              <a:rPr lang="ko-KR" altLang="en-US" sz="2000" dirty="0">
+                <a:latin typeface="맑은 고딕" panose="020B0503020000020004" pitchFamily="50" charset="-127"/>
+                <a:ea typeface="맑은 고딕" panose="020B0503020000020004" pitchFamily="50" charset="-127"/>
+              </a:rPr>
+              <a:t>다른 </a:t>
+            </a:r>
+            <a:r>
+              <a:rPr lang="ko-KR" altLang="en-US" sz="2000" dirty="0" err="1">
+                <a:latin typeface="맑은 고딕" panose="020B0503020000020004" pitchFamily="50" charset="-127"/>
+                <a:ea typeface="맑은 고딕" panose="020B0503020000020004" pitchFamily="50" charset="-127"/>
+              </a:rPr>
+              <a:t>크라우드</a:t>
+            </a:r>
+            <a:r>
+              <a:rPr lang="ko-KR" altLang="en-US" sz="2000" dirty="0">
+                <a:latin typeface="맑은 고딕" panose="020B0503020000020004" pitchFamily="50" charset="-127"/>
+                <a:ea typeface="맑은 고딕" panose="020B0503020000020004" pitchFamily="50" charset="-127"/>
+              </a:rPr>
+              <a:t> </a:t>
+            </a:r>
+            <a:r>
+              <a:rPr lang="ko-KR" altLang="en-US" sz="2000" dirty="0" err="1">
+                <a:latin typeface="맑은 고딕" panose="020B0503020000020004" pitchFamily="50" charset="-127"/>
+                <a:ea typeface="맑은 고딕" panose="020B0503020000020004" pitchFamily="50" charset="-127"/>
+              </a:rPr>
+              <a:t>펀딩</a:t>
+            </a:r>
+            <a:r>
+              <a:rPr lang="ko-KR" altLang="en-US" sz="2000" dirty="0">
+                <a:latin typeface="맑은 고딕" panose="020B0503020000020004" pitchFamily="50" charset="-127"/>
+                <a:ea typeface="맑은 고딕" panose="020B0503020000020004" pitchFamily="50" charset="-127"/>
+              </a:rPr>
+              <a:t> 사이트를 </a:t>
+            </a:r>
+            <a:r>
+              <a:rPr lang="ko-KR" altLang="en-US" sz="2000" dirty="0" err="1">
+                <a:latin typeface="맑은 고딕" panose="020B0503020000020004" pitchFamily="50" charset="-127"/>
+                <a:ea typeface="맑은 고딕" panose="020B0503020000020004" pitchFamily="50" charset="-127"/>
+              </a:rPr>
+              <a:t>크리에이터가</a:t>
+            </a:r>
+            <a:r>
+              <a:rPr lang="ko-KR" altLang="en-US" sz="2000" dirty="0">
+                <a:latin typeface="맑은 고딕" panose="020B0503020000020004" pitchFamily="50" charset="-127"/>
+                <a:ea typeface="맑은 고딕" panose="020B0503020000020004" pitchFamily="50" charset="-127"/>
+              </a:rPr>
+              <a:t> 사용하게 되었을 가능성</a:t>
+            </a:r>
+            <a:endParaRPr kumimoji="1" lang="en-US" altLang="ja-JP" sz="2000" dirty="0">
+              <a:latin typeface="맑은 고딕" panose="020B0503020000020004" pitchFamily="50" charset="-127"/>
+              <a:ea typeface="맑은 고딕" panose="020B0503020000020004" pitchFamily="50" charset="-127"/>
+            </a:endParaRPr>
           </a:p>
           <a:p>
             <a:pPr lvl="1"/>
             <a:r>
-              <a:rPr lang="en-US" altLang="ja-JP" sz="2000" dirty="0" smtClean="0"/>
-              <a:t>Kickstarter</a:t>
-            </a:r>
-            <a:r>
-              <a:rPr lang="ja-JP" altLang="en-US" sz="2000" dirty="0" smtClean="0"/>
-              <a:t>内</a:t>
-            </a:r>
-            <a:r>
-              <a:rPr lang="ja-JP" altLang="en-US" sz="2000" dirty="0"/>
-              <a:t>の</a:t>
-            </a:r>
-            <a:r>
-              <a:rPr lang="ja-JP" altLang="en-US" sz="2000" dirty="0" smtClean="0"/>
-              <a:t>他のタグにプロジェクトが流れている可能性がある。</a:t>
-            </a:r>
-            <a:endParaRPr lang="en-US" altLang="ja-JP" sz="2000" dirty="0" smtClean="0"/>
+              <a:rPr lang="en-US" altLang="ja-JP" sz="2000" dirty="0">
+                <a:latin typeface="맑은 고딕" panose="020B0503020000020004" pitchFamily="50" charset="-127"/>
+                <a:ea typeface="맑은 고딕" panose="020B0503020000020004" pitchFamily="50" charset="-127"/>
+              </a:rPr>
+              <a:t>Kickstarter </a:t>
+            </a:r>
+            <a:r>
+              <a:rPr lang="ko-KR" altLang="en-US" sz="2000" dirty="0">
+                <a:latin typeface="맑은 고딕" panose="020B0503020000020004" pitchFamily="50" charset="-127"/>
+                <a:ea typeface="맑은 고딕" panose="020B0503020000020004" pitchFamily="50" charset="-127"/>
+              </a:rPr>
+              <a:t>내의 다른 태그로 프로젝트가 분산되었을 가능성 있음</a:t>
+            </a:r>
+            <a:r>
+              <a:rPr lang="en-US" altLang="ja-JP" sz="2000" dirty="0">
+                <a:latin typeface="맑은 고딕" panose="020B0503020000020004" pitchFamily="50" charset="-127"/>
+                <a:ea typeface="맑은 고딕" panose="020B0503020000020004" pitchFamily="50" charset="-127"/>
+              </a:rPr>
+              <a:t>.</a:t>
+            </a:r>
           </a:p>
           <a:p>
             <a:pPr lvl="1"/>
             <a:r>
-              <a:rPr lang="ja-JP" altLang="en-US" sz="2000" dirty="0" smtClean="0"/>
-              <a:t>決済通貨を</a:t>
-            </a:r>
-            <a:r>
-              <a:rPr lang="en-US" altLang="ja-JP" sz="2000" dirty="0" smtClean="0"/>
+              <a:rPr lang="ko-KR" altLang="en-US" sz="2000" dirty="0">
+                <a:latin typeface="맑은 고딕" panose="020B0503020000020004" pitchFamily="50" charset="-127"/>
+                <a:ea typeface="맑은 고딕" panose="020B0503020000020004" pitchFamily="50" charset="-127"/>
+              </a:rPr>
+              <a:t>결제 통화를 </a:t>
+            </a:r>
+            <a:r>
+              <a:rPr lang="en-US" altLang="ko-KR" sz="2000" dirty="0">
+                <a:latin typeface="맑은 고딕" panose="020B0503020000020004" pitchFamily="50" charset="-127"/>
+                <a:ea typeface="맑은 고딕" panose="020B0503020000020004" pitchFamily="50" charset="-127"/>
+              </a:rPr>
               <a:t>USD</a:t>
             </a:r>
             <a:r>
-              <a:rPr lang="ja-JP" altLang="en-US" sz="2000" dirty="0" smtClean="0"/>
-              <a:t>に限定しても同様の傾向であるため、海外案件が増えたわけではない</a:t>
-            </a:r>
-            <a:endParaRPr lang="en-US" altLang="ja-JP" sz="2000" dirty="0" smtClean="0"/>
+              <a:rPr lang="ko-KR" altLang="en-US" sz="2000" dirty="0">
+                <a:latin typeface="맑은 고딕" panose="020B0503020000020004" pitchFamily="50" charset="-127"/>
+                <a:ea typeface="맑은 고딕" panose="020B0503020000020004" pitchFamily="50" charset="-127"/>
+              </a:rPr>
+              <a:t>로 한정해도 같은 </a:t>
+            </a:r>
+            <a:r>
+              <a:rPr lang="ko-KR" altLang="en-US" sz="2000" dirty="0" err="1">
+                <a:latin typeface="맑은 고딕" panose="020B0503020000020004" pitchFamily="50" charset="-127"/>
+                <a:ea typeface="맑은 고딕" panose="020B0503020000020004" pitchFamily="50" charset="-127"/>
+              </a:rPr>
+              <a:t>트레드이므로</a:t>
+            </a:r>
+            <a:r>
+              <a:rPr lang="en-US" altLang="ko-KR" sz="2000" dirty="0">
+                <a:latin typeface="맑은 고딕" panose="020B0503020000020004" pitchFamily="50" charset="-127"/>
+                <a:ea typeface="맑은 고딕" panose="020B0503020000020004" pitchFamily="50" charset="-127"/>
+              </a:rPr>
+              <a:t> </a:t>
+            </a:r>
+            <a:r>
+              <a:rPr lang="ko-KR" altLang="en-US" sz="2000" dirty="0">
+                <a:latin typeface="맑은 고딕" panose="020B0503020000020004" pitchFamily="50" charset="-127"/>
+                <a:ea typeface="맑은 고딕" panose="020B0503020000020004" pitchFamily="50" charset="-127"/>
+              </a:rPr>
+              <a:t>해외 </a:t>
+            </a:r>
+            <a:r>
+              <a:rPr lang="ko-KR" altLang="en-US" sz="2000" dirty="0" err="1">
+                <a:latin typeface="맑은 고딕" panose="020B0503020000020004" pitchFamily="50" charset="-127"/>
+                <a:ea typeface="맑은 고딕" panose="020B0503020000020004" pitchFamily="50" charset="-127"/>
+              </a:rPr>
+              <a:t>펀딩이</a:t>
+            </a:r>
+            <a:r>
+              <a:rPr lang="ko-KR" altLang="en-US" sz="2000" dirty="0">
+                <a:latin typeface="맑은 고딕" panose="020B0503020000020004" pitchFamily="50" charset="-127"/>
+                <a:ea typeface="맑은 고딕" panose="020B0503020000020004" pitchFamily="50" charset="-127"/>
+              </a:rPr>
+              <a:t> 증가한 것은 아님</a:t>
+            </a:r>
+            <a:endParaRPr lang="en-US" altLang="ja-JP" sz="2000" dirty="0">
+              <a:latin typeface="맑은 고딕" panose="020B0503020000020004" pitchFamily="50" charset="-127"/>
+              <a:ea typeface="맑은 고딕" panose="020B0503020000020004" pitchFamily="50" charset="-127"/>
+            </a:endParaRPr>
           </a:p>
         </p:txBody>
       </p:sp>
@@ -6897,18 +7275,30 @@
           <a:lstStyle/>
           <a:p>
             <a:r>
-              <a:rPr lang="ja-JP" altLang="en-US" dirty="0"/>
-              <a:t>累計</a:t>
-            </a:r>
-            <a:r>
-              <a:rPr lang="ja-JP" altLang="en-US" dirty="0" smtClean="0"/>
-              <a:t>調達金額、成功プロジェクト数</a:t>
-            </a:r>
-            <a:r>
-              <a:rPr kumimoji="1" lang="ja-JP" altLang="en-US" dirty="0" smtClean="0"/>
-              <a:t>のトレンド</a:t>
-            </a:r>
-            <a:endParaRPr kumimoji="1" lang="ja-JP" altLang="en-US" dirty="0"/>
+              <a:rPr lang="ko-KR" altLang="en-US" b="1" dirty="0">
+                <a:latin typeface="맑은 고딕" panose="020B0503020000020004" pitchFamily="50" charset="-127"/>
+                <a:ea typeface="맑은 고딕" panose="020B0503020000020004" pitchFamily="50" charset="-127"/>
+              </a:rPr>
+              <a:t>누계 조달 금액</a:t>
+            </a:r>
+            <a:r>
+              <a:rPr lang="en-US" altLang="ko-KR" b="1" dirty="0">
+                <a:latin typeface="맑은 고딕" panose="020B0503020000020004" pitchFamily="50" charset="-127"/>
+                <a:ea typeface="맑은 고딕" panose="020B0503020000020004" pitchFamily="50" charset="-127"/>
+              </a:rPr>
+              <a:t>, </a:t>
+            </a:r>
+            <a:r>
+              <a:rPr lang="ko-KR" altLang="en-US" b="1" dirty="0">
+                <a:latin typeface="맑은 고딕" panose="020B0503020000020004" pitchFamily="50" charset="-127"/>
+                <a:ea typeface="맑은 고딕" panose="020B0503020000020004" pitchFamily="50" charset="-127"/>
+              </a:rPr>
+              <a:t>성공 프로젝트 수 트렌드</a:t>
+            </a:r>
+            <a:endParaRPr kumimoji="1" lang="ja-JP" altLang="en-US" b="1" dirty="0">
+              <a:latin typeface="맑은 고딕" panose="020B0503020000020004" pitchFamily="50" charset="-127"/>
+              <a:ea typeface="맑은 고딕" panose="020B0503020000020004" pitchFamily="50" charset="-127"/>
+            </a:endParaRPr>
           </a:p>
         </p:txBody>
       </p:sp>
@@ -6928,46 +7318,107 @@
           <a:lstStyle/>
           <a:p>
             <a:r>
-              <a:rPr lang="ja-JP" altLang="en-US" dirty="0" smtClean="0"/>
-              <a:t>成功プロジェクト、調達金額（</a:t>
-            </a:r>
-            <a:r>
-              <a:rPr lang="en-US" altLang="ja-JP" dirty="0" smtClean="0"/>
-              <a:t>USD</a:t>
-            </a:r>
-            <a:r>
-              <a:rPr lang="ja-JP" altLang="en-US" dirty="0" smtClean="0"/>
-              <a:t>のプロジェクトに限定）は横ばい</a:t>
-            </a:r>
-            <a:endParaRPr lang="en-US" altLang="ja-JP" dirty="0" smtClean="0"/>
+              <a:rPr lang="ko-KR" altLang="en-US" dirty="0">
+                <a:latin typeface="맑은 고딕" panose="020B0503020000020004" pitchFamily="50" charset="-127"/>
+                <a:ea typeface="맑은 고딕" panose="020B0503020000020004" pitchFamily="50" charset="-127"/>
+              </a:rPr>
+              <a:t>성공 프로젝트</a:t>
+            </a:r>
+            <a:r>
+              <a:rPr lang="en-US" altLang="ko-KR" dirty="0">
+                <a:latin typeface="맑은 고딕" panose="020B0503020000020004" pitchFamily="50" charset="-127"/>
+                <a:ea typeface="맑은 고딕" panose="020B0503020000020004" pitchFamily="50" charset="-127"/>
+              </a:rPr>
+              <a:t>, </a:t>
+            </a:r>
+            <a:r>
+              <a:rPr lang="ko-KR" altLang="en-US" dirty="0">
+                <a:latin typeface="맑은 고딕" panose="020B0503020000020004" pitchFamily="50" charset="-127"/>
+                <a:ea typeface="맑은 고딕" panose="020B0503020000020004" pitchFamily="50" charset="-127"/>
+              </a:rPr>
+              <a:t>조달 금액</a:t>
+            </a:r>
+            <a:r>
+              <a:rPr lang="en-US" altLang="ko-KR" dirty="0">
+                <a:latin typeface="맑은 고딕" panose="020B0503020000020004" pitchFamily="50" charset="-127"/>
+                <a:ea typeface="맑은 고딕" panose="020B0503020000020004" pitchFamily="50" charset="-127"/>
+              </a:rPr>
+              <a:t>(USD </a:t>
+            </a:r>
+            <a:r>
+              <a:rPr lang="ko-KR" altLang="en-US" dirty="0">
+                <a:latin typeface="맑은 고딕" panose="020B0503020000020004" pitchFamily="50" charset="-127"/>
+                <a:ea typeface="맑은 고딕" panose="020B0503020000020004" pitchFamily="50" charset="-127"/>
+              </a:rPr>
+              <a:t>프로젝트 한정</a:t>
+            </a:r>
+            <a:r>
+              <a:rPr lang="en-US" altLang="ko-KR" dirty="0">
+                <a:latin typeface="맑은 고딕" panose="020B0503020000020004" pitchFamily="50" charset="-127"/>
+                <a:ea typeface="맑은 고딕" panose="020B0503020000020004" pitchFamily="50" charset="-127"/>
+              </a:rPr>
+              <a:t>)</a:t>
+            </a:r>
+            <a:r>
+              <a:rPr lang="ko-KR" altLang="en-US" dirty="0">
+                <a:latin typeface="맑은 고딕" panose="020B0503020000020004" pitchFamily="50" charset="-127"/>
+                <a:ea typeface="맑은 고딕" panose="020B0503020000020004" pitchFamily="50" charset="-127"/>
+              </a:rPr>
+              <a:t>은  보합세</a:t>
+            </a:r>
+            <a:endParaRPr lang="en-US" altLang="ja-JP" dirty="0">
+              <a:latin typeface="맑은 고딕" panose="020B0503020000020004" pitchFamily="50" charset="-127"/>
+              <a:ea typeface="맑은 고딕" panose="020B0503020000020004" pitchFamily="50" charset="-127"/>
+            </a:endParaRPr>
           </a:p>
           <a:p>
             <a:pPr lvl="1"/>
             <a:r>
-              <a:rPr lang="en-US" altLang="ja-JP" dirty="0" smtClean="0"/>
+              <a:rPr lang="en-US" altLang="ja-JP" dirty="0">
+                <a:latin typeface="맑은 고딕" panose="020B0503020000020004" pitchFamily="50" charset="-127"/>
+                <a:ea typeface="맑은 고딕" panose="020B0503020000020004" pitchFamily="50" charset="-127"/>
+              </a:rPr>
               <a:t>Kickstarter</a:t>
             </a:r>
             <a:r>
-              <a:rPr lang="ja-JP" altLang="en-US" dirty="0" smtClean="0"/>
-              <a:t>が縮小傾向にあるとは言えない</a:t>
-            </a:r>
-            <a:endParaRPr lang="en-US" altLang="ja-JP" dirty="0"/>
+              <a:rPr lang="ko-KR" altLang="en-US" dirty="0">
+                <a:latin typeface="맑은 고딕" panose="020B0503020000020004" pitchFamily="50" charset="-127"/>
+                <a:ea typeface="맑은 고딕" panose="020B0503020000020004" pitchFamily="50" charset="-127"/>
+              </a:rPr>
+              <a:t>가 축소되고 있다고 할 수는 없음</a:t>
+            </a:r>
+            <a:endParaRPr lang="en-US" altLang="ko-KR" dirty="0">
+              <a:latin typeface="맑은 고딕" panose="020B0503020000020004" pitchFamily="50" charset="-127"/>
+              <a:ea typeface="맑은 고딕" panose="020B0503020000020004" pitchFamily="50" charset="-127"/>
+            </a:endParaRPr>
           </a:p>
           <a:p>
             <a:pPr lvl="1"/>
             <a:r>
-              <a:rPr lang="ja-JP" altLang="en-US" dirty="0" smtClean="0"/>
-              <a:t>成功率の低いプロジェクトが</a:t>
-            </a:r>
-            <a:r>
-              <a:rPr lang="en-US" altLang="ja-JP" dirty="0" smtClean="0"/>
+              <a:rPr lang="ko-KR" altLang="en-US" dirty="0">
+                <a:latin typeface="맑은 고딕" panose="020B0503020000020004" pitchFamily="50" charset="-127"/>
+                <a:ea typeface="맑은 고딕" panose="020B0503020000020004" pitchFamily="50" charset="-127"/>
+              </a:rPr>
+              <a:t>성공율이 낮은 프로젝트가 </a:t>
+            </a:r>
+            <a:r>
+              <a:rPr lang="en-US" altLang="ko-KR" dirty="0">
+                <a:latin typeface="맑은 고딕" panose="020B0503020000020004" pitchFamily="50" charset="-127"/>
+                <a:ea typeface="맑은 고딕" panose="020B0503020000020004" pitchFamily="50" charset="-127"/>
+              </a:rPr>
               <a:t>2014</a:t>
             </a:r>
             <a:r>
-              <a:rPr lang="ja-JP" altLang="en-US" dirty="0" smtClean="0"/>
-              <a:t>年に多かっただけの模様</a:t>
-            </a:r>
-            <a:endParaRPr lang="en-US" altLang="ja-JP" dirty="0" smtClean="0"/>
+              <a:rPr lang="ko-KR" altLang="en-US" dirty="0">
+                <a:latin typeface="맑은 고딕" panose="020B0503020000020004" pitchFamily="50" charset="-127"/>
+                <a:ea typeface="맑은 고딕" panose="020B0503020000020004" pitchFamily="50" charset="-127"/>
+              </a:rPr>
+              <a:t>년에 많았던 정도의 형태</a:t>
+            </a:r>
+            <a:endParaRPr lang="en-US" altLang="ja-JP" dirty="0">
+              <a:latin typeface="맑은 고딕" panose="020B0503020000020004" pitchFamily="50" charset="-127"/>
+              <a:ea typeface="맑은 고딕" panose="020B0503020000020004" pitchFamily="50" charset="-127"/>
+            </a:endParaRPr>
           </a:p>
         </p:txBody>
       </p:sp>
@@ -7043,10 +7494,20 @@
           <a:lstStyle/>
           <a:p>
             <a:r>
-              <a:rPr kumimoji="1" lang="ja-JP" altLang="en-US" dirty="0" smtClean="0"/>
-              <a:t>達成率に現れる特異点</a:t>
-            </a:r>
-            <a:endParaRPr kumimoji="1" lang="ja-JP" altLang="en-US" dirty="0"/>
+              <a:rPr lang="ko-KR" altLang="en-US" b="1" dirty="0" err="1">
+                <a:latin typeface="+mj-ea"/>
+              </a:rPr>
+              <a:t>달성률에서</a:t>
+            </a:r>
+            <a:r>
+              <a:rPr lang="ko-KR" altLang="en-US" b="1" dirty="0">
+                <a:latin typeface="+mj-ea"/>
+              </a:rPr>
+              <a:t> 보이는 특이점</a:t>
+            </a:r>
+            <a:endParaRPr kumimoji="1" lang="ja-JP" altLang="en-US" b="1" dirty="0">
+              <a:latin typeface="+mj-ea"/>
+            </a:endParaRPr>
           </a:p>
         </p:txBody>
       </p:sp>
@@ -7066,46 +7527,149 @@
           <a:lstStyle/>
           <a:p>
             <a:r>
-              <a:rPr kumimoji="1" lang="ja-JP" altLang="en-US" dirty="0" smtClean="0"/>
-              <a:t>達成率＝調達金額</a:t>
-            </a:r>
-            <a:r>
-              <a:rPr kumimoji="1" lang="en-US" altLang="ja-JP" dirty="0" smtClean="0"/>
-              <a:t>/</a:t>
-            </a:r>
-            <a:r>
-              <a:rPr kumimoji="1" lang="ja-JP" altLang="en-US" dirty="0" smtClean="0"/>
-              <a:t>目標金額</a:t>
-            </a:r>
-            <a:endParaRPr kumimoji="1" lang="en-US" altLang="ja-JP" dirty="0" smtClean="0"/>
+              <a:rPr lang="ko-KR" altLang="en-US" dirty="0" err="1">
+                <a:latin typeface="+mj-ea"/>
+                <a:ea typeface="+mj-ea"/>
+              </a:rPr>
+              <a:t>달성률</a:t>
+            </a:r>
+            <a:r>
+              <a:rPr lang="ko-KR" altLang="en-US" dirty="0">
+                <a:latin typeface="+mj-ea"/>
+                <a:ea typeface="+mj-ea"/>
+              </a:rPr>
+              <a:t> </a:t>
+            </a:r>
+            <a:r>
+              <a:rPr lang="en-US" altLang="ko-KR" dirty="0">
+                <a:latin typeface="+mj-ea"/>
+                <a:ea typeface="+mj-ea"/>
+              </a:rPr>
+              <a:t>= </a:t>
+            </a:r>
+            <a:r>
+              <a:rPr lang="ko-KR" altLang="en-US" dirty="0">
+                <a:latin typeface="+mj-ea"/>
+                <a:ea typeface="+mj-ea"/>
+              </a:rPr>
+              <a:t>조달 금액 </a:t>
+            </a:r>
+            <a:r>
+              <a:rPr lang="en-US" altLang="ko-KR" dirty="0">
+                <a:latin typeface="+mj-ea"/>
+                <a:ea typeface="+mj-ea"/>
+              </a:rPr>
+              <a:t>/ </a:t>
+            </a:r>
+            <a:r>
+              <a:rPr lang="ko-KR" altLang="en-US" dirty="0">
+                <a:latin typeface="+mj-ea"/>
+                <a:ea typeface="+mj-ea"/>
+              </a:rPr>
+              <a:t>목표 금액</a:t>
+            </a:r>
+            <a:endParaRPr kumimoji="1" lang="en-US" altLang="ja-JP" dirty="0">
+              <a:latin typeface="+mj-ea"/>
+              <a:ea typeface="+mj-ea"/>
+            </a:endParaRPr>
           </a:p>
           <a:p>
             <a:pPr lvl="1"/>
             <a:r>
-              <a:rPr kumimoji="1" lang="ja-JP" altLang="en-US" dirty="0" smtClean="0"/>
-              <a:t>達成率順に並べて可視化を行う</a:t>
-            </a:r>
-            <a:r>
-              <a:rPr lang="ja-JP" altLang="en-US" dirty="0" smtClean="0"/>
-              <a:t>（縦軸：達成率）</a:t>
-            </a:r>
-            <a:endParaRPr lang="en-US" altLang="ja-JP" dirty="0" smtClean="0"/>
+              <a:rPr lang="ko-KR" altLang="en-US" dirty="0" err="1">
+                <a:latin typeface="+mj-ea"/>
+                <a:ea typeface="+mj-ea"/>
+              </a:rPr>
+              <a:t>달성률</a:t>
+            </a:r>
+            <a:r>
+              <a:rPr lang="ko-KR" altLang="en-US" dirty="0">
+                <a:latin typeface="+mj-ea"/>
+                <a:ea typeface="+mj-ea"/>
+              </a:rPr>
+              <a:t> 순서대로 시각화를 수행</a:t>
+            </a:r>
+            <a:r>
+              <a:rPr lang="en-US" altLang="ko-KR" dirty="0">
+                <a:latin typeface="+mj-ea"/>
+                <a:ea typeface="+mj-ea"/>
+              </a:rPr>
+              <a:t>(</a:t>
+            </a:r>
+            <a:r>
+              <a:rPr lang="ko-KR" altLang="en-US" dirty="0">
+                <a:latin typeface="+mj-ea"/>
+                <a:ea typeface="+mj-ea"/>
+              </a:rPr>
+              <a:t>세로축</a:t>
+            </a:r>
+            <a:r>
+              <a:rPr lang="en-US" altLang="ko-KR" dirty="0">
+                <a:latin typeface="+mj-ea"/>
+                <a:ea typeface="+mj-ea"/>
+              </a:rPr>
+              <a:t>: </a:t>
+            </a:r>
+            <a:r>
+              <a:rPr lang="ko-KR" altLang="en-US" dirty="0" err="1">
+                <a:latin typeface="+mj-ea"/>
+                <a:ea typeface="+mj-ea"/>
+              </a:rPr>
+              <a:t>달성률</a:t>
+            </a:r>
+            <a:r>
+              <a:rPr lang="en-US" altLang="ko-KR" dirty="0">
+                <a:latin typeface="+mj-ea"/>
+                <a:ea typeface="+mj-ea"/>
+              </a:rPr>
+              <a:t>)</a:t>
+            </a:r>
+            <a:r>
+              <a:rPr kumimoji="1" lang="ja-JP" altLang="en-US" dirty="0">
+                <a:latin typeface="+mj-ea"/>
+                <a:ea typeface="+mj-ea"/>
+              </a:rPr>
+              <a:t> </a:t>
+            </a:r>
+            <a:endParaRPr lang="en-US" altLang="ja-JP" dirty="0">
+              <a:latin typeface="+mj-ea"/>
+              <a:ea typeface="+mj-ea"/>
+            </a:endParaRPr>
           </a:p>
           <a:p>
             <a:pPr lvl="1"/>
             <a:r>
-              <a:rPr lang="ja-JP" altLang="en-US" dirty="0" smtClean="0"/>
-              <a:t>達成率</a:t>
-            </a:r>
-            <a:r>
-              <a:rPr lang="en-US" altLang="ja-JP" dirty="0" smtClean="0"/>
-              <a:t>100%</a:t>
-            </a:r>
-            <a:r>
-              <a:rPr lang="ja-JP" altLang="en-US" dirty="0" smtClean="0"/>
-              <a:t>近辺に特異点が発生している</a:t>
-            </a:r>
-            <a:endParaRPr lang="en-US" altLang="ja-JP" dirty="0" smtClean="0"/>
+              <a:rPr lang="ko-KR" altLang="en-US" dirty="0" err="1">
+                <a:latin typeface="+mj-ea"/>
+                <a:ea typeface="+mj-ea"/>
+              </a:rPr>
+              <a:t>달성률</a:t>
+            </a:r>
+            <a:r>
+              <a:rPr lang="ko-KR" altLang="en-US" dirty="0">
+                <a:latin typeface="+mj-ea"/>
+                <a:ea typeface="+mj-ea"/>
+              </a:rPr>
+              <a:t> </a:t>
+            </a:r>
+            <a:r>
+              <a:rPr lang="en-US" altLang="ko-KR" dirty="0">
+                <a:latin typeface="+mj-ea"/>
+                <a:ea typeface="+mj-ea"/>
+              </a:rPr>
+              <a:t>100% </a:t>
+            </a:r>
+            <a:r>
+              <a:rPr lang="ko-KR" altLang="en-US" dirty="0">
+                <a:latin typeface="+mj-ea"/>
+                <a:ea typeface="+mj-ea"/>
+              </a:rPr>
+              <a:t>부근에 특이점이 발생함</a:t>
+            </a:r>
+            <a:endParaRPr lang="en-US" altLang="ja-JP" dirty="0">
+              <a:latin typeface="+mj-ea"/>
+              <a:ea typeface="+mj-ea"/>
+            </a:endParaRPr>
           </a:p>
         </p:txBody>
       </p:sp>
@@ -7169,7 +7733,10 @@
           <a:lstStyle/>
           <a:p>
             <a:pPr algn="ctr"/>
-            <a:endParaRPr kumimoji="1" lang="ja-JP" altLang="en-US"/>
+            <a:endParaRPr kumimoji="1" lang="ja-JP" altLang="en-US">
+              <a:latin typeface="+mj-ea"/>
+              <a:ea typeface="+mj-ea"/>
+            </a:endParaRPr>
           </a:p>
         </p:txBody>
       </p:sp>
@@ -7221,10 +7788,14 @@
           <a:lstStyle/>
           <a:p>
             <a:r>
-              <a:rPr kumimoji="1" lang="ja-JP" altLang="en-US" dirty="0" smtClean="0"/>
-              <a:t>特異点は終了したプロジェクトに現れる</a:t>
-            </a:r>
-            <a:endParaRPr kumimoji="1" lang="ja-JP" altLang="en-US" dirty="0"/>
+              <a:rPr kumimoji="1" lang="ko-KR" altLang="en-US" b="1" dirty="0">
+                <a:latin typeface="+mj-ea"/>
+              </a:rPr>
+              <a:t>특이점은 종료한 프로젝트에서 나타남</a:t>
+            </a:r>
+            <a:endParaRPr kumimoji="1" lang="ja-JP" altLang="en-US" b="1" dirty="0">
+              <a:latin typeface="+mj-ea"/>
+            </a:endParaRPr>
           </a:p>
         </p:txBody>
       </p:sp>
@@ -7244,30 +7815,65 @@
           <a:lstStyle/>
           <a:p>
             <a:r>
-              <a:rPr kumimoji="1" lang="ja-JP" altLang="en-US" dirty="0" smtClean="0"/>
-              <a:t>まだ募集中のプロジェクトに限定して達成率を算出</a:t>
-            </a:r>
-            <a:endParaRPr kumimoji="1" lang="en-US" altLang="ja-JP" dirty="0" smtClean="0"/>
+              <a:rPr kumimoji="1" lang="ko-KR" altLang="en-US" dirty="0">
+                <a:latin typeface="+mj-ea"/>
+                <a:ea typeface="+mj-ea"/>
+              </a:rPr>
+              <a:t>아직 모집 중인 프로젝트에 한정해 </a:t>
+            </a:r>
+            <a:r>
+              <a:rPr kumimoji="1" lang="ko-KR" altLang="en-US" dirty="0" err="1">
+                <a:latin typeface="+mj-ea"/>
+                <a:ea typeface="+mj-ea"/>
+              </a:rPr>
+              <a:t>달성률을</a:t>
+            </a:r>
+            <a:r>
+              <a:rPr kumimoji="1" lang="ko-KR" altLang="en-US" dirty="0">
+                <a:latin typeface="+mj-ea"/>
+                <a:ea typeface="+mj-ea"/>
+              </a:rPr>
+              <a:t> 산출</a:t>
+            </a:r>
+            <a:endParaRPr kumimoji="1" lang="en-US" altLang="ja-JP" dirty="0">
+              <a:latin typeface="+mj-ea"/>
+              <a:ea typeface="+mj-ea"/>
+            </a:endParaRPr>
           </a:p>
           <a:p>
             <a:pPr lvl="1"/>
             <a:r>
-              <a:rPr kumimoji="1" lang="en-US" altLang="ja-JP" dirty="0" smtClean="0"/>
-              <a:t>100%</a:t>
-            </a:r>
-            <a:r>
-              <a:rPr kumimoji="1" lang="ja-JP" altLang="en-US" dirty="0" smtClean="0"/>
-              <a:t>付近での特異点は消える</a:t>
-            </a:r>
-            <a:endParaRPr kumimoji="1" lang="en-US" altLang="ja-JP" dirty="0" smtClean="0"/>
+              <a:rPr kumimoji="1" lang="en-US" altLang="ja-JP" dirty="0">
+                <a:latin typeface="+mj-ea"/>
+                <a:ea typeface="+mj-ea"/>
+              </a:rPr>
+              <a:t>100% </a:t>
+            </a:r>
+            <a:r>
+              <a:rPr kumimoji="1" lang="ko-KR" altLang="en-US" dirty="0">
+                <a:latin typeface="+mj-ea"/>
+                <a:ea typeface="+mj-ea"/>
+              </a:rPr>
+              <a:t>부근에서의 특이점은 사라짐</a:t>
+            </a:r>
+            <a:endParaRPr kumimoji="1" lang="en-US" altLang="ja-JP" dirty="0">
+              <a:latin typeface="+mj-ea"/>
+              <a:ea typeface="+mj-ea"/>
+            </a:endParaRPr>
           </a:p>
           <a:p>
             <a:pPr lvl="1"/>
             <a:r>
-              <a:rPr kumimoji="1" lang="ja-JP" altLang="en-US" dirty="0" smtClean="0"/>
-              <a:t>プロジェクト終了間際に特異点が生まれると考えられる</a:t>
-            </a:r>
-            <a:endParaRPr kumimoji="1" lang="ja-JP" altLang="en-US" dirty="0"/>
+              <a:rPr kumimoji="1" lang="ko-KR" altLang="en-US" dirty="0">
+                <a:latin typeface="+mj-ea"/>
+                <a:ea typeface="+mj-ea"/>
+              </a:rPr>
+              <a:t>프로젝트 종료 간격에 특이점이 나타나는 것으로 생각할 수 있음</a:t>
+            </a:r>
+            <a:endParaRPr kumimoji="1" lang="ja-JP" altLang="en-US" dirty="0">
+              <a:latin typeface="+mj-ea"/>
+              <a:ea typeface="+mj-ea"/>
+            </a:endParaRPr>
           </a:p>
         </p:txBody>
       </p:sp>
@@ -7331,7 +7937,10 @@
           <a:lstStyle/>
           <a:p>
             <a:pPr algn="ctr"/>
-            <a:endParaRPr kumimoji="1" lang="ja-JP" altLang="en-US"/>
+            <a:endParaRPr kumimoji="1" lang="ja-JP" altLang="en-US">
+              <a:latin typeface="+mj-ea"/>
+              <a:ea typeface="+mj-ea"/>
+            </a:endParaRPr>
           </a:p>
         </p:txBody>
       </p:sp>
@@ -7383,10 +7992,30 @@
           <a:lstStyle/>
           <a:p>
             <a:r>
-              <a:rPr kumimoji="1" lang="ja-JP" altLang="en-US" dirty="0" smtClean="0"/>
-              <a:t>年度ごとの達成率の分布</a:t>
-            </a:r>
-            <a:endParaRPr kumimoji="1" lang="ja-JP" altLang="en-US" dirty="0"/>
+              <a:rPr lang="ko-KR" altLang="en-US" b="1" dirty="0">
+                <a:latin typeface="맑은 고딕" panose="020B0503020000020004" pitchFamily="50" charset="-127"/>
+                <a:ea typeface="맑은 고딕" panose="020B0503020000020004" pitchFamily="50" charset="-127"/>
+              </a:rPr>
+              <a:t>연도별 </a:t>
+            </a:r>
+            <a:r>
+              <a:rPr lang="ko-KR" altLang="en-US" b="1" dirty="0" err="1">
+                <a:latin typeface="맑은 고딕" panose="020B0503020000020004" pitchFamily="50" charset="-127"/>
+                <a:ea typeface="맑은 고딕" panose="020B0503020000020004" pitchFamily="50" charset="-127"/>
+              </a:rPr>
+              <a:t>달성률</a:t>
+            </a:r>
+            <a:r>
+              <a:rPr lang="ko-KR" altLang="en-US" b="1" dirty="0">
+                <a:latin typeface="맑은 고딕" panose="020B0503020000020004" pitchFamily="50" charset="-127"/>
+                <a:ea typeface="맑은 고딕" panose="020B0503020000020004" pitchFamily="50" charset="-127"/>
+              </a:rPr>
+              <a:t> 분포</a:t>
+            </a:r>
+            <a:endParaRPr kumimoji="1" lang="ja-JP" altLang="en-US" b="1" dirty="0">
+              <a:latin typeface="맑은 고딕" panose="020B0503020000020004" pitchFamily="50" charset="-127"/>
+              <a:ea typeface="맑은 고딕" panose="020B0503020000020004" pitchFamily="50" charset="-127"/>
+            </a:endParaRPr>
           </a:p>
         </p:txBody>
       </p:sp>
@@ -7408,96 +8037,161 @@
           <a:lstStyle/>
           <a:p>
             <a:r>
-              <a:rPr lang="ja-JP" altLang="en-US" sz="2400" dirty="0" smtClean="0"/>
-              <a:t>フィルター条件</a:t>
-            </a:r>
-            <a:endParaRPr lang="en-US" altLang="ja-JP" sz="2400" dirty="0" smtClean="0"/>
+              <a:rPr lang="ko-KR" altLang="en-US" sz="2400" dirty="0">
+                <a:latin typeface="맑은 고딕" panose="020B0503020000020004" pitchFamily="50" charset="-127"/>
+                <a:ea typeface="맑은 고딕" panose="020B0503020000020004" pitchFamily="50" charset="-127"/>
+              </a:rPr>
+              <a:t>필터 조건</a:t>
+            </a:r>
+            <a:endParaRPr lang="en-US" altLang="ja-JP" sz="2400" dirty="0">
+              <a:latin typeface="맑은 고딕" panose="020B0503020000020004" pitchFamily="50" charset="-127"/>
+              <a:ea typeface="맑은 고딕" panose="020B0503020000020004" pitchFamily="50" charset="-127"/>
+            </a:endParaRPr>
           </a:p>
           <a:p>
             <a:pPr lvl="1"/>
             <a:r>
-              <a:rPr lang="ja-JP" altLang="en-US" sz="2000" dirty="0" smtClean="0"/>
-              <a:t>現在募集中のプロジェクトは除外</a:t>
-            </a:r>
-            <a:endParaRPr lang="en-US" altLang="ja-JP" sz="2000" dirty="0" smtClean="0"/>
+              <a:rPr lang="ko-KR" altLang="en-US" sz="2000" dirty="0">
+                <a:latin typeface="맑은 고딕" panose="020B0503020000020004" pitchFamily="50" charset="-127"/>
+                <a:ea typeface="맑은 고딕" panose="020B0503020000020004" pitchFamily="50" charset="-127"/>
+              </a:rPr>
+              <a:t>현재 모집 중인 프로젝트는 제외</a:t>
+            </a:r>
+            <a:endParaRPr lang="en-US" altLang="ja-JP" sz="2000" dirty="0">
+              <a:latin typeface="맑은 고딕" panose="020B0503020000020004" pitchFamily="50" charset="-127"/>
+              <a:ea typeface="맑은 고딕" panose="020B0503020000020004" pitchFamily="50" charset="-127"/>
+            </a:endParaRPr>
           </a:p>
           <a:p>
             <a:pPr lvl="1"/>
             <a:r>
-              <a:rPr lang="ja-JP" altLang="en-US" sz="2000" dirty="0" smtClean="0"/>
-              <a:t>年度ごとの分析であるため</a:t>
-            </a:r>
-            <a:r>
-              <a:rPr lang="en-US" altLang="ja-JP" sz="2000" dirty="0" smtClean="0"/>
-              <a:t>apps</a:t>
-            </a:r>
-            <a:r>
-              <a:rPr lang="ja-JP" altLang="en-US" sz="2000" dirty="0" smtClean="0"/>
-              <a:t>カテゴリは除外</a:t>
-            </a:r>
-            <a:endParaRPr lang="en-US" altLang="ja-JP" sz="2000" dirty="0" smtClean="0"/>
-          </a:p>
-          <a:p>
-            <a:r>
-              <a:rPr lang="ja-JP" altLang="en-US" sz="2400" dirty="0" smtClean="0"/>
-              <a:t>達成率の状況から、</a:t>
-            </a:r>
-            <a:r>
-              <a:rPr lang="en-US" altLang="ja-JP" sz="2400" dirty="0" smtClean="0"/>
+              <a:rPr lang="ko-KR" altLang="en-US" sz="2000" dirty="0">
+                <a:latin typeface="맑은 고딕" panose="020B0503020000020004" pitchFamily="50" charset="-127"/>
+                <a:ea typeface="맑은 고딕" panose="020B0503020000020004" pitchFamily="50" charset="-127"/>
+              </a:rPr>
+              <a:t>연도별 분석을 수행하므로 </a:t>
+            </a:r>
+            <a:r>
+              <a:rPr lang="en-US" altLang="ko-KR" sz="2000" dirty="0">
+                <a:latin typeface="맑은 고딕" panose="020B0503020000020004" pitchFamily="50" charset="-127"/>
+                <a:ea typeface="맑은 고딕" panose="020B0503020000020004" pitchFamily="50" charset="-127"/>
+              </a:rPr>
+              <a:t>apps </a:t>
+            </a:r>
+            <a:r>
+              <a:rPr lang="ko-KR" altLang="en-US" sz="2000" dirty="0">
+                <a:latin typeface="맑은 고딕" panose="020B0503020000020004" pitchFamily="50" charset="-127"/>
+                <a:ea typeface="맑은 고딕" panose="020B0503020000020004" pitchFamily="50" charset="-127"/>
+              </a:rPr>
+              <a:t>분류는 제외</a:t>
+            </a:r>
+            <a:endParaRPr lang="en-US" altLang="ja-JP" sz="2000" dirty="0">
+              <a:latin typeface="맑은 고딕" panose="020B0503020000020004" pitchFamily="50" charset="-127"/>
+              <a:ea typeface="맑은 고딕" panose="020B0503020000020004" pitchFamily="50" charset="-127"/>
+            </a:endParaRPr>
+          </a:p>
+          <a:p>
+            <a:r>
+              <a:rPr lang="ko-KR" altLang="en-US" sz="2400" dirty="0" err="1">
+                <a:latin typeface="맑은 고딕" panose="020B0503020000020004" pitchFamily="50" charset="-127"/>
+                <a:ea typeface="맑은 고딕" panose="020B0503020000020004" pitchFamily="50" charset="-127"/>
+              </a:rPr>
+              <a:t>달성률</a:t>
+            </a:r>
+            <a:r>
+              <a:rPr lang="ko-KR" altLang="en-US" sz="2400" dirty="0">
+                <a:latin typeface="맑은 고딕" panose="020B0503020000020004" pitchFamily="50" charset="-127"/>
+                <a:ea typeface="맑은 고딕" panose="020B0503020000020004" pitchFamily="50" charset="-127"/>
+              </a:rPr>
+              <a:t> 상황에 </a:t>
+            </a:r>
+            <a:r>
+              <a:rPr lang="en-US" altLang="ko-KR" sz="2400" dirty="0">
+                <a:latin typeface="맑은 고딕" panose="020B0503020000020004" pitchFamily="50" charset="-127"/>
+                <a:ea typeface="맑은 고딕" panose="020B0503020000020004" pitchFamily="50" charset="-127"/>
+              </a:rPr>
               <a:t>3</a:t>
             </a:r>
             <a:r>
-              <a:rPr lang="ja-JP" altLang="en-US" sz="2400" dirty="0" err="1" smtClean="0"/>
-              <a:t>つの</a:t>
-            </a:r>
-            <a:r>
-              <a:rPr lang="ja-JP" altLang="en-US" sz="2400" dirty="0" smtClean="0"/>
-              <a:t>異なる傾向が存在</a:t>
-            </a:r>
-            <a:endParaRPr lang="en-US" altLang="ja-JP" sz="2400" dirty="0" smtClean="0"/>
+              <a:rPr lang="ko-KR" altLang="en-US" sz="2400" dirty="0">
+                <a:latin typeface="맑은 고딕" panose="020B0503020000020004" pitchFamily="50" charset="-127"/>
+                <a:ea typeface="맑은 고딕" panose="020B0503020000020004" pitchFamily="50" charset="-127"/>
+              </a:rPr>
+              <a:t>가지 다른 경향이 존재</a:t>
+            </a:r>
+            <a:endParaRPr lang="en-US" altLang="ja-JP" sz="2400" dirty="0">
+              <a:latin typeface="맑은 고딕" panose="020B0503020000020004" pitchFamily="50" charset="-127"/>
+              <a:ea typeface="맑은 고딕" panose="020B0503020000020004" pitchFamily="50" charset="-127"/>
+            </a:endParaRPr>
           </a:p>
           <a:p>
             <a:pPr lvl="1"/>
             <a:r>
-              <a:rPr lang="en-US" altLang="ja-JP" sz="2000" dirty="0" smtClean="0"/>
-              <a:t>2010</a:t>
-            </a:r>
-            <a:r>
-              <a:rPr lang="ja-JP" altLang="en-US" sz="2000" dirty="0" smtClean="0"/>
-              <a:t>年まで、</a:t>
-            </a:r>
-            <a:r>
-              <a:rPr lang="en-US" altLang="ja-JP" sz="2000" dirty="0" smtClean="0"/>
-              <a:t>2011</a:t>
-            </a:r>
-            <a:r>
-              <a:rPr lang="ja-JP" altLang="en-US" sz="2000" dirty="0" smtClean="0"/>
-              <a:t>～</a:t>
-            </a:r>
-            <a:r>
-              <a:rPr lang="en-US" altLang="ja-JP" sz="2000" dirty="0" smtClean="0"/>
-              <a:t>2013</a:t>
-            </a:r>
-            <a:r>
-              <a:rPr lang="ja-JP" altLang="en-US" sz="2000" dirty="0" smtClean="0"/>
-              <a:t>年、</a:t>
-            </a:r>
-            <a:r>
-              <a:rPr lang="en-US" altLang="ja-JP" sz="2000" dirty="0" smtClean="0"/>
-              <a:t>2014</a:t>
-            </a:r>
-            <a:r>
-              <a:rPr lang="ja-JP" altLang="en-US" sz="2000" dirty="0" smtClean="0"/>
-              <a:t>年以降</a:t>
-            </a:r>
-            <a:endParaRPr lang="en-US" altLang="ja-JP" sz="2000" dirty="0" smtClean="0"/>
-          </a:p>
-          <a:p>
-            <a:endParaRPr lang="en-US" altLang="ja-JP" sz="2400" dirty="0"/>
+              <a:rPr lang="en-US" altLang="ja-JP" sz="2000" dirty="0">
+                <a:latin typeface="맑은 고딕" panose="020B0503020000020004" pitchFamily="50" charset="-127"/>
+                <a:ea typeface="맑은 고딕" panose="020B0503020000020004" pitchFamily="50" charset="-127"/>
+              </a:rPr>
+              <a:t>~2010</a:t>
+            </a:r>
+            <a:r>
+              <a:rPr lang="ko-KR" altLang="en-US" sz="2000" dirty="0">
+                <a:latin typeface="맑은 고딕" panose="020B0503020000020004" pitchFamily="50" charset="-127"/>
+                <a:ea typeface="맑은 고딕" panose="020B0503020000020004" pitchFamily="50" charset="-127"/>
+              </a:rPr>
+              <a:t>년</a:t>
+            </a:r>
+            <a:r>
+              <a:rPr lang="en-US" altLang="ko-KR" sz="2000" dirty="0">
+                <a:latin typeface="맑은 고딕" panose="020B0503020000020004" pitchFamily="50" charset="-127"/>
+                <a:ea typeface="맑은 고딕" panose="020B0503020000020004" pitchFamily="50" charset="-127"/>
+              </a:rPr>
+              <a:t>, 2011~2013</a:t>
+            </a:r>
+            <a:r>
+              <a:rPr lang="ko-KR" altLang="en-US" sz="2000" dirty="0">
+                <a:latin typeface="맑은 고딕" panose="020B0503020000020004" pitchFamily="50" charset="-127"/>
+                <a:ea typeface="맑은 고딕" panose="020B0503020000020004" pitchFamily="50" charset="-127"/>
+              </a:rPr>
+              <a:t>년</a:t>
+            </a:r>
+            <a:r>
+              <a:rPr lang="en-US" altLang="ko-KR" sz="2000" dirty="0">
+                <a:latin typeface="맑은 고딕" panose="020B0503020000020004" pitchFamily="50" charset="-127"/>
+                <a:ea typeface="맑은 고딕" panose="020B0503020000020004" pitchFamily="50" charset="-127"/>
+              </a:rPr>
+              <a:t>, 2014</a:t>
+            </a:r>
+            <a:r>
+              <a:rPr lang="ko-KR" altLang="en-US" sz="2000" dirty="0">
+                <a:latin typeface="맑은 고딕" panose="020B0503020000020004" pitchFamily="50" charset="-127"/>
+                <a:ea typeface="맑은 고딕" panose="020B0503020000020004" pitchFamily="50" charset="-127"/>
+              </a:rPr>
+              <a:t>년</a:t>
+            </a:r>
+            <a:r>
+              <a:rPr lang="en-US" altLang="ko-KR" sz="2000" dirty="0">
+                <a:latin typeface="맑은 고딕" panose="020B0503020000020004" pitchFamily="50" charset="-127"/>
+                <a:ea typeface="맑은 고딕" panose="020B0503020000020004" pitchFamily="50" charset="-127"/>
+              </a:rPr>
+              <a:t>~</a:t>
+            </a:r>
+            <a:endParaRPr lang="en-US" altLang="ja-JP" sz="2000" dirty="0">
+              <a:latin typeface="맑은 고딕" panose="020B0503020000020004" pitchFamily="50" charset="-127"/>
+              <a:ea typeface="맑은 고딕" panose="020B0503020000020004" pitchFamily="50" charset="-127"/>
+            </a:endParaRPr>
+          </a:p>
+          <a:p>
+            <a:endParaRPr lang="en-US" altLang="ja-JP" sz="2400" dirty="0">
+              <a:latin typeface="맑은 고딕" panose="020B0503020000020004" pitchFamily="50" charset="-127"/>
+              <a:ea typeface="맑은 고딕" panose="020B0503020000020004" pitchFamily="50" charset="-127"/>
+            </a:endParaRPr>
           </a:p>
           <a:p>
             <a:pPr lvl="1"/>
-            <a:endParaRPr kumimoji="1" lang="ja-JP" altLang="en-US" sz="2000" dirty="0"/>
+            <a:endParaRPr kumimoji="1" lang="ja-JP" altLang="en-US" sz="2000" dirty="0">
+              <a:latin typeface="맑은 고딕" panose="020B0503020000020004" pitchFamily="50" charset="-127"/>
+              <a:ea typeface="맑은 고딕" panose="020B0503020000020004" pitchFamily="50" charset="-127"/>
+            </a:endParaRPr>
           </a:p>
         </p:txBody>
       </p:sp>
@@ -7573,10 +8267,20 @@
           <a:lstStyle/>
           <a:p>
             <a:r>
-              <a:rPr kumimoji="1" lang="ja-JP" altLang="en-US" dirty="0" smtClean="0"/>
-              <a:t>達成率の分布からわかること</a:t>
-            </a:r>
-            <a:endParaRPr kumimoji="1" lang="ja-JP" altLang="en-US" dirty="0"/>
+              <a:rPr kumimoji="1" lang="ko-KR" altLang="en-US" b="1" dirty="0" err="1">
+                <a:latin typeface="+mj-ea"/>
+              </a:rPr>
+              <a:t>달성률</a:t>
+            </a:r>
+            <a:r>
+              <a:rPr kumimoji="1" lang="ko-KR" altLang="en-US" b="1" dirty="0">
+                <a:latin typeface="+mj-ea"/>
+              </a:rPr>
+              <a:t> 분포로부터 알 수 있는 것</a:t>
+            </a:r>
+            <a:endParaRPr kumimoji="1" lang="ja-JP" altLang="en-US" b="1" dirty="0">
+              <a:latin typeface="+mj-ea"/>
+            </a:endParaRPr>
           </a:p>
         </p:txBody>
       </p:sp>
@@ -7598,265 +8302,449 @@
           <a:lstStyle/>
           <a:p>
             <a:r>
-              <a:rPr lang="ja-JP" altLang="en-US" dirty="0" smtClean="0"/>
-              <a:t>観測された事実</a:t>
-            </a:r>
-            <a:endParaRPr lang="en-US" altLang="ja-JP" dirty="0" smtClean="0"/>
+              <a:rPr lang="ko-KR" altLang="en-US" dirty="0">
+                <a:latin typeface="+mj-ea"/>
+                <a:ea typeface="+mj-ea"/>
+              </a:rPr>
+              <a:t>관측된 사실</a:t>
+            </a:r>
+            <a:endParaRPr lang="en-US" altLang="ja-JP" dirty="0">
+              <a:latin typeface="+mj-ea"/>
+              <a:ea typeface="+mj-ea"/>
+            </a:endParaRPr>
           </a:p>
           <a:p>
             <a:pPr lvl="1"/>
             <a:r>
-              <a:rPr lang="ja-JP" altLang="en-US" dirty="0" smtClean="0"/>
+              <a:rPr lang="ko-KR" altLang="en-US" dirty="0" err="1">
+                <a:latin typeface="+mj-ea"/>
+                <a:ea typeface="+mj-ea"/>
+              </a:rPr>
+              <a:t>달성률</a:t>
+            </a:r>
+            <a:r>
+              <a:rPr lang="ko-KR" altLang="en-US" dirty="0">
+                <a:latin typeface="+mj-ea"/>
+                <a:ea typeface="+mj-ea"/>
+              </a:rPr>
+              <a:t> </a:t>
+            </a:r>
+            <a:r>
+              <a:rPr lang="en-US" altLang="ko-KR" dirty="0">
+                <a:latin typeface="+mj-ea"/>
+                <a:ea typeface="+mj-ea"/>
+              </a:rPr>
+              <a:t>10% </a:t>
+            </a:r>
+            <a:r>
+              <a:rPr lang="ko-KR" altLang="en-US" dirty="0">
+                <a:latin typeface="+mj-ea"/>
+                <a:ea typeface="+mj-ea"/>
+              </a:rPr>
+              <a:t>미만으로 종료되는 프로젝트가 </a:t>
+            </a:r>
+            <a:r>
+              <a:rPr lang="en-US" altLang="ko-KR" dirty="0">
+                <a:latin typeface="+mj-ea"/>
+                <a:ea typeface="+mj-ea"/>
+              </a:rPr>
+              <a:t>54%</a:t>
+            </a:r>
+            <a:endParaRPr lang="en-US" altLang="ja-JP" dirty="0">
+              <a:latin typeface="+mj-ea"/>
+              <a:ea typeface="+mj-ea"/>
+            </a:endParaRPr>
+          </a:p>
+          <a:p>
+            <a:pPr lvl="1"/>
+            <a:r>
+              <a:rPr lang="ko-KR" altLang="en-US" dirty="0" err="1">
+                <a:latin typeface="+mj-ea"/>
+                <a:ea typeface="+mj-ea"/>
+              </a:rPr>
+              <a:t>달성률</a:t>
+            </a:r>
+            <a:r>
+              <a:rPr lang="ko-KR" altLang="en-US" dirty="0">
+                <a:latin typeface="+mj-ea"/>
+                <a:ea typeface="+mj-ea"/>
+              </a:rPr>
+              <a:t> </a:t>
+            </a:r>
+            <a:r>
+              <a:rPr lang="en-US" altLang="ko-KR" dirty="0">
+                <a:latin typeface="+mj-ea"/>
+                <a:ea typeface="+mj-ea"/>
+              </a:rPr>
+              <a:t>50%~100%</a:t>
+            </a:r>
+            <a:r>
+              <a:rPr lang="ko-KR" altLang="en-US" dirty="0">
+                <a:latin typeface="+mj-ea"/>
+                <a:ea typeface="+mj-ea"/>
+              </a:rPr>
+              <a:t>로 종료되는 프로젝트는 </a:t>
+            </a:r>
+            <a:r>
+              <a:rPr lang="en-US" altLang="ko-KR" dirty="0">
+                <a:latin typeface="+mj-ea"/>
+                <a:ea typeface="+mj-ea"/>
+              </a:rPr>
+              <a:t>3%</a:t>
+            </a:r>
+            <a:r>
+              <a:rPr lang="ko-KR" altLang="en-US" dirty="0">
+                <a:latin typeface="+mj-ea"/>
+                <a:ea typeface="+mj-ea"/>
+              </a:rPr>
+              <a:t>정도로 적음</a:t>
+            </a:r>
+            <a:endParaRPr lang="en-US" altLang="ja-JP" dirty="0">
+              <a:latin typeface="+mj-ea"/>
+              <a:ea typeface="+mj-ea"/>
+            </a:endParaRPr>
+          </a:p>
+          <a:p>
+            <a:pPr lvl="1"/>
+            <a:r>
+              <a:rPr lang="ko-KR" altLang="en-US" dirty="0" err="1">
+                <a:latin typeface="+mj-ea"/>
+                <a:ea typeface="+mj-ea"/>
+              </a:rPr>
+              <a:t>달성률</a:t>
+            </a:r>
+            <a:r>
+              <a:rPr lang="ko-KR" altLang="en-US" dirty="0">
+                <a:latin typeface="+mj-ea"/>
+                <a:ea typeface="+mj-ea"/>
+              </a:rPr>
+              <a:t> </a:t>
+            </a:r>
+            <a:r>
+              <a:rPr lang="en-US" altLang="ko-KR" dirty="0">
+                <a:latin typeface="+mj-ea"/>
+                <a:ea typeface="+mj-ea"/>
+              </a:rPr>
+              <a:t>100%~110%</a:t>
+            </a:r>
+            <a:r>
+              <a:rPr lang="ko-KR" altLang="en-US" dirty="0">
+                <a:latin typeface="+mj-ea"/>
+                <a:ea typeface="+mj-ea"/>
+              </a:rPr>
+              <a:t>로 종료되는 프로젝트는 </a:t>
+            </a:r>
+            <a:r>
+              <a:rPr lang="en-US" altLang="ko-KR" dirty="0">
+                <a:latin typeface="+mj-ea"/>
+                <a:ea typeface="+mj-ea"/>
+              </a:rPr>
+              <a:t>5.7%</a:t>
+            </a:r>
+            <a:r>
+              <a:rPr lang="ko-KR" altLang="en-US" dirty="0">
+                <a:latin typeface="+mj-ea"/>
+                <a:ea typeface="+mj-ea"/>
+              </a:rPr>
+              <a:t>로 상당히 많음</a:t>
+            </a:r>
+            <a:endParaRPr lang="en-US" altLang="ja-JP" dirty="0">
+              <a:latin typeface="+mj-ea"/>
+              <a:ea typeface="+mj-ea"/>
+            </a:endParaRPr>
+          </a:p>
+          <a:p>
+            <a:pPr lvl="1"/>
+            <a:r>
+              <a:rPr lang="ko-KR" altLang="en-US" dirty="0" err="1">
+                <a:latin typeface="+mj-ea"/>
+                <a:ea typeface="+mj-ea"/>
+              </a:rPr>
+              <a:t>달성률이</a:t>
+            </a:r>
+            <a:r>
+              <a:rPr lang="ko-KR" altLang="en-US" dirty="0">
+                <a:latin typeface="+mj-ea"/>
+                <a:ea typeface="+mj-ea"/>
+              </a:rPr>
+              <a:t> </a:t>
+            </a:r>
+            <a:r>
+              <a:rPr lang="en-US" altLang="ko-KR" dirty="0">
+                <a:latin typeface="+mj-ea"/>
+                <a:ea typeface="+mj-ea"/>
+              </a:rPr>
+              <a:t>200%</a:t>
+            </a:r>
+            <a:r>
+              <a:rPr lang="ko-KR" altLang="en-US" dirty="0">
+                <a:latin typeface="+mj-ea"/>
+                <a:ea typeface="+mj-ea"/>
+              </a:rPr>
+              <a:t>를 넘는 프로젝트는 </a:t>
+            </a:r>
+            <a:r>
+              <a:rPr lang="en-US" altLang="ko-KR" dirty="0">
+                <a:latin typeface="+mj-ea"/>
+                <a:ea typeface="+mj-ea"/>
+              </a:rPr>
+              <a:t>12% </a:t>
+            </a:r>
+            <a:r>
+              <a:rPr lang="ko-KR" altLang="en-US" dirty="0">
+                <a:latin typeface="+mj-ea"/>
+                <a:ea typeface="+mj-ea"/>
+              </a:rPr>
+              <a:t>이상</a:t>
+            </a:r>
+            <a:endParaRPr lang="en-US" altLang="ja-JP" dirty="0">
+              <a:latin typeface="+mj-ea"/>
+              <a:ea typeface="+mj-ea"/>
+            </a:endParaRPr>
+          </a:p>
+          <a:p>
+            <a:pPr lvl="1"/>
+            <a:r>
+              <a:rPr lang="ko-KR" altLang="en-US" dirty="0" err="1">
+                <a:latin typeface="+mj-ea"/>
+                <a:ea typeface="+mj-ea"/>
+              </a:rPr>
+              <a:t>달성률의</a:t>
+            </a:r>
+            <a:r>
+              <a:rPr lang="ko-KR" altLang="en-US" dirty="0">
+                <a:latin typeface="+mj-ea"/>
+                <a:ea typeface="+mj-ea"/>
+              </a:rPr>
+              <a:t> 변곡점은 모집 중인 프로젝트에는 존재하지 않음</a:t>
+            </a:r>
+            <a:endParaRPr lang="en-US" altLang="ja-JP" dirty="0">
+              <a:latin typeface="+mj-ea"/>
+              <a:ea typeface="+mj-ea"/>
+            </a:endParaRPr>
+          </a:p>
+          <a:p>
+            <a:pPr lvl="1"/>
+            <a:r>
+              <a:rPr lang="ko-KR" altLang="en-US" dirty="0">
+                <a:latin typeface="+mj-ea"/>
+                <a:ea typeface="+mj-ea"/>
+              </a:rPr>
+              <a:t>연도별로 봐도 </a:t>
+            </a:r>
+            <a:r>
+              <a:rPr lang="ko-KR" altLang="en-US" dirty="0" err="1">
+                <a:latin typeface="+mj-ea"/>
+                <a:ea typeface="+mj-ea"/>
+              </a:rPr>
+              <a:t>달성률에</a:t>
+            </a:r>
+            <a:r>
+              <a:rPr lang="ko-KR" altLang="en-US" dirty="0">
+                <a:latin typeface="+mj-ea"/>
+                <a:ea typeface="+mj-ea"/>
+              </a:rPr>
+              <a:t> 변경점이 있음</a:t>
+            </a:r>
+            <a:endParaRPr lang="en-US" altLang="ja-JP" dirty="0">
+              <a:latin typeface="+mj-ea"/>
+              <a:ea typeface="+mj-ea"/>
+            </a:endParaRPr>
+          </a:p>
+          <a:p>
+            <a:pPr lvl="2"/>
+            <a:endParaRPr lang="en-US" altLang="ja-JP" dirty="0">
+              <a:latin typeface="+mj-ea"/>
+              <a:ea typeface="+mj-ea"/>
+            </a:endParaRPr>
+          </a:p>
+          <a:p>
+            <a:r>
+              <a:rPr lang="ko-KR" altLang="en-US" dirty="0" err="1">
+                <a:latin typeface="+mj-ea"/>
+                <a:ea typeface="+mj-ea"/>
+              </a:rPr>
+              <a:t>달성률에</a:t>
+            </a:r>
+            <a:r>
+              <a:rPr lang="ko-KR" altLang="en-US" dirty="0">
+                <a:latin typeface="+mj-ea"/>
+                <a:ea typeface="+mj-ea"/>
+              </a:rPr>
+              <a:t> 맞춰 프로젝트는 </a:t>
+            </a:r>
+            <a:r>
+              <a:rPr lang="en-US" altLang="ko-KR" dirty="0">
+                <a:latin typeface="+mj-ea"/>
+                <a:ea typeface="+mj-ea"/>
+              </a:rPr>
+              <a:t>3</a:t>
+            </a:r>
+            <a:r>
+              <a:rPr lang="ko-KR" altLang="en-US" dirty="0">
+                <a:latin typeface="+mj-ea"/>
+                <a:ea typeface="+mj-ea"/>
+              </a:rPr>
+              <a:t>종류로 크게 나눌 수 있음</a:t>
+            </a:r>
+            <a:endParaRPr lang="en-US" altLang="ja-JP" dirty="0">
+              <a:latin typeface="+mj-ea"/>
+              <a:ea typeface="+mj-ea"/>
+            </a:endParaRPr>
+          </a:p>
+          <a:p>
+            <a:pPr lvl="1"/>
+            <a:r>
+              <a:rPr lang="ja-JP" altLang="en-US" dirty="0">
+                <a:latin typeface="+mj-ea"/>
+                <a:ea typeface="+mj-ea"/>
+              </a:rPr>
               <a:t>達成率</a:t>
             </a:r>
             <a:r>
-              <a:rPr lang="en-US" altLang="ja-JP" dirty="0" smtClean="0"/>
-              <a:t>10%</a:t>
-            </a:r>
-            <a:r>
-              <a:rPr lang="ja-JP" altLang="en-US" dirty="0" smtClean="0"/>
-              <a:t>未満で終わるプロジェクトが</a:t>
-            </a:r>
-            <a:r>
-              <a:rPr lang="en-US" altLang="ja-JP" dirty="0" smtClean="0"/>
-              <a:t>54%</a:t>
-            </a:r>
-            <a:r>
-              <a:rPr lang="ja-JP" altLang="en-US" dirty="0" smtClean="0"/>
-              <a:t>存在する</a:t>
-            </a:r>
-            <a:endParaRPr lang="en-US" altLang="ja-JP" dirty="0" smtClean="0"/>
+              <a:rPr lang="en-US" altLang="ja-JP" dirty="0">
+                <a:latin typeface="+mj-ea"/>
+                <a:ea typeface="+mj-ea"/>
+              </a:rPr>
+              <a:t>50%</a:t>
+            </a:r>
+            <a:r>
+              <a:rPr lang="ja-JP" altLang="en-US" dirty="0">
+                <a:latin typeface="+mj-ea"/>
+                <a:ea typeface="+mj-ea"/>
+              </a:rPr>
+              <a:t>未満</a:t>
+            </a:r>
+            <a:r>
+              <a:rPr lang="en-US" altLang="ja-JP" dirty="0">
+                <a:latin typeface="+mj-ea"/>
+                <a:ea typeface="+mj-ea"/>
+              </a:rPr>
+              <a:t>		</a:t>
+            </a:r>
+            <a:r>
+              <a:rPr lang="ja-JP" altLang="en-US" dirty="0">
+                <a:latin typeface="+mj-ea"/>
+                <a:ea typeface="+mj-ea"/>
+              </a:rPr>
+              <a:t>：　典型的な失敗プロジェクト</a:t>
+            </a:r>
+            <a:endParaRPr lang="en-US" altLang="ja-JP" dirty="0">
+              <a:latin typeface="+mj-ea"/>
+              <a:ea typeface="+mj-ea"/>
+            </a:endParaRPr>
           </a:p>
           <a:p>
             <a:pPr lvl="1"/>
             <a:r>
-              <a:rPr lang="ja-JP" altLang="en-US" dirty="0" smtClean="0"/>
+              <a:rPr lang="ja-JP" altLang="en-US" dirty="0">
+                <a:latin typeface="+mj-ea"/>
+                <a:ea typeface="+mj-ea"/>
+              </a:rPr>
               <a:t>達成率</a:t>
             </a:r>
             <a:r>
-              <a:rPr lang="en-US" altLang="ja-JP" dirty="0" smtClean="0"/>
+              <a:rPr lang="en-US" altLang="ja-JP" dirty="0">
+                <a:latin typeface="+mj-ea"/>
+                <a:ea typeface="+mj-ea"/>
+              </a:rPr>
               <a:t>50%</a:t>
             </a:r>
             <a:r>
-              <a:rPr lang="ja-JP" altLang="en-US" dirty="0" smtClean="0"/>
-              <a:t>から</a:t>
-            </a:r>
-            <a:r>
-              <a:rPr lang="en-US" altLang="ja-JP" dirty="0" smtClean="0"/>
-              <a:t>10</a:t>
-            </a:r>
-            <a:r>
-              <a:rPr lang="en-US" altLang="ja-JP" dirty="0"/>
-              <a:t>0</a:t>
-            </a:r>
-            <a:r>
-              <a:rPr lang="en-US" altLang="ja-JP" dirty="0" smtClean="0"/>
-              <a:t>%</a:t>
-            </a:r>
-            <a:r>
-              <a:rPr lang="ja-JP" altLang="en-US" dirty="0" smtClean="0"/>
-              <a:t>で終わるプロジェクトは</a:t>
-            </a:r>
-            <a:r>
-              <a:rPr lang="en-US" altLang="ja-JP" dirty="0" smtClean="0"/>
-              <a:t>3%</a:t>
-            </a:r>
-            <a:r>
-              <a:rPr lang="ja-JP" altLang="en-US" dirty="0" smtClean="0"/>
-              <a:t>程度と少ない</a:t>
-            </a:r>
-            <a:endParaRPr lang="en-US" altLang="ja-JP" dirty="0" smtClean="0"/>
+              <a:rPr lang="ja-JP" altLang="en-US" dirty="0">
+                <a:latin typeface="+mj-ea"/>
+                <a:ea typeface="+mj-ea"/>
+              </a:rPr>
+              <a:t>～</a:t>
+            </a:r>
+            <a:r>
+              <a:rPr lang="en-US" altLang="ja-JP" dirty="0">
+                <a:latin typeface="+mj-ea"/>
+                <a:ea typeface="+mj-ea"/>
+              </a:rPr>
+              <a:t>200%	</a:t>
+            </a:r>
+            <a:r>
+              <a:rPr lang="ja-JP" altLang="en-US" dirty="0">
+                <a:latin typeface="+mj-ea"/>
+                <a:ea typeface="+mj-ea"/>
+              </a:rPr>
+              <a:t>：　終了間際に</a:t>
+            </a:r>
+            <a:r>
+              <a:rPr lang="en-US" altLang="ja-JP" dirty="0">
+                <a:latin typeface="+mj-ea"/>
+                <a:ea typeface="+mj-ea"/>
+              </a:rPr>
+              <a:t>Back</a:t>
+            </a:r>
+            <a:r>
+              <a:rPr lang="ja-JP" altLang="en-US" dirty="0">
+                <a:latin typeface="+mj-ea"/>
+                <a:ea typeface="+mj-ea"/>
+              </a:rPr>
+              <a:t>されるプロジェクト</a:t>
+            </a:r>
+            <a:endParaRPr lang="en-US" altLang="ja-JP" dirty="0">
+              <a:latin typeface="+mj-ea"/>
+              <a:ea typeface="+mj-ea"/>
+            </a:endParaRPr>
           </a:p>
           <a:p>
             <a:pPr lvl="1"/>
             <a:r>
-              <a:rPr lang="ja-JP" altLang="en-US" dirty="0" smtClean="0"/>
+              <a:rPr lang="ja-JP" altLang="en-US" dirty="0">
+                <a:latin typeface="+mj-ea"/>
+                <a:ea typeface="+mj-ea"/>
+              </a:rPr>
               <a:t>達成率</a:t>
             </a:r>
             <a:r>
-              <a:rPr lang="en-US" altLang="ja-JP" dirty="0" smtClean="0"/>
-              <a:t>100%</a:t>
-            </a:r>
-            <a:r>
-              <a:rPr lang="ja-JP" altLang="en-US" dirty="0" smtClean="0"/>
-              <a:t>～</a:t>
-            </a:r>
-            <a:r>
-              <a:rPr lang="en-US" altLang="ja-JP" dirty="0" smtClean="0"/>
-              <a:t>110%</a:t>
-            </a:r>
-            <a:r>
-              <a:rPr lang="ja-JP" altLang="en-US" dirty="0" smtClean="0"/>
-              <a:t>で終わるプロジェクトは</a:t>
-            </a:r>
-            <a:r>
-              <a:rPr lang="en-US" altLang="ja-JP" dirty="0" smtClean="0"/>
-              <a:t>5.7%</a:t>
-            </a:r>
-            <a:r>
-              <a:rPr lang="ja-JP" altLang="en-US" dirty="0" smtClean="0"/>
-              <a:t>と非常に多い</a:t>
-            </a:r>
-            <a:endParaRPr lang="en-US" altLang="ja-JP" dirty="0" smtClean="0"/>
+              <a:rPr lang="en-US" altLang="ja-JP" dirty="0">
+                <a:latin typeface="+mj-ea"/>
+                <a:ea typeface="+mj-ea"/>
+              </a:rPr>
+              <a:t>200%</a:t>
+            </a:r>
+            <a:r>
+              <a:rPr lang="ja-JP" altLang="en-US" dirty="0">
+                <a:latin typeface="+mj-ea"/>
+                <a:ea typeface="+mj-ea"/>
+              </a:rPr>
+              <a:t>超</a:t>
+            </a:r>
+            <a:r>
+              <a:rPr lang="en-US" altLang="ja-JP" dirty="0">
+                <a:latin typeface="+mj-ea"/>
+                <a:ea typeface="+mj-ea"/>
+              </a:rPr>
+              <a:t>		</a:t>
+            </a:r>
+            <a:r>
+              <a:rPr lang="ja-JP" altLang="en-US" dirty="0">
+                <a:latin typeface="+mj-ea"/>
+                <a:ea typeface="+mj-ea"/>
+              </a:rPr>
+              <a:t>：　大成功プロジェクト</a:t>
+            </a:r>
+            <a:endParaRPr lang="en-US" altLang="ja-JP" dirty="0">
+              <a:latin typeface="+mj-ea"/>
+              <a:ea typeface="+mj-ea"/>
+            </a:endParaRPr>
           </a:p>
           <a:p>
             <a:pPr lvl="1"/>
-            <a:r>
-              <a:rPr lang="ja-JP" altLang="en-US" dirty="0" smtClean="0"/>
-              <a:t>達成率が</a:t>
-            </a:r>
-            <a:r>
-              <a:rPr lang="en-US" altLang="ja-JP" dirty="0" smtClean="0"/>
-              <a:t>200%</a:t>
-            </a:r>
-            <a:r>
-              <a:rPr lang="ja-JP" altLang="en-US" dirty="0" smtClean="0"/>
-              <a:t>超で終わるプロジェクトは</a:t>
-            </a:r>
-            <a:r>
-              <a:rPr lang="en-US" altLang="ja-JP" dirty="0" smtClean="0"/>
-              <a:t>12%</a:t>
-            </a:r>
-            <a:r>
-              <a:rPr lang="ja-JP" altLang="en-US" dirty="0" smtClean="0"/>
-              <a:t>以上ある</a:t>
-            </a:r>
-            <a:endParaRPr lang="en-US" altLang="ja-JP" dirty="0" smtClean="0"/>
-          </a:p>
-          <a:p>
-            <a:pPr lvl="1"/>
-            <a:r>
-              <a:rPr lang="ja-JP" altLang="en-US" dirty="0" smtClean="0"/>
-              <a:t>達成率の変曲点は、募集中のプロジェクトには存在しない</a:t>
-            </a:r>
-            <a:endParaRPr lang="en-US" altLang="ja-JP" dirty="0" smtClean="0"/>
-          </a:p>
-          <a:p>
-            <a:pPr lvl="1"/>
-            <a:r>
-              <a:rPr lang="ja-JP" altLang="en-US" dirty="0" smtClean="0"/>
-              <a:t>年度ごとに見ても、達成率に</a:t>
-            </a:r>
-            <a:r>
-              <a:rPr lang="ja-JP" altLang="en-US" dirty="0"/>
-              <a:t>変曲点</a:t>
-            </a:r>
-            <a:endParaRPr lang="en-US" altLang="ja-JP" dirty="0" smtClean="0"/>
+            <a:endParaRPr lang="en-US" altLang="ja-JP" dirty="0">
+              <a:latin typeface="+mj-ea"/>
+              <a:ea typeface="+mj-ea"/>
+            </a:endParaRPr>
           </a:p>
           <a:p>
             <a:pPr lvl="2"/>
-            <a:endParaRPr lang="en-US" altLang="ja-JP" dirty="0" smtClean="0"/>
-          </a:p>
-          <a:p>
-            <a:r>
-              <a:rPr lang="ja-JP" altLang="en-US" dirty="0" smtClean="0"/>
-              <a:t>達成率に応じて、プロジェクトは</a:t>
-            </a:r>
-            <a:r>
-              <a:rPr lang="en-US" altLang="ja-JP" dirty="0" smtClean="0"/>
-              <a:t>3</a:t>
-            </a:r>
-            <a:r>
-              <a:rPr lang="ja-JP" altLang="en-US" dirty="0" smtClean="0"/>
-              <a:t>種類に大別することができる</a:t>
-            </a:r>
-            <a:endParaRPr lang="en-US" altLang="ja-JP" dirty="0" smtClean="0"/>
-          </a:p>
-          <a:p>
-            <a:pPr lvl="1"/>
-            <a:r>
-              <a:rPr lang="ja-JP" altLang="en-US" dirty="0" smtClean="0"/>
-              <a:t>達成率</a:t>
-            </a:r>
-            <a:r>
-              <a:rPr lang="en-US" altLang="ja-JP" dirty="0" smtClean="0"/>
-              <a:t>50%</a:t>
-            </a:r>
-            <a:r>
-              <a:rPr lang="ja-JP" altLang="en-US" dirty="0" smtClean="0"/>
-              <a:t>未満</a:t>
-            </a:r>
-            <a:r>
-              <a:rPr lang="en-US" altLang="ja-JP" dirty="0" smtClean="0"/>
-              <a:t>		</a:t>
-            </a:r>
-            <a:r>
-              <a:rPr lang="ja-JP" altLang="en-US" dirty="0" smtClean="0"/>
-              <a:t>：　典型的な失敗プロジェクト</a:t>
-            </a:r>
-            <a:endParaRPr lang="en-US" altLang="ja-JP" dirty="0" smtClean="0"/>
-          </a:p>
-          <a:p>
-            <a:pPr lvl="1"/>
-            <a:r>
-              <a:rPr lang="ja-JP" altLang="en-US" dirty="0" smtClean="0"/>
-              <a:t>達成率</a:t>
-            </a:r>
-            <a:r>
-              <a:rPr lang="en-US" altLang="ja-JP" dirty="0" smtClean="0"/>
-              <a:t>50%</a:t>
-            </a:r>
-            <a:r>
-              <a:rPr lang="ja-JP" altLang="en-US" dirty="0" smtClean="0"/>
-              <a:t>～</a:t>
-            </a:r>
-            <a:r>
-              <a:rPr lang="en-US" altLang="ja-JP" dirty="0" smtClean="0"/>
-              <a:t>20</a:t>
-            </a:r>
-            <a:r>
-              <a:rPr lang="en-US" altLang="ja-JP" dirty="0"/>
-              <a:t>0</a:t>
-            </a:r>
-            <a:r>
-              <a:rPr lang="en-US" altLang="ja-JP" dirty="0" smtClean="0"/>
-              <a:t>%	</a:t>
-            </a:r>
-            <a:r>
-              <a:rPr lang="ja-JP" altLang="en-US" dirty="0" smtClean="0"/>
-              <a:t>：　終了間際に</a:t>
-            </a:r>
-            <a:r>
-              <a:rPr lang="en-US" altLang="ja-JP" dirty="0" smtClean="0"/>
-              <a:t>Back</a:t>
-            </a:r>
-            <a:r>
-              <a:rPr lang="ja-JP" altLang="en-US" dirty="0" smtClean="0"/>
-              <a:t>されるプロジェクト</a:t>
-            </a:r>
-            <a:endParaRPr lang="en-US" altLang="ja-JP" dirty="0" smtClean="0"/>
-          </a:p>
-          <a:p>
-            <a:pPr lvl="1"/>
-            <a:r>
-              <a:rPr lang="ja-JP" altLang="en-US" dirty="0" smtClean="0"/>
-              <a:t>達成率</a:t>
-            </a:r>
-            <a:r>
-              <a:rPr lang="en-US" altLang="ja-JP" dirty="0" smtClean="0"/>
-              <a:t>200%</a:t>
-            </a:r>
-            <a:r>
-              <a:rPr lang="ja-JP" altLang="en-US" dirty="0" smtClean="0"/>
-              <a:t>超</a:t>
-            </a:r>
-            <a:r>
-              <a:rPr lang="en-US" altLang="ja-JP" dirty="0" smtClean="0"/>
-              <a:t>		</a:t>
-            </a:r>
-            <a:r>
-              <a:rPr lang="ja-JP" altLang="en-US" dirty="0" smtClean="0"/>
-              <a:t>：　大成功プロジェクト</a:t>
-            </a:r>
-            <a:endParaRPr lang="en-US" altLang="ja-JP" dirty="0" smtClean="0"/>
-          </a:p>
-          <a:p>
-            <a:pPr lvl="1"/>
-            <a:endParaRPr lang="en-US" altLang="ja-JP" dirty="0" smtClean="0"/>
-          </a:p>
-          <a:p>
-            <a:pPr lvl="2"/>
-            <a:endParaRPr lang="en-US" altLang="ja-JP" dirty="0" smtClean="0"/>
+            <a:endParaRPr lang="en-US" altLang="ja-JP" dirty="0">
+              <a:latin typeface="+mj-ea"/>
+              <a:ea typeface="+mj-ea"/>
+            </a:endParaRPr>
           </a:p>
         </p:txBody>
       </p:sp>
